--- a/Power BI Embedded - December 2017.pptx
+++ b/Power BI Embedded - December 2017.pptx
@@ -5,67 +5,65 @@
     <p:sldMasterId id="2147483648" r:id="rId5"/>
   </p:sldMasterIdLst>
   <p:notesMasterIdLst>
-    <p:notesMasterId r:id="rId61"/>
+    <p:notesMasterId r:id="rId59"/>
   </p:notesMasterIdLst>
   <p:handoutMasterIdLst>
-    <p:handoutMasterId r:id="rId62"/>
+    <p:handoutMasterId r:id="rId60"/>
   </p:handoutMasterIdLst>
   <p:sldIdLst>
     <p:sldId id="279" r:id="rId6"/>
     <p:sldId id="599" r:id="rId7"/>
     <p:sldId id="554" r:id="rId8"/>
     <p:sldId id="523" r:id="rId9"/>
-    <p:sldId id="538" r:id="rId10"/>
-    <p:sldId id="587" r:id="rId11"/>
+    <p:sldId id="600" r:id="rId10"/>
+    <p:sldId id="538" r:id="rId11"/>
     <p:sldId id="588" r:id="rId12"/>
-    <p:sldId id="600" r:id="rId13"/>
-    <p:sldId id="526" r:id="rId14"/>
-    <p:sldId id="583" r:id="rId15"/>
-    <p:sldId id="584" r:id="rId16"/>
-    <p:sldId id="609" r:id="rId17"/>
-    <p:sldId id="625" r:id="rId18"/>
-    <p:sldId id="613" r:id="rId19"/>
-    <p:sldId id="601" r:id="rId20"/>
-    <p:sldId id="525" r:id="rId21"/>
-    <p:sldId id="607" r:id="rId22"/>
-    <p:sldId id="578" r:id="rId23"/>
-    <p:sldId id="641" r:id="rId24"/>
-    <p:sldId id="640" r:id="rId25"/>
-    <p:sldId id="639" r:id="rId26"/>
-    <p:sldId id="642" r:id="rId27"/>
-    <p:sldId id="643" r:id="rId28"/>
-    <p:sldId id="602" r:id="rId29"/>
-    <p:sldId id="614" r:id="rId30"/>
-    <p:sldId id="632" r:id="rId31"/>
-    <p:sldId id="633" r:id="rId32"/>
-    <p:sldId id="631" r:id="rId33"/>
-    <p:sldId id="610" r:id="rId34"/>
-    <p:sldId id="630" r:id="rId35"/>
-    <p:sldId id="611" r:id="rId36"/>
-    <p:sldId id="616" r:id="rId37"/>
-    <p:sldId id="618" r:id="rId38"/>
-    <p:sldId id="619" r:id="rId39"/>
-    <p:sldId id="603" r:id="rId40"/>
-    <p:sldId id="624" r:id="rId41"/>
-    <p:sldId id="620" r:id="rId42"/>
-    <p:sldId id="623" r:id="rId43"/>
-    <p:sldId id="634" r:id="rId44"/>
-    <p:sldId id="626" r:id="rId45"/>
-    <p:sldId id="622" r:id="rId46"/>
-    <p:sldId id="617" r:id="rId47"/>
-    <p:sldId id="604" r:id="rId48"/>
-    <p:sldId id="582" r:id="rId49"/>
-    <p:sldId id="627" r:id="rId50"/>
-    <p:sldId id="628" r:id="rId51"/>
-    <p:sldId id="629" r:id="rId52"/>
-    <p:sldId id="605" r:id="rId53"/>
-    <p:sldId id="636" r:id="rId54"/>
-    <p:sldId id="589" r:id="rId55"/>
-    <p:sldId id="637" r:id="rId56"/>
-    <p:sldId id="638" r:id="rId57"/>
-    <p:sldId id="635" r:id="rId58"/>
-    <p:sldId id="606" r:id="rId59"/>
-    <p:sldId id="574" r:id="rId60"/>
+    <p:sldId id="526" r:id="rId13"/>
+    <p:sldId id="583" r:id="rId14"/>
+    <p:sldId id="584" r:id="rId15"/>
+    <p:sldId id="609" r:id="rId16"/>
+    <p:sldId id="625" r:id="rId17"/>
+    <p:sldId id="613" r:id="rId18"/>
+    <p:sldId id="601" r:id="rId19"/>
+    <p:sldId id="607" r:id="rId20"/>
+    <p:sldId id="578" r:id="rId21"/>
+    <p:sldId id="641" r:id="rId22"/>
+    <p:sldId id="640" r:id="rId23"/>
+    <p:sldId id="639" r:id="rId24"/>
+    <p:sldId id="642" r:id="rId25"/>
+    <p:sldId id="643" r:id="rId26"/>
+    <p:sldId id="602" r:id="rId27"/>
+    <p:sldId id="614" r:id="rId28"/>
+    <p:sldId id="632" r:id="rId29"/>
+    <p:sldId id="633" r:id="rId30"/>
+    <p:sldId id="631" r:id="rId31"/>
+    <p:sldId id="610" r:id="rId32"/>
+    <p:sldId id="611" r:id="rId33"/>
+    <p:sldId id="630" r:id="rId34"/>
+    <p:sldId id="616" r:id="rId35"/>
+    <p:sldId id="618" r:id="rId36"/>
+    <p:sldId id="619" r:id="rId37"/>
+    <p:sldId id="603" r:id="rId38"/>
+    <p:sldId id="624" r:id="rId39"/>
+    <p:sldId id="620" r:id="rId40"/>
+    <p:sldId id="623" r:id="rId41"/>
+    <p:sldId id="634" r:id="rId42"/>
+    <p:sldId id="626" r:id="rId43"/>
+    <p:sldId id="622" r:id="rId44"/>
+    <p:sldId id="617" r:id="rId45"/>
+    <p:sldId id="604" r:id="rId46"/>
+    <p:sldId id="582" r:id="rId47"/>
+    <p:sldId id="627" r:id="rId48"/>
+    <p:sldId id="628" r:id="rId49"/>
+    <p:sldId id="629" r:id="rId50"/>
+    <p:sldId id="605" r:id="rId51"/>
+    <p:sldId id="636" r:id="rId52"/>
+    <p:sldId id="589" r:id="rId53"/>
+    <p:sldId id="637" r:id="rId54"/>
+    <p:sldId id="638" r:id="rId55"/>
+    <p:sldId id="635" r:id="rId56"/>
+    <p:sldId id="606" r:id="rId57"/>
+    <p:sldId id="574" r:id="rId58"/>
   </p:sldIdLst>
   <p:sldSz cx="9144000" cy="6858000" type="screen4x3"/>
   <p:notesSz cx="7315200" cy="9601200"/>
@@ -903,69 +901,6 @@
     <p:extLst>
       <p:ext uri="{BB962C8B-B14F-4D97-AF65-F5344CB8AC3E}">
         <p14:creationId xmlns:p14="http://schemas.microsoft.com/office/powerpoint/2010/main" val="1283551767"/>
-      </p:ext>
-    </p:extLst>
-  </p:cSld>
-  <p:clrMapOvr>
-    <a:masterClrMapping/>
-  </p:clrMapOvr>
-</p:notes>
-</file>
-
-<file path=ppt/notesSlides/notesSlide6.xml><?xml version="1.0" encoding="utf-8"?>
-<p:notes xmlns:a="http://schemas.openxmlformats.org/drawingml/2006/main" xmlns:r="http://schemas.openxmlformats.org/officeDocument/2006/relationships" xmlns:p="http://schemas.openxmlformats.org/presentationml/2006/main">
-  <p:cSld>
-    <p:spTree>
-      <p:nvGrpSpPr>
-        <p:cNvPr id="1" name=""/>
-        <p:cNvGrpSpPr/>
-        <p:nvPr/>
-      </p:nvGrpSpPr>
-      <p:grpSpPr>
-        <a:xfrm>
-          <a:off x="0" y="0"/>
-          <a:ext cx="0" cy="0"/>
-          <a:chOff x="0" y="0"/>
-          <a:chExt cx="0" cy="0"/>
-        </a:xfrm>
-      </p:grpSpPr>
-      <p:sp>
-        <p:nvSpPr>
-          <p:cNvPr id="2" name="Slide Image Placeholder 1"/>
-          <p:cNvSpPr>
-            <a:spLocks noGrp="1" noRot="1" noChangeAspect="1"/>
-          </p:cNvSpPr>
-          <p:nvPr>
-            <p:ph type="sldImg"/>
-          </p:nvPr>
-        </p:nvSpPr>
-        <p:spPr/>
-      </p:sp>
-      <p:sp>
-        <p:nvSpPr>
-          <p:cNvPr id="3" name="Notes Placeholder 2"/>
-          <p:cNvSpPr>
-            <a:spLocks noGrp="1"/>
-          </p:cNvSpPr>
-          <p:nvPr>
-            <p:ph type="body" idx="1"/>
-          </p:nvPr>
-        </p:nvSpPr>
-        <p:spPr/>
-        <p:txBody>
-          <a:bodyPr>
-            <a:normAutofit/>
-          </a:bodyPr>
-          <a:lstStyle/>
-          <a:p>
-            <a:endParaRPr lang="en-US" sz="2000" dirty="0"/>
-          </a:p>
-        </p:txBody>
-      </p:sp>
-    </p:spTree>
-    <p:extLst>
-      <p:ext uri="{BB962C8B-B14F-4D97-AF65-F5344CB8AC3E}">
-        <p14:creationId xmlns:p14="http://schemas.microsoft.com/office/powerpoint/2010/main" val="3430056823"/>
       </p:ext>
     </p:extLst>
   </p:cSld>
@@ -2929,690 +2864,6 @@
           <a:p>
             <a:r>
               <a:rPr lang="en-US" dirty="0"/>
-              <a:t>First Party Embedding</a:t>
-            </a:r>
-          </a:p>
-        </p:txBody>
-      </p:sp>
-      <p:sp>
-        <p:nvSpPr>
-          <p:cNvPr id="18" name="Content Placeholder 17"/>
-          <p:cNvSpPr>
-            <a:spLocks noGrp="1"/>
-          </p:cNvSpPr>
-          <p:nvPr>
-            <p:ph idx="1"/>
-          </p:nvPr>
-        </p:nvSpPr>
-        <p:spPr/>
-        <p:txBody>
-          <a:bodyPr/>
-          <a:lstStyle/>
-          <a:p>
-            <a:r>
-              <a:rPr lang="en-US" dirty="0"/>
-              <a:t>App authenticates current user with Azure AD</a:t>
-            </a:r>
-          </a:p>
-          <a:p>
-            <a:pPr lvl="1"/>
-            <a:r>
-              <a:rPr lang="en-US" dirty="0"/>
-              <a:t>Your code accesses Power BI Service as current user</a:t>
-            </a:r>
-          </a:p>
-          <a:p>
-            <a:pPr lvl="1"/>
-            <a:r>
-              <a:rPr lang="en-US" dirty="0"/>
-              <a:t>Embedding requires Azure AD access token for user</a:t>
-            </a:r>
-          </a:p>
-          <a:p>
-            <a:pPr lvl="1"/>
-            <a:r>
-              <a:rPr lang="en-US" dirty="0"/>
-              <a:t>User requires Azure AD account and Power BI license</a:t>
-            </a:r>
-          </a:p>
-          <a:p>
-            <a:pPr lvl="1"/>
-            <a:r>
-              <a:rPr lang="en-US" dirty="0"/>
-              <a:t>Your code has access to whatever user has access to</a:t>
-            </a:r>
-          </a:p>
-          <a:p>
-            <a:pPr lvl="1"/>
-            <a:endParaRPr lang="en-US" dirty="0"/>
-          </a:p>
-        </p:txBody>
-      </p:sp>
-      <p:sp>
-        <p:nvSpPr>
-          <p:cNvPr id="7" name="Rectangle 6"/>
-          <p:cNvSpPr/>
-          <p:nvPr/>
-        </p:nvSpPr>
-        <p:spPr>
-          <a:xfrm>
-            <a:off x="609600" y="3922349"/>
-            <a:ext cx="7924800" cy="2695506"/>
-          </a:xfrm>
-          <a:prstGeom prst="rect">
-            <a:avLst/>
-          </a:prstGeom>
-          <a:solidFill>
-            <a:schemeClr val="accent2">
-              <a:lumMod val="20000"/>
-              <a:lumOff val="80000"/>
-            </a:schemeClr>
-          </a:solidFill>
-        </p:spPr>
-        <p:style>
-          <a:lnRef idx="2">
-            <a:schemeClr val="accent1">
-              <a:shade val="50000"/>
-            </a:schemeClr>
-          </a:lnRef>
-          <a:fillRef idx="1">
-            <a:schemeClr val="accent1"/>
-          </a:fillRef>
-          <a:effectRef idx="0">
-            <a:schemeClr val="accent1"/>
-          </a:effectRef>
-          <a:fontRef idx="minor">
-            <a:schemeClr val="lt1"/>
-          </a:fontRef>
-        </p:style>
-        <p:txBody>
-          <a:bodyPr rtlCol="0" anchor="ctr"/>
-          <a:lstStyle/>
-          <a:p>
-            <a:pPr algn="ctr"/>
-            <a:endParaRPr lang="en-US" sz="1200">
-              <a:solidFill>
-                <a:schemeClr val="accent2">
-                  <a:lumMod val="20000"/>
-                  <a:lumOff val="80000"/>
-                </a:schemeClr>
-              </a:solidFill>
-            </a:endParaRPr>
-          </a:p>
-        </p:txBody>
-      </p:sp>
-      <p:sp>
-        <p:nvSpPr>
-          <p:cNvPr id="8" name="Rectangle 7"/>
-          <p:cNvSpPr/>
-          <p:nvPr/>
-        </p:nvSpPr>
-        <p:spPr>
-          <a:xfrm>
-            <a:off x="914400" y="5141549"/>
-            <a:ext cx="1631758" cy="1176077"/>
-          </a:xfrm>
-          <a:prstGeom prst="rect">
-            <a:avLst/>
-          </a:prstGeom>
-        </p:spPr>
-        <p:style>
-          <a:lnRef idx="2">
-            <a:schemeClr val="accent1">
-              <a:shade val="50000"/>
-            </a:schemeClr>
-          </a:lnRef>
-          <a:fillRef idx="1">
-            <a:schemeClr val="accent1"/>
-          </a:fillRef>
-          <a:effectRef idx="0">
-            <a:schemeClr val="accent1"/>
-          </a:effectRef>
-          <a:fontRef idx="minor">
-            <a:schemeClr val="lt1"/>
-          </a:fontRef>
-        </p:style>
-        <p:txBody>
-          <a:bodyPr rtlCol="0" anchor="ctr"/>
-          <a:lstStyle/>
-          <a:p>
-            <a:pPr algn="ctr"/>
-            <a:r>
-              <a:rPr lang="en-US" sz="1600" dirty="0"/>
-              <a:t>User</a:t>
-            </a:r>
-            <a:endParaRPr lang="en-US" sz="2000" dirty="0"/>
-          </a:p>
-        </p:txBody>
-      </p:sp>
-      <p:sp>
-        <p:nvSpPr>
-          <p:cNvPr id="20" name="Rectangle 19"/>
-          <p:cNvSpPr/>
-          <p:nvPr/>
-        </p:nvSpPr>
-        <p:spPr>
-          <a:xfrm>
-            <a:off x="6724879" y="5163110"/>
-            <a:ext cx="1631758" cy="1176077"/>
-          </a:xfrm>
-          <a:prstGeom prst="rect">
-            <a:avLst/>
-          </a:prstGeom>
-        </p:spPr>
-        <p:style>
-          <a:lnRef idx="2">
-            <a:schemeClr val="accent1">
-              <a:shade val="50000"/>
-            </a:schemeClr>
-          </a:lnRef>
-          <a:fillRef idx="1">
-            <a:schemeClr val="accent1"/>
-          </a:fillRef>
-          <a:effectRef idx="0">
-            <a:schemeClr val="accent1"/>
-          </a:effectRef>
-          <a:fontRef idx="minor">
-            <a:schemeClr val="lt1"/>
-          </a:fontRef>
-        </p:style>
-        <p:txBody>
-          <a:bodyPr rtlCol="0" anchor="ctr"/>
-          <a:lstStyle/>
-          <a:p>
-            <a:pPr algn="ctr"/>
-            <a:r>
-              <a:rPr lang="en-US" sz="1600" dirty="0"/>
-              <a:t>Power BI Service</a:t>
-            </a:r>
-          </a:p>
-        </p:txBody>
-      </p:sp>
-      <p:cxnSp>
-        <p:nvCxnSpPr>
-          <p:cNvPr id="32" name="Straight Arrow Connector 31"/>
-          <p:cNvCxnSpPr>
-            <a:stCxn id="37" idx="3"/>
-          </p:cNvCxnSpPr>
-          <p:nvPr/>
-        </p:nvCxnSpPr>
-        <p:spPr>
-          <a:xfrm>
-            <a:off x="3200400" y="5751149"/>
-            <a:ext cx="3388280" cy="0"/>
-          </a:xfrm>
-          <a:prstGeom prst="straightConnector1">
-            <a:avLst/>
-          </a:prstGeom>
-          <a:ln w="38100">
-            <a:tailEnd type="triangle"/>
-          </a:ln>
-        </p:spPr>
-        <p:style>
-          <a:lnRef idx="1">
-            <a:schemeClr val="accent1"/>
-          </a:lnRef>
-          <a:fillRef idx="0">
-            <a:schemeClr val="accent1"/>
-          </a:fillRef>
-          <a:effectRef idx="0">
-            <a:schemeClr val="accent1"/>
-          </a:effectRef>
-          <a:fontRef idx="minor">
-            <a:schemeClr val="tx1"/>
-          </a:fontRef>
-        </p:style>
-      </p:cxnSp>
-      <p:sp>
-        <p:nvSpPr>
-          <p:cNvPr id="37" name="Rectangle 36"/>
-          <p:cNvSpPr/>
-          <p:nvPr/>
-        </p:nvSpPr>
-        <p:spPr>
-          <a:xfrm>
-            <a:off x="2370500" y="5370149"/>
-            <a:ext cx="829900" cy="762000"/>
-          </a:xfrm>
-          <a:prstGeom prst="rect">
-            <a:avLst/>
-          </a:prstGeom>
-          <a:solidFill>
-            <a:schemeClr val="accent2"/>
-          </a:solidFill>
-        </p:spPr>
-        <p:style>
-          <a:lnRef idx="2">
-            <a:schemeClr val="accent1">
-              <a:shade val="50000"/>
-            </a:schemeClr>
-          </a:lnRef>
-          <a:fillRef idx="1">
-            <a:schemeClr val="accent1"/>
-          </a:fillRef>
-          <a:effectRef idx="0">
-            <a:schemeClr val="accent1"/>
-          </a:effectRef>
-          <a:fontRef idx="minor">
-            <a:schemeClr val="lt1"/>
-          </a:fontRef>
-        </p:style>
-        <p:txBody>
-          <a:bodyPr rtlCol="0" anchor="ctr"/>
-          <a:lstStyle/>
-          <a:p>
-            <a:pPr algn="ctr"/>
-            <a:r>
-              <a:rPr lang="en-US" sz="1400" b="1" dirty="0" err="1">
-                <a:solidFill>
-                  <a:schemeClr val="tx2">
-                    <a:lumMod val="90000"/>
-                    <a:lumOff val="10000"/>
-                  </a:schemeClr>
-                </a:solidFill>
-              </a:rPr>
-              <a:t>iFrame</a:t>
-            </a:r>
-            <a:endParaRPr lang="en-US" sz="1400" b="1" dirty="0">
-              <a:solidFill>
-                <a:schemeClr val="tx2">
-                  <a:lumMod val="90000"/>
-                  <a:lumOff val="10000"/>
-                </a:schemeClr>
-              </a:solidFill>
-            </a:endParaRPr>
-          </a:p>
-        </p:txBody>
-      </p:sp>
-      <p:sp>
-        <p:nvSpPr>
-          <p:cNvPr id="38" name="Rectangle 37"/>
-          <p:cNvSpPr/>
-          <p:nvPr/>
-        </p:nvSpPr>
-        <p:spPr>
-          <a:xfrm>
-            <a:off x="2971800" y="4150949"/>
-            <a:ext cx="3200400" cy="609600"/>
-          </a:xfrm>
-          <a:prstGeom prst="rect">
-            <a:avLst/>
-          </a:prstGeom>
-          <a:solidFill>
-            <a:schemeClr val="bg1"/>
-          </a:solidFill>
-          <a:ln w="28575">
-            <a:solidFill>
-              <a:schemeClr val="accent6">
-                <a:lumMod val="50000"/>
-              </a:schemeClr>
-            </a:solidFill>
-          </a:ln>
-        </p:spPr>
-        <p:style>
-          <a:lnRef idx="2">
-            <a:schemeClr val="accent1">
-              <a:shade val="50000"/>
-            </a:schemeClr>
-          </a:lnRef>
-          <a:fillRef idx="1">
-            <a:schemeClr val="accent1"/>
-          </a:fillRef>
-          <a:effectRef idx="0">
-            <a:schemeClr val="accent1"/>
-          </a:effectRef>
-          <a:fontRef idx="minor">
-            <a:schemeClr val="lt1"/>
-          </a:fontRef>
-        </p:style>
-        <p:txBody>
-          <a:bodyPr rtlCol="0" anchor="ctr"/>
-          <a:lstStyle/>
-          <a:p>
-            <a:pPr marL="117475" indent="-117475">
-              <a:buFont typeface="Arial" panose="020B0604020202020204" pitchFamily="34" charset="0"/>
-              <a:buChar char="•"/>
-            </a:pPr>
-            <a:r>
-              <a:rPr lang="en-US" sz="1400" dirty="0">
-                <a:solidFill>
-                  <a:schemeClr val="accent5">
-                    <a:lumMod val="50000"/>
-                  </a:schemeClr>
-                </a:solidFill>
-              </a:rPr>
-              <a:t>Embed URL for Power BI resource</a:t>
-            </a:r>
-          </a:p>
-          <a:p>
-            <a:pPr marL="117475" indent="-117475">
-              <a:buFont typeface="Arial" panose="020B0604020202020204" pitchFamily="34" charset="0"/>
-              <a:buChar char="•"/>
-            </a:pPr>
-            <a:r>
-              <a:rPr lang="en-US" sz="1400" dirty="0">
-                <a:solidFill>
-                  <a:schemeClr val="accent5">
-                    <a:lumMod val="50000"/>
-                  </a:schemeClr>
-                </a:solidFill>
-              </a:rPr>
-              <a:t>Access Token for current user</a:t>
-            </a:r>
-          </a:p>
-        </p:txBody>
-      </p:sp>
-      <p:cxnSp>
-        <p:nvCxnSpPr>
-          <p:cNvPr id="42" name="Straight Arrow Connector 41"/>
-          <p:cNvCxnSpPr/>
-          <p:nvPr/>
-        </p:nvCxnSpPr>
-        <p:spPr>
-          <a:xfrm flipH="1">
-            <a:off x="3048000" y="4760549"/>
-            <a:ext cx="381000" cy="504894"/>
-          </a:xfrm>
-          <a:prstGeom prst="straightConnector1">
-            <a:avLst/>
-          </a:prstGeom>
-          <a:ln w="28575">
-            <a:solidFill>
-              <a:schemeClr val="accent6">
-                <a:lumMod val="50000"/>
-              </a:schemeClr>
-            </a:solidFill>
-            <a:tailEnd type="triangle"/>
-          </a:ln>
-        </p:spPr>
-        <p:style>
-          <a:lnRef idx="1">
-            <a:schemeClr val="accent1"/>
-          </a:lnRef>
-          <a:fillRef idx="0">
-            <a:schemeClr val="accent1"/>
-          </a:fillRef>
-          <a:effectRef idx="0">
-            <a:schemeClr val="accent1"/>
-          </a:effectRef>
-          <a:fontRef idx="minor">
-            <a:schemeClr val="tx1"/>
-          </a:fontRef>
-        </p:style>
-      </p:cxnSp>
-    </p:spTree>
-    <p:extLst>
-      <p:ext uri="{BB962C8B-B14F-4D97-AF65-F5344CB8AC3E}">
-        <p14:creationId xmlns:p14="http://schemas.microsoft.com/office/powerpoint/2010/main" val="1817356418"/>
-      </p:ext>
-    </p:extLst>
-  </p:cSld>
-  <p:clrMapOvr>
-    <a:masterClrMapping/>
-  </p:clrMapOvr>
-  <p:timing>
-    <p:tnLst>
-      <p:par>
-        <p:cTn id="1" dur="indefinite" restart="never" nodeType="tmRoot">
-          <p:childTnLst>
-            <p:seq concurrent="1" nextAc="seek">
-              <p:cTn id="2" dur="indefinite" nodeType="mainSeq">
-                <p:childTnLst>
-                  <p:par>
-                    <p:cTn id="3" fill="hold">
-                      <p:stCondLst>
-                        <p:cond delay="indefinite"/>
-                      </p:stCondLst>
-                      <p:childTnLst>
-                        <p:par>
-                          <p:cTn id="4" fill="hold">
-                            <p:stCondLst>
-                              <p:cond delay="0"/>
-                            </p:stCondLst>
-                            <p:childTnLst>
-                              <p:par>
-                                <p:cTn id="5" presetID="1" presetClass="entr" presetSubtype="0" fill="hold" nodeType="clickEffect">
-                                  <p:stCondLst>
-                                    <p:cond delay="0"/>
-                                  </p:stCondLst>
-                                  <p:childTnLst>
-                                    <p:set>
-                                      <p:cBhvr>
-                                        <p:cTn id="6" dur="1" fill="hold">
-                                          <p:stCondLst>
-                                            <p:cond delay="0"/>
-                                          </p:stCondLst>
-                                        </p:cTn>
-                                        <p:tgtEl>
-                                          <p:spTgt spid="18">
-                                            <p:txEl>
-                                              <p:pRg st="1" end="1"/>
-                                            </p:txEl>
-                                          </p:spTgt>
-                                        </p:tgtEl>
-                                        <p:attrNameLst>
-                                          <p:attrName>style.visibility</p:attrName>
-                                        </p:attrNameLst>
-                                      </p:cBhvr>
-                                      <p:to>
-                                        <p:strVal val="visible"/>
-                                      </p:to>
-                                    </p:set>
-                                  </p:childTnLst>
-                                </p:cTn>
-                              </p:par>
-                            </p:childTnLst>
-                          </p:cTn>
-                        </p:par>
-                      </p:childTnLst>
-                    </p:cTn>
-                  </p:par>
-                  <p:par>
-                    <p:cTn id="7" fill="hold">
-                      <p:stCondLst>
-                        <p:cond delay="indefinite"/>
-                      </p:stCondLst>
-                      <p:childTnLst>
-                        <p:par>
-                          <p:cTn id="8" fill="hold">
-                            <p:stCondLst>
-                              <p:cond delay="0"/>
-                            </p:stCondLst>
-                            <p:childTnLst>
-                              <p:par>
-                                <p:cTn id="9" presetID="1" presetClass="entr" presetSubtype="0" fill="hold" nodeType="clickEffect">
-                                  <p:stCondLst>
-                                    <p:cond delay="0"/>
-                                  </p:stCondLst>
-                                  <p:childTnLst>
-                                    <p:set>
-                                      <p:cBhvr>
-                                        <p:cTn id="10" dur="1" fill="hold">
-                                          <p:stCondLst>
-                                            <p:cond delay="0"/>
-                                          </p:stCondLst>
-                                        </p:cTn>
-                                        <p:tgtEl>
-                                          <p:spTgt spid="18">
-                                            <p:txEl>
-                                              <p:pRg st="2" end="2"/>
-                                            </p:txEl>
-                                          </p:spTgt>
-                                        </p:tgtEl>
-                                        <p:attrNameLst>
-                                          <p:attrName>style.visibility</p:attrName>
-                                        </p:attrNameLst>
-                                      </p:cBhvr>
-                                      <p:to>
-                                        <p:strVal val="visible"/>
-                                      </p:to>
-                                    </p:set>
-                                  </p:childTnLst>
-                                </p:cTn>
-                              </p:par>
-                            </p:childTnLst>
-                          </p:cTn>
-                        </p:par>
-                      </p:childTnLst>
-                    </p:cTn>
-                  </p:par>
-                  <p:par>
-                    <p:cTn id="11" fill="hold">
-                      <p:stCondLst>
-                        <p:cond delay="indefinite"/>
-                      </p:stCondLst>
-                      <p:childTnLst>
-                        <p:par>
-                          <p:cTn id="12" fill="hold">
-                            <p:stCondLst>
-                              <p:cond delay="0"/>
-                            </p:stCondLst>
-                            <p:childTnLst>
-                              <p:par>
-                                <p:cTn id="13" presetID="1" presetClass="entr" presetSubtype="0" fill="hold" nodeType="clickEffect">
-                                  <p:stCondLst>
-                                    <p:cond delay="0"/>
-                                  </p:stCondLst>
-                                  <p:childTnLst>
-                                    <p:set>
-                                      <p:cBhvr>
-                                        <p:cTn id="14" dur="1" fill="hold">
-                                          <p:stCondLst>
-                                            <p:cond delay="0"/>
-                                          </p:stCondLst>
-                                        </p:cTn>
-                                        <p:tgtEl>
-                                          <p:spTgt spid="18">
-                                            <p:txEl>
-                                              <p:pRg st="3" end="3"/>
-                                            </p:txEl>
-                                          </p:spTgt>
-                                        </p:tgtEl>
-                                        <p:attrNameLst>
-                                          <p:attrName>style.visibility</p:attrName>
-                                        </p:attrNameLst>
-                                      </p:cBhvr>
-                                      <p:to>
-                                        <p:strVal val="visible"/>
-                                      </p:to>
-                                    </p:set>
-                                  </p:childTnLst>
-                                </p:cTn>
-                              </p:par>
-                            </p:childTnLst>
-                          </p:cTn>
-                        </p:par>
-                      </p:childTnLst>
-                    </p:cTn>
-                  </p:par>
-                  <p:par>
-                    <p:cTn id="15" fill="hold">
-                      <p:stCondLst>
-                        <p:cond delay="indefinite"/>
-                      </p:stCondLst>
-                      <p:childTnLst>
-                        <p:par>
-                          <p:cTn id="16" fill="hold">
-                            <p:stCondLst>
-                              <p:cond delay="0"/>
-                            </p:stCondLst>
-                            <p:childTnLst>
-                              <p:par>
-                                <p:cTn id="17" presetID="1" presetClass="entr" presetSubtype="0" fill="hold" nodeType="clickEffect">
-                                  <p:stCondLst>
-                                    <p:cond delay="0"/>
-                                  </p:stCondLst>
-                                  <p:childTnLst>
-                                    <p:set>
-                                      <p:cBhvr>
-                                        <p:cTn id="18" dur="1" fill="hold">
-                                          <p:stCondLst>
-                                            <p:cond delay="0"/>
-                                          </p:stCondLst>
-                                        </p:cTn>
-                                        <p:tgtEl>
-                                          <p:spTgt spid="18">
-                                            <p:txEl>
-                                              <p:pRg st="4" end="4"/>
-                                            </p:txEl>
-                                          </p:spTgt>
-                                        </p:tgtEl>
-                                        <p:attrNameLst>
-                                          <p:attrName>style.visibility</p:attrName>
-                                        </p:attrNameLst>
-                                      </p:cBhvr>
-                                      <p:to>
-                                        <p:strVal val="visible"/>
-                                      </p:to>
-                                    </p:set>
-                                  </p:childTnLst>
-                                </p:cTn>
-                              </p:par>
-                            </p:childTnLst>
-                          </p:cTn>
-                        </p:par>
-                      </p:childTnLst>
-                    </p:cTn>
-                  </p:par>
-                </p:childTnLst>
-              </p:cTn>
-              <p:prevCondLst>
-                <p:cond evt="onPrev" delay="0">
-                  <p:tgtEl>
-                    <p:sldTgt/>
-                  </p:tgtEl>
-                </p:cond>
-              </p:prevCondLst>
-              <p:nextCondLst>
-                <p:cond evt="onNext" delay="0">
-                  <p:tgtEl>
-                    <p:sldTgt/>
-                  </p:tgtEl>
-                </p:cond>
-              </p:nextCondLst>
-            </p:seq>
-          </p:childTnLst>
-        </p:cTn>
-      </p:par>
-    </p:tnLst>
-  </p:timing>
-</p:sld>
-</file>
-
-<file path=ppt/slides/slide11.xml><?xml version="1.0" encoding="utf-8"?>
-<p:sld xmlns:a="http://schemas.openxmlformats.org/drawingml/2006/main" xmlns:r="http://schemas.openxmlformats.org/officeDocument/2006/relationships" xmlns:p="http://schemas.openxmlformats.org/presentationml/2006/main">
-  <p:cSld>
-    <p:spTree>
-      <p:nvGrpSpPr>
-        <p:cNvPr id="1" name=""/>
-        <p:cNvGrpSpPr/>
-        <p:nvPr/>
-      </p:nvGrpSpPr>
-      <p:grpSpPr>
-        <a:xfrm>
-          <a:off x="0" y="0"/>
-          <a:ext cx="0" cy="0"/>
-          <a:chOff x="0" y="0"/>
-          <a:chExt cx="0" cy="0"/>
-        </a:xfrm>
-      </p:grpSpPr>
-      <p:sp>
-        <p:nvSpPr>
-          <p:cNvPr id="2" name="Title 1"/>
-          <p:cNvSpPr>
-            <a:spLocks noGrp="1"/>
-          </p:cNvSpPr>
-          <p:nvPr>
-            <p:ph type="title"/>
-          </p:nvPr>
-        </p:nvSpPr>
-        <p:spPr/>
-        <p:txBody>
-          <a:bodyPr/>
-          <a:lstStyle/>
-          <a:p>
-            <a:r>
-              <a:rPr lang="en-US" dirty="0"/>
               <a:t>Third Party Embedding</a:t>
             </a:r>
           </a:p>
@@ -4268,7 +3519,7 @@
 </p:sld>
 </file>
 
-<file path=ppt/slides/slide12.xml><?xml version="1.0" encoding="utf-8"?>
+<file path=ppt/slides/slide11.xml><?xml version="1.0" encoding="utf-8"?>
 <p:sld xmlns:a="http://schemas.openxmlformats.org/drawingml/2006/main" xmlns:r="http://schemas.openxmlformats.org/officeDocument/2006/relationships" xmlns:p="http://schemas.openxmlformats.org/presentationml/2006/main">
   <p:cSld>
     <p:spTree>
@@ -4338,7 +3589,7 @@
             <a:pPr lvl="1"/>
             <a:r>
               <a:rPr lang="en-US" dirty="0"/>
-              <a:t>Users can already access Power BI with browser</a:t>
+              <a:t>Embedding Power BI reports in SharePoint and Teams</a:t>
             </a:r>
           </a:p>
           <a:p>
@@ -4767,7 +4018,7 @@
 </p:sld>
 </file>
 
-<file path=ppt/slides/slide13.xml><?xml version="1.0" encoding="utf-8"?>
+<file path=ppt/slides/slide12.xml><?xml version="1.0" encoding="utf-8"?>
 <p:sld xmlns:a="http://schemas.openxmlformats.org/drawingml/2006/main" xmlns:r="http://schemas.openxmlformats.org/officeDocument/2006/relationships" xmlns:p="http://schemas.openxmlformats.org/presentationml/2006/main">
   <p:cSld>
     <p:spTree>
@@ -4949,6 +4200,58 @@
 </p:sld>
 </file>
 
+<file path=ppt/slides/slide13.xml><?xml version="1.0" encoding="utf-8"?>
+<p:sld xmlns:a="http://schemas.openxmlformats.org/drawingml/2006/main" xmlns:r="http://schemas.openxmlformats.org/officeDocument/2006/relationships" xmlns:p="http://schemas.openxmlformats.org/presentationml/2006/main">
+  <p:cSld>
+    <p:spTree>
+      <p:nvGrpSpPr>
+        <p:cNvPr id="1" name=""/>
+        <p:cNvGrpSpPr/>
+        <p:nvPr/>
+      </p:nvGrpSpPr>
+      <p:grpSpPr>
+        <a:xfrm>
+          <a:off x="0" y="0"/>
+          <a:ext cx="0" cy="0"/>
+          <a:chOff x="0" y="0"/>
+          <a:chExt cx="0" cy="0"/>
+        </a:xfrm>
+      </p:grpSpPr>
+      <p:sp>
+        <p:nvSpPr>
+          <p:cNvPr id="2" name="Title 1"/>
+          <p:cNvSpPr>
+            <a:spLocks noGrp="1"/>
+          </p:cNvSpPr>
+          <p:nvPr>
+            <p:ph type="title"/>
+          </p:nvPr>
+        </p:nvSpPr>
+        <p:spPr/>
+        <p:txBody>
+          <a:bodyPr/>
+          <a:lstStyle/>
+          <a:p>
+            <a:r>
+              <a:rPr lang="en-US" dirty="0"/>
+              <a:t>The Daily Reporter Pro Sample App</a:t>
+            </a:r>
+          </a:p>
+        </p:txBody>
+      </p:sp>
+    </p:spTree>
+    <p:extLst>
+      <p:ext uri="{BB962C8B-B14F-4D97-AF65-F5344CB8AC3E}">
+        <p14:creationId xmlns:p14="http://schemas.microsoft.com/office/powerpoint/2010/main" val="2731603119"/>
+      </p:ext>
+    </p:extLst>
+  </p:cSld>
+  <p:clrMapOvr>
+    <a:masterClrMapping/>
+  </p:clrMapOvr>
+</p:sld>
+</file>
+
 <file path=ppt/slides/slide14.xml><?xml version="1.0" encoding="utf-8"?>
 <p:sld xmlns:a="http://schemas.openxmlformats.org/drawingml/2006/main" xmlns:r="http://schemas.openxmlformats.org/officeDocument/2006/relationships" xmlns:p="http://schemas.openxmlformats.org/presentationml/2006/main">
   <p:cSld>
@@ -4983,58 +4286,6 @@
           <a:p>
             <a:r>
               <a:rPr lang="en-US" dirty="0"/>
-              <a:t>The Daily Reporter Pro Sample App</a:t>
-            </a:r>
-          </a:p>
-        </p:txBody>
-      </p:sp>
-    </p:spTree>
-    <p:extLst>
-      <p:ext uri="{BB962C8B-B14F-4D97-AF65-F5344CB8AC3E}">
-        <p14:creationId xmlns:p14="http://schemas.microsoft.com/office/powerpoint/2010/main" val="2731603119"/>
-      </p:ext>
-    </p:extLst>
-  </p:cSld>
-  <p:clrMapOvr>
-    <a:masterClrMapping/>
-  </p:clrMapOvr>
-</p:sld>
-</file>
-
-<file path=ppt/slides/slide15.xml><?xml version="1.0" encoding="utf-8"?>
-<p:sld xmlns:a="http://schemas.openxmlformats.org/drawingml/2006/main" xmlns:r="http://schemas.openxmlformats.org/officeDocument/2006/relationships" xmlns:p="http://schemas.openxmlformats.org/presentationml/2006/main">
-  <p:cSld>
-    <p:spTree>
-      <p:nvGrpSpPr>
-        <p:cNvPr id="1" name=""/>
-        <p:cNvGrpSpPr/>
-        <p:nvPr/>
-      </p:nvGrpSpPr>
-      <p:grpSpPr>
-        <a:xfrm>
-          <a:off x="0" y="0"/>
-          <a:ext cx="0" cy="0"/>
-          <a:chOff x="0" y="0"/>
-          <a:chExt cx="0" cy="0"/>
-        </a:xfrm>
-      </p:grpSpPr>
-      <p:sp>
-        <p:nvSpPr>
-          <p:cNvPr id="2" name="Title 1"/>
-          <p:cNvSpPr>
-            <a:spLocks noGrp="1"/>
-          </p:cNvSpPr>
-          <p:nvPr>
-            <p:ph type="title"/>
-          </p:nvPr>
-        </p:nvSpPr>
-        <p:spPr/>
-        <p:txBody>
-          <a:bodyPr/>
-          <a:lstStyle/>
-          <a:p>
-            <a:r>
-              <a:rPr lang="en-US" dirty="0"/>
               <a:t>Agenda</a:t>
             </a:r>
           </a:p>
@@ -5071,7 +4322,7 @@
             </a:pPr>
             <a:r>
               <a:rPr lang="en-US" dirty="0"/>
-              <a:t>App Workspaces and Premium Capacities</a:t>
+              <a:t>App Workspaces and Dedicated Capacities</a:t>
             </a:r>
           </a:p>
           <a:p>
@@ -5113,413 +4364,7 @@
 </p:sld>
 </file>
 
-<file path=ppt/slides/slide16.xml><?xml version="1.0" encoding="utf-8"?>
-<p:sld xmlns:a="http://schemas.openxmlformats.org/drawingml/2006/main" xmlns:r="http://schemas.openxmlformats.org/officeDocument/2006/relationships" xmlns:p="http://schemas.openxmlformats.org/presentationml/2006/main">
-  <p:cSld>
-    <p:spTree>
-      <p:nvGrpSpPr>
-        <p:cNvPr id="1" name=""/>
-        <p:cNvGrpSpPr/>
-        <p:nvPr/>
-      </p:nvGrpSpPr>
-      <p:grpSpPr>
-        <a:xfrm>
-          <a:off x="0" y="0"/>
-          <a:ext cx="0" cy="0"/>
-          <a:chOff x="0" y="0"/>
-          <a:chExt cx="0" cy="0"/>
-        </a:xfrm>
-      </p:grpSpPr>
-      <p:sp>
-        <p:nvSpPr>
-          <p:cNvPr id="2" name="Title 1"/>
-          <p:cNvSpPr>
-            <a:spLocks noGrp="1"/>
-          </p:cNvSpPr>
-          <p:nvPr>
-            <p:ph type="title"/>
-          </p:nvPr>
-        </p:nvSpPr>
-        <p:spPr/>
-        <p:txBody>
-          <a:bodyPr/>
-          <a:lstStyle/>
-          <a:p>
-            <a:r>
-              <a:rPr lang="en-US" dirty="0"/>
-              <a:t>Power BI Premium SKUs</a:t>
-            </a:r>
-          </a:p>
-        </p:txBody>
-      </p:sp>
-      <p:sp>
-        <p:nvSpPr>
-          <p:cNvPr id="7" name="Content Placeholder 6"/>
-          <p:cNvSpPr>
-            <a:spLocks noGrp="1"/>
-          </p:cNvSpPr>
-          <p:nvPr>
-            <p:ph idx="1"/>
-          </p:nvPr>
-        </p:nvSpPr>
-        <p:spPr/>
-        <p:txBody>
-          <a:bodyPr>
-            <a:normAutofit/>
-          </a:bodyPr>
-          <a:lstStyle/>
-          <a:p>
-            <a:r>
-              <a:rPr lang="en-US" sz="2000" dirty="0"/>
-              <a:t>Microsoft initially offered two Power BI licensing options</a:t>
-            </a:r>
-          </a:p>
-          <a:p>
-            <a:pPr lvl="1"/>
-            <a:r>
-              <a:rPr lang="en-US" sz="1800" dirty="0"/>
-              <a:t>Power BI Free license</a:t>
-            </a:r>
-          </a:p>
-          <a:p>
-            <a:pPr lvl="1"/>
-            <a:r>
-              <a:rPr lang="en-US" sz="1800" dirty="0"/>
-              <a:t>Power BI Pro license ($10/month)</a:t>
-            </a:r>
-          </a:p>
-          <a:p>
-            <a:pPr lvl="1"/>
-            <a:r>
-              <a:rPr lang="en-US" sz="1800" dirty="0"/>
-              <a:t>All Power BI resources and processing runs in shared capacity</a:t>
-            </a:r>
-          </a:p>
-          <a:p>
-            <a:endParaRPr lang="en-US" sz="2000" dirty="0"/>
-          </a:p>
-          <a:p>
-            <a:r>
-              <a:rPr lang="en-US" sz="2000" dirty="0"/>
-              <a:t>In May 2017, Microsoft introduced Power BI Premium licensing</a:t>
-            </a:r>
-          </a:p>
-          <a:p>
-            <a:pPr lvl="1"/>
-            <a:r>
-              <a:rPr lang="en-US" sz="1800" dirty="0"/>
-              <a:t>Power BI Premium customers can create premium capacities</a:t>
-            </a:r>
-          </a:p>
-          <a:p>
-            <a:pPr lvl="1"/>
-            <a:r>
-              <a:rPr lang="en-US" sz="1800" dirty="0"/>
-              <a:t>Premium capacities useful to organization with many read-only users</a:t>
-            </a:r>
-          </a:p>
-          <a:p>
-            <a:pPr lvl="1"/>
-            <a:r>
-              <a:rPr lang="en-US" sz="1800" dirty="0"/>
-              <a:t>Premium capacities used by ISVs to reach non-licensed users</a:t>
-            </a:r>
-          </a:p>
-          <a:p>
-            <a:pPr lvl="1"/>
-            <a:endParaRPr lang="en-US" sz="1800" dirty="0"/>
-          </a:p>
-          <a:p>
-            <a:r>
-              <a:rPr lang="en-US" sz="2200" dirty="0"/>
-              <a:t>Power BI Premium details and pricing are in flux</a:t>
-            </a:r>
-          </a:p>
-          <a:p>
-            <a:pPr lvl="1"/>
-            <a:r>
-              <a:rPr lang="en-US" sz="1800" dirty="0"/>
-              <a:t>More info at </a:t>
-            </a:r>
-            <a:r>
-              <a:rPr lang="en-US" sz="1800" dirty="0">
-                <a:hlinkClick r:id="rId3"/>
-              </a:rPr>
-              <a:t>https://powerbi.microsoft.com/en-us/pricing/</a:t>
-            </a:r>
-            <a:r>
-              <a:rPr lang="en-US" sz="1800" dirty="0"/>
-              <a:t> </a:t>
-            </a:r>
-          </a:p>
-        </p:txBody>
-      </p:sp>
-    </p:spTree>
-    <p:extLst>
-      <p:ext uri="{BB962C8B-B14F-4D97-AF65-F5344CB8AC3E}">
-        <p14:creationId xmlns:p14="http://schemas.microsoft.com/office/powerpoint/2010/main" val="3261157445"/>
-      </p:ext>
-    </p:extLst>
-  </p:cSld>
-  <p:clrMapOvr>
-    <a:masterClrMapping/>
-  </p:clrMapOvr>
-  <p:timing>
-    <p:tnLst>
-      <p:par>
-        <p:cTn id="1" dur="indefinite" restart="never" nodeType="tmRoot">
-          <p:childTnLst>
-            <p:seq concurrent="1" nextAc="seek">
-              <p:cTn id="2" dur="indefinite" nodeType="mainSeq">
-                <p:childTnLst>
-                  <p:par>
-                    <p:cTn id="3" fill="hold">
-                      <p:stCondLst>
-                        <p:cond delay="indefinite"/>
-                      </p:stCondLst>
-                      <p:childTnLst>
-                        <p:par>
-                          <p:cTn id="4" fill="hold">
-                            <p:stCondLst>
-                              <p:cond delay="0"/>
-                            </p:stCondLst>
-                            <p:childTnLst>
-                              <p:par>
-                                <p:cTn id="5" presetID="1" presetClass="entr" presetSubtype="0" fill="hold" nodeType="clickEffect">
-                                  <p:stCondLst>
-                                    <p:cond delay="0"/>
-                                  </p:stCondLst>
-                                  <p:childTnLst>
-                                    <p:set>
-                                      <p:cBhvr>
-                                        <p:cTn id="6" dur="1" fill="hold">
-                                          <p:stCondLst>
-                                            <p:cond delay="0"/>
-                                          </p:stCondLst>
-                                        </p:cTn>
-                                        <p:tgtEl>
-                                          <p:spTgt spid="7">
-                                            <p:txEl>
-                                              <p:pRg st="5" end="5"/>
-                                            </p:txEl>
-                                          </p:spTgt>
-                                        </p:tgtEl>
-                                        <p:attrNameLst>
-                                          <p:attrName>style.visibility</p:attrName>
-                                        </p:attrNameLst>
-                                      </p:cBhvr>
-                                      <p:to>
-                                        <p:strVal val="visible"/>
-                                      </p:to>
-                                    </p:set>
-                                  </p:childTnLst>
-                                </p:cTn>
-                              </p:par>
-                              <p:par>
-                                <p:cTn id="7" presetID="1" presetClass="entr" presetSubtype="0" fill="hold" nodeType="withEffect">
-                                  <p:stCondLst>
-                                    <p:cond delay="0"/>
-                                  </p:stCondLst>
-                                  <p:childTnLst>
-                                    <p:set>
-                                      <p:cBhvr>
-                                        <p:cTn id="8" dur="1" fill="hold">
-                                          <p:stCondLst>
-                                            <p:cond delay="0"/>
-                                          </p:stCondLst>
-                                        </p:cTn>
-                                        <p:tgtEl>
-                                          <p:spTgt spid="7">
-                                            <p:txEl>
-                                              <p:pRg st="6" end="6"/>
-                                            </p:txEl>
-                                          </p:spTgt>
-                                        </p:tgtEl>
-                                        <p:attrNameLst>
-                                          <p:attrName>style.visibility</p:attrName>
-                                        </p:attrNameLst>
-                                      </p:cBhvr>
-                                      <p:to>
-                                        <p:strVal val="visible"/>
-                                      </p:to>
-                                    </p:set>
-                                  </p:childTnLst>
-                                </p:cTn>
-                              </p:par>
-                              <p:par>
-                                <p:cTn id="9" presetID="1" presetClass="entr" presetSubtype="0" fill="hold" nodeType="withEffect">
-                                  <p:stCondLst>
-                                    <p:cond delay="0"/>
-                                  </p:stCondLst>
-                                  <p:childTnLst>
-                                    <p:set>
-                                      <p:cBhvr>
-                                        <p:cTn id="10" dur="1" fill="hold">
-                                          <p:stCondLst>
-                                            <p:cond delay="0"/>
-                                          </p:stCondLst>
-                                        </p:cTn>
-                                        <p:tgtEl>
-                                          <p:spTgt spid="7">
-                                            <p:txEl>
-                                              <p:pRg st="7" end="7"/>
-                                            </p:txEl>
-                                          </p:spTgt>
-                                        </p:tgtEl>
-                                        <p:attrNameLst>
-                                          <p:attrName>style.visibility</p:attrName>
-                                        </p:attrNameLst>
-                                      </p:cBhvr>
-                                      <p:to>
-                                        <p:strVal val="visible"/>
-                                      </p:to>
-                                    </p:set>
-                                  </p:childTnLst>
-                                </p:cTn>
-                              </p:par>
-                              <p:par>
-                                <p:cTn id="11" presetID="1" presetClass="entr" presetSubtype="0" fill="hold" nodeType="withEffect">
-                                  <p:stCondLst>
-                                    <p:cond delay="0"/>
-                                  </p:stCondLst>
-                                  <p:childTnLst>
-                                    <p:set>
-                                      <p:cBhvr>
-                                        <p:cTn id="12" dur="1" fill="hold">
-                                          <p:stCondLst>
-                                            <p:cond delay="0"/>
-                                          </p:stCondLst>
-                                        </p:cTn>
-                                        <p:tgtEl>
-                                          <p:spTgt spid="7">
-                                            <p:txEl>
-                                              <p:pRg st="8" end="8"/>
-                                            </p:txEl>
-                                          </p:spTgt>
-                                        </p:tgtEl>
-                                        <p:attrNameLst>
-                                          <p:attrName>style.visibility</p:attrName>
-                                        </p:attrNameLst>
-                                      </p:cBhvr>
-                                      <p:to>
-                                        <p:strVal val="visible"/>
-                                      </p:to>
-                                    </p:set>
-                                  </p:childTnLst>
-                                </p:cTn>
-                              </p:par>
-                            </p:childTnLst>
-                          </p:cTn>
-                        </p:par>
-                      </p:childTnLst>
-                    </p:cTn>
-                  </p:par>
-                  <p:par>
-                    <p:cTn id="13" fill="hold">
-                      <p:stCondLst>
-                        <p:cond delay="indefinite"/>
-                      </p:stCondLst>
-                      <p:childTnLst>
-                        <p:par>
-                          <p:cTn id="14" fill="hold">
-                            <p:stCondLst>
-                              <p:cond delay="0"/>
-                            </p:stCondLst>
-                            <p:childTnLst>
-                              <p:par>
-                                <p:cTn id="15" presetID="1" presetClass="entr" presetSubtype="0" fill="hold" nodeType="clickEffect">
-                                  <p:stCondLst>
-                                    <p:cond delay="0"/>
-                                  </p:stCondLst>
-                                  <p:childTnLst>
-                                    <p:set>
-                                      <p:cBhvr>
-                                        <p:cTn id="16" dur="1" fill="hold">
-                                          <p:stCondLst>
-                                            <p:cond delay="0"/>
-                                          </p:stCondLst>
-                                        </p:cTn>
-                                        <p:tgtEl>
-                                          <p:spTgt spid="7">
-                                            <p:txEl>
-                                              <p:pRg st="10" end="10"/>
-                                            </p:txEl>
-                                          </p:spTgt>
-                                        </p:tgtEl>
-                                        <p:attrNameLst>
-                                          <p:attrName>style.visibility</p:attrName>
-                                        </p:attrNameLst>
-                                      </p:cBhvr>
-                                      <p:to>
-                                        <p:strVal val="visible"/>
-                                      </p:to>
-                                    </p:set>
-                                  </p:childTnLst>
-                                </p:cTn>
-                              </p:par>
-                              <p:par>
-                                <p:cTn id="17" presetID="1" presetClass="entr" presetSubtype="0" fill="hold" nodeType="withEffect">
-                                  <p:stCondLst>
-                                    <p:cond delay="0"/>
-                                  </p:stCondLst>
-                                  <p:childTnLst>
-                                    <p:set>
-                                      <p:cBhvr>
-                                        <p:cTn id="18" dur="1" fill="hold">
-                                          <p:stCondLst>
-                                            <p:cond delay="0"/>
-                                          </p:stCondLst>
-                                        </p:cTn>
-                                        <p:tgtEl>
-                                          <p:spTgt spid="7">
-                                            <p:txEl>
-                                              <p:pRg st="11" end="11"/>
-                                            </p:txEl>
-                                          </p:spTgt>
-                                        </p:tgtEl>
-                                        <p:attrNameLst>
-                                          <p:attrName>style.visibility</p:attrName>
-                                        </p:attrNameLst>
-                                      </p:cBhvr>
-                                      <p:to>
-                                        <p:strVal val="visible"/>
-                                      </p:to>
-                                    </p:set>
-                                  </p:childTnLst>
-                                </p:cTn>
-                              </p:par>
-                            </p:childTnLst>
-                          </p:cTn>
-                        </p:par>
-                      </p:childTnLst>
-                    </p:cTn>
-                  </p:par>
-                </p:childTnLst>
-              </p:cTn>
-              <p:prevCondLst>
-                <p:cond evt="onPrev" delay="0">
-                  <p:tgtEl>
-                    <p:sldTgt/>
-                  </p:tgtEl>
-                </p:cond>
-              </p:prevCondLst>
-              <p:nextCondLst>
-                <p:cond evt="onNext" delay="0">
-                  <p:tgtEl>
-                    <p:sldTgt/>
-                  </p:tgtEl>
-                </p:cond>
-              </p:nextCondLst>
-            </p:seq>
-          </p:childTnLst>
-        </p:cTn>
-      </p:par>
-    </p:tnLst>
-  </p:timing>
-</p:sld>
-</file>
-
-<file path=ppt/slides/slide17.xml><?xml version="1.0" encoding="utf-8"?>
+<file path=ppt/slides/slide15.xml><?xml version="1.0" encoding="utf-8"?>
 <p:sld xmlns:a="http://schemas.openxmlformats.org/drawingml/2006/main" xmlns:r="http://schemas.openxmlformats.org/officeDocument/2006/relationships" xmlns:p="http://schemas.openxmlformats.org/presentationml/2006/main">
   <p:cSld>
     <p:spTree>
@@ -5958,7 +4803,7 @@
 </p:sld>
 </file>
 
-<file path=ppt/slides/slide18.xml><?xml version="1.0" encoding="utf-8"?>
+<file path=ppt/slides/slide16.xml><?xml version="1.0" encoding="utf-8"?>
 <p:sld xmlns:a="http://schemas.openxmlformats.org/drawingml/2006/main" xmlns:r="http://schemas.openxmlformats.org/officeDocument/2006/relationships" xmlns:p="http://schemas.openxmlformats.org/presentationml/2006/main">
   <p:cSld>
     <p:spTree>
@@ -6100,7 +4945,7 @@
 </p:sld>
 </file>
 
-<file path=ppt/slides/slide19.xml><?xml version="1.0" encoding="utf-8"?>
+<file path=ppt/slides/slide17.xml><?xml version="1.0" encoding="utf-8"?>
 <p:sld xmlns:a="http://schemas.openxmlformats.org/drawingml/2006/main" xmlns:r="http://schemas.openxmlformats.org/officeDocument/2006/relationships" xmlns:p="http://schemas.openxmlformats.org/presentationml/2006/main">
   <p:cSld>
     <p:spTree>
@@ -6191,6 +5036,29 @@
             <a:pPr lvl="1"/>
             <a:r>
               <a:rPr lang="en-US" sz="2000" dirty="0"/>
+              <a:t>Supports 1</a:t>
+            </a:r>
+            <a:r>
+              <a:rPr lang="en-US" sz="2000" baseline="30000" dirty="0"/>
+              <a:t>st</a:t>
+            </a:r>
+            <a:r>
+              <a:rPr lang="en-US" sz="2000" dirty="0"/>
+              <a:t> party and 3</a:t>
+            </a:r>
+            <a:r>
+              <a:rPr lang="en-US" sz="2000" baseline="30000" dirty="0"/>
+              <a:t>rd</a:t>
+            </a:r>
+            <a:r>
+              <a:rPr lang="en-US" sz="2000" dirty="0"/>
+              <a:t> party embedding</a:t>
+            </a:r>
+          </a:p>
+          <a:p>
+            <a:pPr lvl="1"/>
+            <a:r>
+              <a:rPr lang="en-US" sz="2000" dirty="0"/>
               <a:t>It's also by far the most expensive starting point</a:t>
             </a:r>
           </a:p>
@@ -6222,7 +5090,7 @@
         </p:blipFill>
         <p:spPr>
           <a:xfrm>
-            <a:off x="457200" y="3124200"/>
+            <a:off x="381000" y="3581400"/>
             <a:ext cx="7839182" cy="2133600"/>
           </a:xfrm>
           <a:prstGeom prst="rect">
@@ -6234,6 +5102,323 @@
     <p:extLst>
       <p:ext uri="{BB962C8B-B14F-4D97-AF65-F5344CB8AC3E}">
         <p14:creationId xmlns:p14="http://schemas.microsoft.com/office/powerpoint/2010/main" val="3086256766"/>
+      </p:ext>
+    </p:extLst>
+  </p:cSld>
+  <p:clrMapOvr>
+    <a:masterClrMapping/>
+  </p:clrMapOvr>
+</p:sld>
+</file>
+
+<file path=ppt/slides/slide18.xml><?xml version="1.0" encoding="utf-8"?>
+<p:sld xmlns:a="http://schemas.openxmlformats.org/drawingml/2006/main" xmlns:r="http://schemas.openxmlformats.org/officeDocument/2006/relationships" xmlns:p="http://schemas.openxmlformats.org/presentationml/2006/main">
+  <p:cSld>
+    <p:spTree>
+      <p:nvGrpSpPr>
+        <p:cNvPr id="1" name=""/>
+        <p:cNvGrpSpPr/>
+        <p:nvPr/>
+      </p:nvGrpSpPr>
+      <p:grpSpPr>
+        <a:xfrm>
+          <a:off x="0" y="0"/>
+          <a:ext cx="0" cy="0"/>
+          <a:chOff x="0" y="0"/>
+          <a:chExt cx="0" cy="0"/>
+        </a:xfrm>
+      </p:grpSpPr>
+      <p:sp>
+        <p:nvSpPr>
+          <p:cNvPr id="2" name="Title 1">
+            <a:extLst>
+              <a:ext uri="{FF2B5EF4-FFF2-40B4-BE49-F238E27FC236}">
+                <a16:creationId xmlns:a16="http://schemas.microsoft.com/office/drawing/2014/main" id="{0A8DA097-BB11-4FB2-B95C-6A80C3CB69D4}"/>
+              </a:ext>
+            </a:extLst>
+          </p:cNvPr>
+          <p:cNvSpPr>
+            <a:spLocks noGrp="1"/>
+          </p:cNvSpPr>
+          <p:nvPr>
+            <p:ph type="title"/>
+          </p:nvPr>
+        </p:nvSpPr>
+        <p:spPr/>
+        <p:txBody>
+          <a:bodyPr/>
+          <a:lstStyle/>
+          <a:p>
+            <a:r>
+              <a:rPr lang="en-US" dirty="0"/>
+              <a:t>EM SKUs (EM is for Embedded)</a:t>
+            </a:r>
+          </a:p>
+        </p:txBody>
+      </p:sp>
+      <p:sp>
+        <p:nvSpPr>
+          <p:cNvPr id="3" name="Content Placeholder 2">
+            <a:extLst>
+              <a:ext uri="{FF2B5EF4-FFF2-40B4-BE49-F238E27FC236}">
+                <a16:creationId xmlns:a16="http://schemas.microsoft.com/office/drawing/2014/main" id="{7435F8D1-53FA-4060-8B9C-9F9BC999AF8E}"/>
+              </a:ext>
+            </a:extLst>
+          </p:cNvPr>
+          <p:cNvSpPr>
+            <a:spLocks noGrp="1"/>
+          </p:cNvSpPr>
+          <p:nvPr>
+            <p:ph idx="1"/>
+          </p:nvPr>
+        </p:nvSpPr>
+        <p:spPr/>
+        <p:txBody>
+          <a:bodyPr>
+            <a:normAutofit/>
+          </a:bodyPr>
+          <a:lstStyle/>
+          <a:p>
+            <a:r>
+              <a:rPr lang="en-US" sz="2400" dirty="0"/>
+              <a:t>SKUs for embedding into SaaS Applications</a:t>
+            </a:r>
+          </a:p>
+          <a:p>
+            <a:pPr lvl="1"/>
+            <a:r>
+              <a:rPr lang="en-US" sz="2000" dirty="0"/>
+              <a:t>SaaS applications include SharePoint and Teams</a:t>
+            </a:r>
+          </a:p>
+          <a:p>
+            <a:pPr lvl="1"/>
+            <a:r>
+              <a:rPr lang="en-US" sz="2000" dirty="0"/>
+              <a:t>Supports 1</a:t>
+            </a:r>
+            <a:r>
+              <a:rPr lang="en-US" sz="2000" baseline="30000" dirty="0"/>
+              <a:t>st</a:t>
+            </a:r>
+            <a:r>
+              <a:rPr lang="en-US" sz="2000" dirty="0"/>
+              <a:t> party and 3</a:t>
+            </a:r>
+            <a:r>
+              <a:rPr lang="en-US" sz="2000" baseline="30000" dirty="0"/>
+              <a:t>rd</a:t>
+            </a:r>
+            <a:r>
+              <a:rPr lang="en-US" sz="2000" dirty="0"/>
+              <a:t> party embedding</a:t>
+            </a:r>
+          </a:p>
+          <a:p>
+            <a:pPr lvl="1"/>
+            <a:r>
+              <a:rPr lang="en-US" sz="2000" dirty="0"/>
+              <a:t>Does not provide user with access to PowerBI.com</a:t>
+            </a:r>
+          </a:p>
+          <a:p>
+            <a:pPr lvl="1"/>
+            <a:endParaRPr lang="en-US" sz="2000" dirty="0"/>
+          </a:p>
+        </p:txBody>
+      </p:sp>
+      <p:pic>
+        <p:nvPicPr>
+          <p:cNvPr id="4" name="Picture 3">
+            <a:extLst>
+              <a:ext uri="{FF2B5EF4-FFF2-40B4-BE49-F238E27FC236}">
+                <a16:creationId xmlns:a16="http://schemas.microsoft.com/office/drawing/2014/main" id="{E65FC588-569E-4707-8038-9C1F6DA4AB40}"/>
+              </a:ext>
+            </a:extLst>
+          </p:cNvPr>
+          <p:cNvPicPr>
+            <a:picLocks noChangeAspect="1"/>
+          </p:cNvPicPr>
+          <p:nvPr/>
+        </p:nvPicPr>
+        <p:blipFill>
+          <a:blip r:embed="rId2"/>
+          <a:stretch>
+            <a:fillRect/>
+          </a:stretch>
+        </p:blipFill>
+        <p:spPr>
+          <a:xfrm>
+            <a:off x="762000" y="3048000"/>
+            <a:ext cx="6124575" cy="1647825"/>
+          </a:xfrm>
+          <a:prstGeom prst="rect">
+            <a:avLst/>
+          </a:prstGeom>
+        </p:spPr>
+      </p:pic>
+    </p:spTree>
+    <p:extLst>
+      <p:ext uri="{BB962C8B-B14F-4D97-AF65-F5344CB8AC3E}">
+        <p14:creationId xmlns:p14="http://schemas.microsoft.com/office/powerpoint/2010/main" val="103929833"/>
+      </p:ext>
+    </p:extLst>
+  </p:cSld>
+  <p:clrMapOvr>
+    <a:masterClrMapping/>
+  </p:clrMapOvr>
+</p:sld>
+</file>
+
+<file path=ppt/slides/slide19.xml><?xml version="1.0" encoding="utf-8"?>
+<p:sld xmlns:a="http://schemas.openxmlformats.org/drawingml/2006/main" xmlns:r="http://schemas.openxmlformats.org/officeDocument/2006/relationships" xmlns:p="http://schemas.openxmlformats.org/presentationml/2006/main">
+  <p:cSld>
+    <p:spTree>
+      <p:nvGrpSpPr>
+        <p:cNvPr id="1" name=""/>
+        <p:cNvGrpSpPr/>
+        <p:nvPr/>
+      </p:nvGrpSpPr>
+      <p:grpSpPr>
+        <a:xfrm>
+          <a:off x="0" y="0"/>
+          <a:ext cx="0" cy="0"/>
+          <a:chOff x="0" y="0"/>
+          <a:chExt cx="0" cy="0"/>
+        </a:xfrm>
+      </p:grpSpPr>
+      <p:sp>
+        <p:nvSpPr>
+          <p:cNvPr id="2" name="Title 1">
+            <a:extLst>
+              <a:ext uri="{FF2B5EF4-FFF2-40B4-BE49-F238E27FC236}">
+                <a16:creationId xmlns:a16="http://schemas.microsoft.com/office/drawing/2014/main" id="{0860556E-AF7A-4CEB-A1C3-3450071C7B76}"/>
+              </a:ext>
+            </a:extLst>
+          </p:cNvPr>
+          <p:cNvSpPr>
+            <a:spLocks noGrp="1"/>
+          </p:cNvSpPr>
+          <p:nvPr>
+            <p:ph type="title"/>
+          </p:nvPr>
+        </p:nvSpPr>
+        <p:spPr/>
+        <p:txBody>
+          <a:bodyPr/>
+          <a:lstStyle/>
+          <a:p>
+            <a:r>
+              <a:rPr lang="en-US" dirty="0"/>
+              <a:t>A SKUs (A is for Azure) </a:t>
+            </a:r>
+          </a:p>
+        </p:txBody>
+      </p:sp>
+      <p:sp>
+        <p:nvSpPr>
+          <p:cNvPr id="3" name="Content Placeholder 2">
+            <a:extLst>
+              <a:ext uri="{FF2B5EF4-FFF2-40B4-BE49-F238E27FC236}">
+                <a16:creationId xmlns:a16="http://schemas.microsoft.com/office/drawing/2014/main" id="{18EB79D3-B485-4DDC-867C-A5E0874D4A42}"/>
+              </a:ext>
+            </a:extLst>
+          </p:cNvPr>
+          <p:cNvSpPr>
+            <a:spLocks noGrp="1"/>
+          </p:cNvSpPr>
+          <p:nvPr>
+            <p:ph idx="1"/>
+          </p:nvPr>
+        </p:nvSpPr>
+        <p:spPr/>
+        <p:txBody>
+          <a:bodyPr>
+            <a:normAutofit/>
+          </a:bodyPr>
+          <a:lstStyle/>
+          <a:p>
+            <a:r>
+              <a:rPr lang="en-US" sz="2400" dirty="0"/>
+              <a:t>A SKU is a Platform-as-a-Service</a:t>
+            </a:r>
+          </a:p>
+          <a:p>
+            <a:pPr lvl="1"/>
+            <a:r>
+              <a:rPr lang="en-US" sz="2000" dirty="0"/>
+              <a:t>Used by ISVs as the data visualization layer</a:t>
+            </a:r>
+          </a:p>
+          <a:p>
+            <a:pPr lvl="1"/>
+            <a:r>
+              <a:rPr lang="en-US" sz="2000" dirty="0"/>
+              <a:t>Allows for PBI Embedding into Custom Applications</a:t>
+            </a:r>
+          </a:p>
+          <a:p>
+            <a:pPr lvl="1"/>
+            <a:r>
+              <a:rPr lang="en-US" sz="2000" dirty="0"/>
+              <a:t>Only supports 3</a:t>
+            </a:r>
+            <a:r>
+              <a:rPr lang="en-US" sz="2000" baseline="30000" dirty="0"/>
+              <a:t>rd</a:t>
+            </a:r>
+            <a:r>
+              <a:rPr lang="en-US" sz="2000" dirty="0"/>
+              <a:t> party embedding </a:t>
+            </a:r>
+            <a:r>
+              <a:rPr lang="en-US" sz="1400" dirty="0">
+                <a:solidFill>
+                  <a:schemeClr val="tx1">
+                    <a:lumMod val="50000"/>
+                    <a:lumOff val="50000"/>
+                  </a:schemeClr>
+                </a:solidFill>
+              </a:rPr>
+              <a:t>(i.e. App-Owns-Data model)</a:t>
+            </a:r>
+          </a:p>
+        </p:txBody>
+      </p:sp>
+      <p:pic>
+        <p:nvPicPr>
+          <p:cNvPr id="4" name="Picture 3">
+            <a:extLst>
+              <a:ext uri="{FF2B5EF4-FFF2-40B4-BE49-F238E27FC236}">
+                <a16:creationId xmlns:a16="http://schemas.microsoft.com/office/drawing/2014/main" id="{A601A63F-5976-437C-8877-58C3717AA5EF}"/>
+              </a:ext>
+            </a:extLst>
+          </p:cNvPr>
+          <p:cNvPicPr>
+            <a:picLocks noChangeAspect="1"/>
+          </p:cNvPicPr>
+          <p:nvPr/>
+        </p:nvPicPr>
+        <p:blipFill>
+          <a:blip r:embed="rId2"/>
+          <a:stretch>
+            <a:fillRect/>
+          </a:stretch>
+        </p:blipFill>
+        <p:spPr>
+          <a:xfrm>
+            <a:off x="762000" y="3048000"/>
+            <a:ext cx="6229350" cy="2743200"/>
+          </a:xfrm>
+          <a:prstGeom prst="rect">
+            <a:avLst/>
+          </a:prstGeom>
+        </p:spPr>
+      </p:pic>
+    </p:spTree>
+    <p:extLst>
+      <p:ext uri="{BB962C8B-B14F-4D97-AF65-F5344CB8AC3E}">
+        <p14:creationId xmlns:p14="http://schemas.microsoft.com/office/powerpoint/2010/main" val="4085367763"/>
       </p:ext>
     </p:extLst>
   </p:cSld>
@@ -6362,273 +5547,6 @@
 </file>
 
 <file path=ppt/slides/slide20.xml><?xml version="1.0" encoding="utf-8"?>
-<p:sld xmlns:a="http://schemas.openxmlformats.org/drawingml/2006/main" xmlns:r="http://schemas.openxmlformats.org/officeDocument/2006/relationships" xmlns:p="http://schemas.openxmlformats.org/presentationml/2006/main">
-  <p:cSld>
-    <p:spTree>
-      <p:nvGrpSpPr>
-        <p:cNvPr id="1" name=""/>
-        <p:cNvGrpSpPr/>
-        <p:nvPr/>
-      </p:nvGrpSpPr>
-      <p:grpSpPr>
-        <a:xfrm>
-          <a:off x="0" y="0"/>
-          <a:ext cx="0" cy="0"/>
-          <a:chOff x="0" y="0"/>
-          <a:chExt cx="0" cy="0"/>
-        </a:xfrm>
-      </p:grpSpPr>
-      <p:sp>
-        <p:nvSpPr>
-          <p:cNvPr id="2" name="Title 1">
-            <a:extLst>
-              <a:ext uri="{FF2B5EF4-FFF2-40B4-BE49-F238E27FC236}">
-                <a16:creationId xmlns:a16="http://schemas.microsoft.com/office/drawing/2014/main" id="{0A8DA097-BB11-4FB2-B95C-6A80C3CB69D4}"/>
-              </a:ext>
-            </a:extLst>
-          </p:cNvPr>
-          <p:cNvSpPr>
-            <a:spLocks noGrp="1"/>
-          </p:cNvSpPr>
-          <p:nvPr>
-            <p:ph type="title"/>
-          </p:nvPr>
-        </p:nvSpPr>
-        <p:spPr/>
-        <p:txBody>
-          <a:bodyPr/>
-          <a:lstStyle/>
-          <a:p>
-            <a:r>
-              <a:rPr lang="en-US" dirty="0"/>
-              <a:t>EM SKUs (EM is for Embedded)</a:t>
-            </a:r>
-          </a:p>
-        </p:txBody>
-      </p:sp>
-      <p:sp>
-        <p:nvSpPr>
-          <p:cNvPr id="3" name="Content Placeholder 2">
-            <a:extLst>
-              <a:ext uri="{FF2B5EF4-FFF2-40B4-BE49-F238E27FC236}">
-                <a16:creationId xmlns:a16="http://schemas.microsoft.com/office/drawing/2014/main" id="{7435F8D1-53FA-4060-8B9C-9F9BC999AF8E}"/>
-              </a:ext>
-            </a:extLst>
-          </p:cNvPr>
-          <p:cNvSpPr>
-            <a:spLocks noGrp="1"/>
-          </p:cNvSpPr>
-          <p:nvPr>
-            <p:ph idx="1"/>
-          </p:nvPr>
-        </p:nvSpPr>
-        <p:spPr/>
-        <p:txBody>
-          <a:bodyPr/>
-          <a:lstStyle/>
-          <a:p>
-            <a:r>
-              <a:rPr lang="en-US" dirty="0"/>
-              <a:t>SKUs for Embedding in SaaS Applications</a:t>
-            </a:r>
-          </a:p>
-          <a:p>
-            <a:pPr lvl="1"/>
-            <a:r>
-              <a:rPr lang="en-US" dirty="0"/>
-              <a:t>SaaS applications include SharePoint and Teams</a:t>
-            </a:r>
-          </a:p>
-          <a:p>
-            <a:pPr lvl="1"/>
-            <a:r>
-              <a:rPr lang="en-US" dirty="0"/>
-              <a:t>Does not provide user access to PowerBI.com</a:t>
-            </a:r>
-          </a:p>
-        </p:txBody>
-      </p:sp>
-      <p:pic>
-        <p:nvPicPr>
-          <p:cNvPr id="4" name="Picture 3">
-            <a:extLst>
-              <a:ext uri="{FF2B5EF4-FFF2-40B4-BE49-F238E27FC236}">
-                <a16:creationId xmlns:a16="http://schemas.microsoft.com/office/drawing/2014/main" id="{E65FC588-569E-4707-8038-9C1F6DA4AB40}"/>
-              </a:ext>
-            </a:extLst>
-          </p:cNvPr>
-          <p:cNvPicPr>
-            <a:picLocks noChangeAspect="1"/>
-          </p:cNvPicPr>
-          <p:nvPr/>
-        </p:nvPicPr>
-        <p:blipFill>
-          <a:blip r:embed="rId2"/>
-          <a:stretch>
-            <a:fillRect/>
-          </a:stretch>
-        </p:blipFill>
-        <p:spPr>
-          <a:xfrm>
-            <a:off x="838200" y="2971800"/>
-            <a:ext cx="6124575" cy="1647825"/>
-          </a:xfrm>
-          <a:prstGeom prst="rect">
-            <a:avLst/>
-          </a:prstGeom>
-        </p:spPr>
-      </p:pic>
-    </p:spTree>
-    <p:extLst>
-      <p:ext uri="{BB962C8B-B14F-4D97-AF65-F5344CB8AC3E}">
-        <p14:creationId xmlns:p14="http://schemas.microsoft.com/office/powerpoint/2010/main" val="103929833"/>
-      </p:ext>
-    </p:extLst>
-  </p:cSld>
-  <p:clrMapOvr>
-    <a:masterClrMapping/>
-  </p:clrMapOvr>
-</p:sld>
-</file>
-
-<file path=ppt/slides/slide21.xml><?xml version="1.0" encoding="utf-8"?>
-<p:sld xmlns:a="http://schemas.openxmlformats.org/drawingml/2006/main" xmlns:r="http://schemas.openxmlformats.org/officeDocument/2006/relationships" xmlns:p="http://schemas.openxmlformats.org/presentationml/2006/main">
-  <p:cSld>
-    <p:spTree>
-      <p:nvGrpSpPr>
-        <p:cNvPr id="1" name=""/>
-        <p:cNvGrpSpPr/>
-        <p:nvPr/>
-      </p:nvGrpSpPr>
-      <p:grpSpPr>
-        <a:xfrm>
-          <a:off x="0" y="0"/>
-          <a:ext cx="0" cy="0"/>
-          <a:chOff x="0" y="0"/>
-          <a:chExt cx="0" cy="0"/>
-        </a:xfrm>
-      </p:grpSpPr>
-      <p:sp>
-        <p:nvSpPr>
-          <p:cNvPr id="2" name="Title 1">
-            <a:extLst>
-              <a:ext uri="{FF2B5EF4-FFF2-40B4-BE49-F238E27FC236}">
-                <a16:creationId xmlns:a16="http://schemas.microsoft.com/office/drawing/2014/main" id="{0860556E-AF7A-4CEB-A1C3-3450071C7B76}"/>
-              </a:ext>
-            </a:extLst>
-          </p:cNvPr>
-          <p:cNvSpPr>
-            <a:spLocks noGrp="1"/>
-          </p:cNvSpPr>
-          <p:nvPr>
-            <p:ph type="title"/>
-          </p:nvPr>
-        </p:nvSpPr>
-        <p:spPr/>
-        <p:txBody>
-          <a:bodyPr/>
-          <a:lstStyle/>
-          <a:p>
-            <a:r>
-              <a:rPr lang="en-US" dirty="0"/>
-              <a:t>A SKUs (A is for Azure) </a:t>
-            </a:r>
-          </a:p>
-        </p:txBody>
-      </p:sp>
-      <p:sp>
-        <p:nvSpPr>
-          <p:cNvPr id="3" name="Content Placeholder 2">
-            <a:extLst>
-              <a:ext uri="{FF2B5EF4-FFF2-40B4-BE49-F238E27FC236}">
-                <a16:creationId xmlns:a16="http://schemas.microsoft.com/office/drawing/2014/main" id="{18EB79D3-B485-4DDC-867C-A5E0874D4A42}"/>
-              </a:ext>
-            </a:extLst>
-          </p:cNvPr>
-          <p:cNvSpPr>
-            <a:spLocks noGrp="1"/>
-          </p:cNvSpPr>
-          <p:nvPr>
-            <p:ph idx="1"/>
-          </p:nvPr>
-        </p:nvSpPr>
-        <p:spPr/>
-        <p:txBody>
-          <a:bodyPr/>
-          <a:lstStyle/>
-          <a:p>
-            <a:r>
-              <a:rPr lang="en-US" dirty="0"/>
-              <a:t>A SKU is a Platform-as-a-Service</a:t>
-            </a:r>
-          </a:p>
-          <a:p>
-            <a:pPr lvl="1"/>
-            <a:r>
-              <a:rPr lang="en-US" dirty="0"/>
-              <a:t>Used by ISVs as the data visualization layer</a:t>
-            </a:r>
-          </a:p>
-          <a:p>
-            <a:pPr lvl="1"/>
-            <a:r>
-              <a:rPr lang="en-US" dirty="0"/>
-              <a:t>Allows for PBI Embedding into Custom Applications</a:t>
-            </a:r>
-          </a:p>
-          <a:p>
-            <a:pPr lvl="1"/>
-            <a:r>
-              <a:rPr lang="en-US" dirty="0"/>
-              <a:t>Only supports App-Owns-Data model</a:t>
-            </a:r>
-          </a:p>
-        </p:txBody>
-      </p:sp>
-      <p:pic>
-        <p:nvPicPr>
-          <p:cNvPr id="4" name="Picture 3">
-            <a:extLst>
-              <a:ext uri="{FF2B5EF4-FFF2-40B4-BE49-F238E27FC236}">
-                <a16:creationId xmlns:a16="http://schemas.microsoft.com/office/drawing/2014/main" id="{A601A63F-5976-437C-8877-58C3717AA5EF}"/>
-              </a:ext>
-            </a:extLst>
-          </p:cNvPr>
-          <p:cNvPicPr>
-            <a:picLocks noChangeAspect="1"/>
-          </p:cNvPicPr>
-          <p:nvPr/>
-        </p:nvPicPr>
-        <p:blipFill>
-          <a:blip r:embed="rId2"/>
-          <a:stretch>
-            <a:fillRect/>
-          </a:stretch>
-        </p:blipFill>
-        <p:spPr>
-          <a:xfrm>
-            <a:off x="990600" y="3505200"/>
-            <a:ext cx="6229350" cy="2743200"/>
-          </a:xfrm>
-          <a:prstGeom prst="rect">
-            <a:avLst/>
-          </a:prstGeom>
-        </p:spPr>
-      </p:pic>
-    </p:spTree>
-    <p:extLst>
-      <p:ext uri="{BB962C8B-B14F-4D97-AF65-F5344CB8AC3E}">
-        <p14:creationId xmlns:p14="http://schemas.microsoft.com/office/powerpoint/2010/main" val="4085367763"/>
-      </p:ext>
-    </p:extLst>
-  </p:cSld>
-  <p:clrMapOvr>
-    <a:masterClrMapping/>
-  </p:clrMapOvr>
-</p:sld>
-</file>
-
-<file path=ppt/slides/slide22.xml><?xml version="1.0" encoding="utf-8"?>
 <p:sld xmlns:a="http://schemas.openxmlformats.org/drawingml/2006/main" xmlns:r="http://schemas.openxmlformats.org/officeDocument/2006/relationships" xmlns:p="http://schemas.openxmlformats.org/presentationml/2006/main">
   <p:cSld>
     <p:spTree>
@@ -7236,7 +6154,7 @@
 </p:sld>
 </file>
 
-<file path=ppt/slides/slide23.xml><?xml version="1.0" encoding="utf-8"?>
+<file path=ppt/slides/slide21.xml><?xml version="1.0" encoding="utf-8"?>
 <p:sld xmlns:a="http://schemas.openxmlformats.org/drawingml/2006/main" xmlns:r="http://schemas.openxmlformats.org/officeDocument/2006/relationships" xmlns:p="http://schemas.openxmlformats.org/presentationml/2006/main">
   <p:cSld>
     <p:spTree>
@@ -7368,7 +6286,7 @@
 </p:sld>
 </file>
 
-<file path=ppt/slides/slide24.xml><?xml version="1.0" encoding="utf-8"?>
+<file path=ppt/slides/slide22.xml><?xml version="1.0" encoding="utf-8"?>
 <p:sld xmlns:a="http://schemas.openxmlformats.org/drawingml/2006/main" xmlns:r="http://schemas.openxmlformats.org/officeDocument/2006/relationships" xmlns:p="http://schemas.openxmlformats.org/presentationml/2006/main">
   <p:cSld>
     <p:spTree>
@@ -7438,7 +6356,7 @@
             </a:pPr>
             <a:r>
               <a:rPr lang="en-US" dirty="0"/>
-              <a:t>App Workspaces and Premium Capacities</a:t>
+              <a:t>App Workspaces and Dedicated Capacities</a:t>
             </a:r>
           </a:p>
           <a:p>
@@ -7484,7 +6402,7 @@
 </p:sld>
 </file>
 
-<file path=ppt/slides/slide25.xml><?xml version="1.0" encoding="utf-8"?>
+<file path=ppt/slides/slide23.xml><?xml version="1.0" encoding="utf-8"?>
 <p:sld xmlns:a="http://schemas.openxmlformats.org/drawingml/2006/main" xmlns:r="http://schemas.openxmlformats.org/officeDocument/2006/relationships" xmlns:p="http://schemas.openxmlformats.org/presentationml/2006/main">
   <p:cSld>
     <p:spTree>
@@ -8098,7 +7016,7 @@
 </p:sld>
 </file>
 
-<file path=ppt/slides/slide26.xml><?xml version="1.0" encoding="utf-8"?>
+<file path=ppt/slides/slide24.xml><?xml version="1.0" encoding="utf-8"?>
 <p:sld xmlns:a="http://schemas.openxmlformats.org/drawingml/2006/main" xmlns:r="http://schemas.openxmlformats.org/officeDocument/2006/relationships" xmlns:p="http://schemas.openxmlformats.org/presentationml/2006/main">
   <p:cSld>
     <p:spTree>
@@ -8366,7 +7284,7 @@
 </p:sld>
 </file>
 
-<file path=ppt/slides/slide27.xml><?xml version="1.0" encoding="utf-8"?>
+<file path=ppt/slides/slide25.xml><?xml version="1.0" encoding="utf-8"?>
 <p:sld xmlns:a="http://schemas.openxmlformats.org/drawingml/2006/main" xmlns:r="http://schemas.openxmlformats.org/officeDocument/2006/relationships" xmlns:p="http://schemas.openxmlformats.org/presentationml/2006/main">
   <p:cSld>
     <p:spTree>
@@ -8510,7 +7428,7 @@
 </p:sld>
 </file>
 
-<file path=ppt/slides/slide28.xml><?xml version="1.0" encoding="utf-8"?>
+<file path=ppt/slides/slide26.xml><?xml version="1.0" encoding="utf-8"?>
 <p:sld xmlns:a="http://schemas.openxmlformats.org/drawingml/2006/main" xmlns:r="http://schemas.openxmlformats.org/officeDocument/2006/relationships" xmlns:p="http://schemas.openxmlformats.org/presentationml/2006/main">
   <p:cSld>
     <p:spTree>
@@ -8972,7 +7890,7 @@
 </p:sld>
 </file>
 
-<file path=ppt/slides/slide29.xml><?xml version="1.0" encoding="utf-8"?>
+<file path=ppt/slides/slide27.xml><?xml version="1.0" encoding="utf-8"?>
 <p:sld xmlns:a="http://schemas.openxmlformats.org/drawingml/2006/main" xmlns:r="http://schemas.openxmlformats.org/officeDocument/2006/relationships" xmlns:p="http://schemas.openxmlformats.org/presentationml/2006/main">
   <p:cSld>
     <p:spTree>
@@ -9747,7 +8665,7 @@
 </p:sld>
 </file>
 
-<file path=ppt/slides/slide3.xml><?xml version="1.0" encoding="utf-8"?>
+<file path=ppt/slides/slide28.xml><?xml version="1.0" encoding="utf-8"?>
 <p:sld xmlns:a="http://schemas.openxmlformats.org/drawingml/2006/main" xmlns:r="http://schemas.openxmlformats.org/officeDocument/2006/relationships" xmlns:p="http://schemas.openxmlformats.org/presentationml/2006/main">
   <p:cSld>
     <p:spTree>
@@ -9780,166 +8698,6 @@
           <a:lstStyle/>
           <a:p>
             <a:r>
-              <a:rPr lang="en-US" dirty="0"/>
-              <a:t>Agenda</a:t>
-            </a:r>
-          </a:p>
-        </p:txBody>
-      </p:sp>
-      <p:sp>
-        <p:nvSpPr>
-          <p:cNvPr id="3" name="Content Placeholder 2"/>
-          <p:cNvSpPr>
-            <a:spLocks noGrp="1"/>
-          </p:cNvSpPr>
-          <p:nvPr>
-            <p:ph idx="1"/>
-          </p:nvPr>
-        </p:nvSpPr>
-        <p:spPr/>
-        <p:txBody>
-          <a:bodyPr/>
-          <a:lstStyle/>
-          <a:p>
-            <a:pPr>
-              <a:buFont typeface="Wingdings" panose="05000000000000000000" pitchFamily="2" charset="2"/>
-              <a:buChar char="Ø"/>
-            </a:pPr>
-            <a:r>
-              <a:rPr lang="en-US" dirty="0"/>
-              <a:t>Power BI Embedding Fundamentals</a:t>
-            </a:r>
-          </a:p>
-          <a:p>
-            <a:r>
-              <a:rPr lang="en-US" dirty="0"/>
-              <a:t>App Workspaces and Premium Capacities</a:t>
-            </a:r>
-          </a:p>
-          <a:p>
-            <a:r>
-              <a:rPr lang="en-US" dirty="0"/>
-              <a:t>Authentication with Azure Active Directory</a:t>
-            </a:r>
-          </a:p>
-          <a:p>
-            <a:r>
-              <a:rPr lang="en-US" dirty="0"/>
-              <a:t>Programming with Power BI Service API</a:t>
-            </a:r>
-          </a:p>
-          <a:p>
-            <a:r>
-              <a:rPr lang="en-US" dirty="0"/>
-              <a:t>Working with Embeddable Resources</a:t>
-            </a:r>
-          </a:p>
-          <a:p>
-            <a:r>
-              <a:rPr lang="en-US" dirty="0"/>
-              <a:t>Embedding with Power BI JavaScript API</a:t>
-            </a:r>
-          </a:p>
-        </p:txBody>
-      </p:sp>
-    </p:spTree>
-    <p:extLst>
-      <p:ext uri="{BB962C8B-B14F-4D97-AF65-F5344CB8AC3E}">
-        <p14:creationId xmlns:p14="http://schemas.microsoft.com/office/powerpoint/2010/main" val="3928283159"/>
-      </p:ext>
-    </p:extLst>
-  </p:cSld>
-  <p:clrMapOvr>
-    <a:masterClrMapping/>
-  </p:clrMapOvr>
-</p:sld>
-</file>
-
-<file path=ppt/slides/slide30.xml><?xml version="1.0" encoding="utf-8"?>
-<p:sld xmlns:a="http://schemas.openxmlformats.org/drawingml/2006/main" xmlns:r="http://schemas.openxmlformats.org/officeDocument/2006/relationships" xmlns:p="http://schemas.openxmlformats.org/presentationml/2006/main">
-  <p:cSld>
-    <p:spTree>
-      <p:nvGrpSpPr>
-        <p:cNvPr id="1" name=""/>
-        <p:cNvGrpSpPr/>
-        <p:nvPr/>
-      </p:nvGrpSpPr>
-      <p:grpSpPr>
-        <a:xfrm>
-          <a:off x="0" y="0"/>
-          <a:ext cx="0" cy="0"/>
-          <a:chOff x="0" y="0"/>
-          <a:chExt cx="0" cy="0"/>
-        </a:xfrm>
-      </p:grpSpPr>
-      <p:sp>
-        <p:nvSpPr>
-          <p:cNvPr id="2" name="Title 1"/>
-          <p:cNvSpPr>
-            <a:spLocks noGrp="1"/>
-          </p:cNvSpPr>
-          <p:nvPr>
-            <p:ph type="title"/>
-          </p:nvPr>
-        </p:nvSpPr>
-        <p:spPr/>
-        <p:txBody>
-          <a:bodyPr/>
-          <a:lstStyle/>
-          <a:p>
-            <a:r>
-              <a:rPr lang="en-US" dirty="0"/>
-              <a:t>Registering an App with Azure AD</a:t>
-            </a:r>
-          </a:p>
-        </p:txBody>
-      </p:sp>
-    </p:spTree>
-    <p:extLst>
-      <p:ext uri="{BB962C8B-B14F-4D97-AF65-F5344CB8AC3E}">
-        <p14:creationId xmlns:p14="http://schemas.microsoft.com/office/powerpoint/2010/main" val="182380239"/>
-      </p:ext>
-    </p:extLst>
-  </p:cSld>
-  <p:clrMapOvr>
-    <a:masterClrMapping/>
-  </p:clrMapOvr>
-</p:sld>
-</file>
-
-<file path=ppt/slides/slide31.xml><?xml version="1.0" encoding="utf-8"?>
-<p:sld xmlns:a="http://schemas.openxmlformats.org/drawingml/2006/main" xmlns:r="http://schemas.openxmlformats.org/officeDocument/2006/relationships" xmlns:p="http://schemas.openxmlformats.org/presentationml/2006/main">
-  <p:cSld>
-    <p:spTree>
-      <p:nvGrpSpPr>
-        <p:cNvPr id="1" name=""/>
-        <p:cNvGrpSpPr/>
-        <p:nvPr/>
-      </p:nvGrpSpPr>
-      <p:grpSpPr>
-        <a:xfrm>
-          <a:off x="0" y="0"/>
-          <a:ext cx="0" cy="0"/>
-          <a:chOff x="0" y="0"/>
-          <a:chExt cx="0" cy="0"/>
-        </a:xfrm>
-      </p:grpSpPr>
-      <p:sp>
-        <p:nvSpPr>
-          <p:cNvPr id="2" name="Title 1"/>
-          <p:cNvSpPr>
-            <a:spLocks noGrp="1"/>
-          </p:cNvSpPr>
-          <p:nvPr>
-            <p:ph type="title"/>
-          </p:nvPr>
-        </p:nvSpPr>
-        <p:spPr/>
-        <p:txBody>
-          <a:bodyPr/>
-          <a:lstStyle/>
-          <a:p>
-            <a:r>
               <a:rPr lang="en-US" sz="2700" dirty="0"/>
               <a:t>1</a:t>
             </a:r>
@@ -9972,14 +8730,14 @@
             <p:ph type="tbl" sz="quarter" idx="11"/>
             <p:extLst>
               <p:ext uri="{D42A27DB-BD31-4B8C-83A1-F6EECF244321}">
-                <p14:modId xmlns:p14="http://schemas.microsoft.com/office/powerpoint/2010/main" val="1882316014"/>
+                <p14:modId xmlns:p14="http://schemas.microsoft.com/office/powerpoint/2010/main" val="3058980776"/>
               </p:ext>
             </p:extLst>
           </p:nvPr>
         </p:nvGraphicFramePr>
         <p:xfrm>
-          <a:off x="184727" y="1600200"/>
-          <a:ext cx="7892473" cy="2890520"/>
+          <a:off x="381000" y="1600200"/>
+          <a:ext cx="7892473" cy="2743200"/>
         </p:xfrm>
         <a:graphic>
           <a:graphicData uri="http://schemas.openxmlformats.org/drawingml/2006/table">
@@ -9988,14 +8746,14 @@
                 <a:tableStyleId>{5C22544A-7EE6-4342-B048-85BDC9FD1C3A}</a:tableStyleId>
               </a:tblPr>
               <a:tblGrid>
-                <a:gridCol w="2996216">
+                <a:gridCol w="3168073">
                   <a:extLst>
                     <a:ext uri="{9D8B030D-6E8A-4147-A177-3AD203B41FA5}">
                       <a16:colId xmlns:a16="http://schemas.microsoft.com/office/drawing/2014/main" val="3869438709"/>
                     </a:ext>
                   </a:extLst>
                 </a:gridCol>
-                <a:gridCol w="2381657">
+                <a:gridCol w="2209800">
                   <a:extLst>
                     <a:ext uri="{9D8B030D-6E8A-4147-A177-3AD203B41FA5}">
                       <a16:colId xmlns:a16="http://schemas.microsoft.com/office/drawing/2014/main" val="403614566"/>
@@ -10356,7 +9114,167 @@
 </p:sld>
 </file>
 
-<file path=ppt/slides/slide32.xml><?xml version="1.0" encoding="utf-8"?>
+<file path=ppt/slides/slide29.xml><?xml version="1.0" encoding="utf-8"?>
+<p:sld xmlns:a="http://schemas.openxmlformats.org/drawingml/2006/main" xmlns:r="http://schemas.openxmlformats.org/officeDocument/2006/relationships" xmlns:p="http://schemas.openxmlformats.org/presentationml/2006/main">
+  <p:cSld>
+    <p:spTree>
+      <p:nvGrpSpPr>
+        <p:cNvPr id="1" name=""/>
+        <p:cNvGrpSpPr/>
+        <p:nvPr/>
+      </p:nvGrpSpPr>
+      <p:grpSpPr>
+        <a:xfrm>
+          <a:off x="0" y="0"/>
+          <a:ext cx="0" cy="0"/>
+          <a:chOff x="0" y="0"/>
+          <a:chExt cx="0" cy="0"/>
+        </a:xfrm>
+      </p:grpSpPr>
+      <p:sp>
+        <p:nvSpPr>
+          <p:cNvPr id="2" name="Title 1"/>
+          <p:cNvSpPr>
+            <a:spLocks noGrp="1"/>
+          </p:cNvSpPr>
+          <p:nvPr>
+            <p:ph type="title"/>
+          </p:nvPr>
+        </p:nvSpPr>
+        <p:spPr/>
+        <p:txBody>
+          <a:bodyPr/>
+          <a:lstStyle/>
+          <a:p>
+            <a:r>
+              <a:rPr lang="en-US" dirty="0"/>
+              <a:t>Registering an App with Azure AD</a:t>
+            </a:r>
+          </a:p>
+        </p:txBody>
+      </p:sp>
+    </p:spTree>
+    <p:extLst>
+      <p:ext uri="{BB962C8B-B14F-4D97-AF65-F5344CB8AC3E}">
+        <p14:creationId xmlns:p14="http://schemas.microsoft.com/office/powerpoint/2010/main" val="182380239"/>
+      </p:ext>
+    </p:extLst>
+  </p:cSld>
+  <p:clrMapOvr>
+    <a:masterClrMapping/>
+  </p:clrMapOvr>
+</p:sld>
+</file>
+
+<file path=ppt/slides/slide3.xml><?xml version="1.0" encoding="utf-8"?>
+<p:sld xmlns:a="http://schemas.openxmlformats.org/drawingml/2006/main" xmlns:r="http://schemas.openxmlformats.org/officeDocument/2006/relationships" xmlns:p="http://schemas.openxmlformats.org/presentationml/2006/main">
+  <p:cSld>
+    <p:spTree>
+      <p:nvGrpSpPr>
+        <p:cNvPr id="1" name=""/>
+        <p:cNvGrpSpPr/>
+        <p:nvPr/>
+      </p:nvGrpSpPr>
+      <p:grpSpPr>
+        <a:xfrm>
+          <a:off x="0" y="0"/>
+          <a:ext cx="0" cy="0"/>
+          <a:chOff x="0" y="0"/>
+          <a:chExt cx="0" cy="0"/>
+        </a:xfrm>
+      </p:grpSpPr>
+      <p:sp>
+        <p:nvSpPr>
+          <p:cNvPr id="2" name="Title 1"/>
+          <p:cNvSpPr>
+            <a:spLocks noGrp="1"/>
+          </p:cNvSpPr>
+          <p:nvPr>
+            <p:ph type="title"/>
+          </p:nvPr>
+        </p:nvSpPr>
+        <p:spPr/>
+        <p:txBody>
+          <a:bodyPr/>
+          <a:lstStyle/>
+          <a:p>
+            <a:r>
+              <a:rPr lang="en-US" dirty="0"/>
+              <a:t>Agenda</a:t>
+            </a:r>
+          </a:p>
+        </p:txBody>
+      </p:sp>
+      <p:sp>
+        <p:nvSpPr>
+          <p:cNvPr id="3" name="Content Placeholder 2"/>
+          <p:cNvSpPr>
+            <a:spLocks noGrp="1"/>
+          </p:cNvSpPr>
+          <p:nvPr>
+            <p:ph idx="1"/>
+          </p:nvPr>
+        </p:nvSpPr>
+        <p:spPr/>
+        <p:txBody>
+          <a:bodyPr/>
+          <a:lstStyle/>
+          <a:p>
+            <a:pPr>
+              <a:buFont typeface="Wingdings" panose="05000000000000000000" pitchFamily="2" charset="2"/>
+              <a:buChar char="Ø"/>
+            </a:pPr>
+            <a:r>
+              <a:rPr lang="en-US" dirty="0"/>
+              <a:t>Power BI Embedding Fundamentals</a:t>
+            </a:r>
+          </a:p>
+          <a:p>
+            <a:r>
+              <a:rPr lang="en-US" dirty="0"/>
+              <a:t>App Workspaces and Dedicated Capacities</a:t>
+            </a:r>
+          </a:p>
+          <a:p>
+            <a:r>
+              <a:rPr lang="en-US" dirty="0"/>
+              <a:t>Authentication with Azure Active Directory</a:t>
+            </a:r>
+          </a:p>
+          <a:p>
+            <a:r>
+              <a:rPr lang="en-US" dirty="0"/>
+              <a:t>Programming with Power BI Service API</a:t>
+            </a:r>
+          </a:p>
+          <a:p>
+            <a:r>
+              <a:rPr lang="en-US" dirty="0"/>
+              <a:t>Working with Embeddable Resources</a:t>
+            </a:r>
+          </a:p>
+          <a:p>
+            <a:r>
+              <a:rPr lang="en-US" dirty="0"/>
+              <a:t>Embedding with Power BI JavaScript API</a:t>
+            </a:r>
+          </a:p>
+        </p:txBody>
+      </p:sp>
+    </p:spTree>
+    <p:extLst>
+      <p:ext uri="{BB962C8B-B14F-4D97-AF65-F5344CB8AC3E}">
+        <p14:creationId xmlns:p14="http://schemas.microsoft.com/office/powerpoint/2010/main" val="3928283159"/>
+      </p:ext>
+    </p:extLst>
+  </p:cSld>
+  <p:clrMapOvr>
+    <a:masterClrMapping/>
+  </p:clrMapOvr>
+</p:sld>
+</file>
+
+<file path=ppt/slides/slide30.xml><?xml version="1.0" encoding="utf-8"?>
 <p:sld xmlns:a="http://schemas.openxmlformats.org/drawingml/2006/main" xmlns:r="http://schemas.openxmlformats.org/officeDocument/2006/relationships" xmlns:p="http://schemas.openxmlformats.org/presentationml/2006/main">
   <p:cSld>
     <p:spTree>
@@ -10493,7 +9411,7 @@
 </p:sld>
 </file>
 
-<file path=ppt/slides/slide33.xml><?xml version="1.0" encoding="utf-8"?>
+<file path=ppt/slides/slide31.xml><?xml version="1.0" encoding="utf-8"?>
 <p:sld xmlns:a="http://schemas.openxmlformats.org/drawingml/2006/main" xmlns:r="http://schemas.openxmlformats.org/officeDocument/2006/relationships" xmlns:p="http://schemas.openxmlformats.org/presentationml/2006/main">
   <p:cSld>
     <p:spTree>
@@ -10609,7 +9527,7 @@
 </p:sld>
 </file>
 
-<file path=ppt/slides/slide34.xml><?xml version="1.0" encoding="utf-8"?>
+<file path=ppt/slides/slide32.xml><?xml version="1.0" encoding="utf-8"?>
 <p:sld xmlns:a="http://schemas.openxmlformats.org/drawingml/2006/main" xmlns:r="http://schemas.openxmlformats.org/officeDocument/2006/relationships" xmlns:p="http://schemas.openxmlformats.org/presentationml/2006/main">
   <p:cSld>
     <p:spTree>
@@ -10693,7 +9611,7 @@
 </p:sld>
 </file>
 
-<file path=ppt/slides/slide35.xml><?xml version="1.0" encoding="utf-8"?>
+<file path=ppt/slides/slide33.xml><?xml version="1.0" encoding="utf-8"?>
 <p:sld xmlns:a="http://schemas.openxmlformats.org/drawingml/2006/main" xmlns:r="http://schemas.openxmlformats.org/officeDocument/2006/relationships" xmlns:p="http://schemas.openxmlformats.org/presentationml/2006/main">
   <p:cSld>
     <p:spTree>
@@ -10763,7 +9681,7 @@
             </a:pPr>
             <a:r>
               <a:rPr lang="en-US" dirty="0"/>
-              <a:t>App Workspaces and Premium Capacities</a:t>
+              <a:t>App Workspaces and Dedicated Capacities</a:t>
             </a:r>
           </a:p>
           <a:p>
@@ -10813,7 +9731,7 @@
 </p:sld>
 </file>
 
-<file path=ppt/slides/slide36.xml><?xml version="1.0" encoding="utf-8"?>
+<file path=ppt/slides/slide34.xml><?xml version="1.0" encoding="utf-8"?>
 <p:sld xmlns:a="http://schemas.openxmlformats.org/drawingml/2006/main" xmlns:r="http://schemas.openxmlformats.org/officeDocument/2006/relationships" xmlns:p="http://schemas.openxmlformats.org/presentationml/2006/main">
   <p:cSld>
     <p:spTree>
@@ -10968,7 +9886,7 @@
 </p:sld>
 </file>
 
-<file path=ppt/slides/slide37.xml><?xml version="1.0" encoding="utf-8"?>
+<file path=ppt/slides/slide35.xml><?xml version="1.0" encoding="utf-8"?>
 <p:sld xmlns:a="http://schemas.openxmlformats.org/drawingml/2006/main" xmlns:r="http://schemas.openxmlformats.org/officeDocument/2006/relationships" xmlns:p="http://schemas.openxmlformats.org/presentationml/2006/main">
   <p:cSld>
     <p:spTree>
@@ -11159,7 +10077,7 @@
 </p:sld>
 </file>
 
-<file path=ppt/slides/slide38.xml><?xml version="1.0" encoding="utf-8"?>
+<file path=ppt/slides/slide36.xml><?xml version="1.0" encoding="utf-8"?>
 <p:sld xmlns:a="http://schemas.openxmlformats.org/drawingml/2006/main" xmlns:r="http://schemas.openxmlformats.org/officeDocument/2006/relationships" xmlns:p="http://schemas.openxmlformats.org/presentationml/2006/main">
   <p:cSld>
     <p:spTree>
@@ -11292,7 +10210,7 @@
 </p:sld>
 </file>
 
-<file path=ppt/slides/slide39.xml><?xml version="1.0" encoding="utf-8"?>
+<file path=ppt/slides/slide37.xml><?xml version="1.0" encoding="utf-8"?>
 <p:sld xmlns:a="http://schemas.openxmlformats.org/drawingml/2006/main" xmlns:r="http://schemas.openxmlformats.org/officeDocument/2006/relationships" xmlns:p="http://schemas.openxmlformats.org/presentationml/2006/main">
   <p:cSld>
     <p:spTree>
@@ -11344,317 +10262,7 @@
 </p:sld>
 </file>
 
-<file path=ppt/slides/slide4.xml><?xml version="1.0" encoding="utf-8"?>
-<p:sld xmlns:a="http://schemas.openxmlformats.org/drawingml/2006/main" xmlns:r="http://schemas.openxmlformats.org/officeDocument/2006/relationships" xmlns:p="http://schemas.openxmlformats.org/presentationml/2006/main">
-  <p:cSld>
-    <p:spTree>
-      <p:nvGrpSpPr>
-        <p:cNvPr id="1" name=""/>
-        <p:cNvGrpSpPr/>
-        <p:nvPr/>
-      </p:nvGrpSpPr>
-      <p:grpSpPr>
-        <a:xfrm>
-          <a:off x="0" y="0"/>
-          <a:ext cx="0" cy="0"/>
-          <a:chOff x="0" y="0"/>
-          <a:chExt cx="0" cy="0"/>
-        </a:xfrm>
-      </p:grpSpPr>
-      <p:sp>
-        <p:nvSpPr>
-          <p:cNvPr id="3" name="Title 2"/>
-          <p:cNvSpPr>
-            <a:spLocks noGrp="1"/>
-          </p:cNvSpPr>
-          <p:nvPr>
-            <p:ph type="title"/>
-          </p:nvPr>
-        </p:nvSpPr>
-        <p:spPr/>
-        <p:txBody>
-          <a:bodyPr/>
-          <a:lstStyle/>
-          <a:p>
-            <a:r>
-              <a:rPr lang="en-US" dirty="0"/>
-              <a:t>The Power BI Service</a:t>
-            </a:r>
-          </a:p>
-        </p:txBody>
-      </p:sp>
-      <p:sp>
-        <p:nvSpPr>
-          <p:cNvPr id="4" name="Content Placeholder 3"/>
-          <p:cNvSpPr>
-            <a:spLocks noGrp="1"/>
-          </p:cNvSpPr>
-          <p:nvPr>
-            <p:ph idx="1"/>
-          </p:nvPr>
-        </p:nvSpPr>
-        <p:spPr/>
-        <p:txBody>
-          <a:bodyPr>
-            <a:normAutofit/>
-          </a:bodyPr>
-          <a:lstStyle/>
-          <a:p>
-            <a:r>
-              <a:rPr lang="en-US" sz="2400" dirty="0"/>
-              <a:t>Provides cloud-based foundation for Power BI platform</a:t>
-            </a:r>
-          </a:p>
-          <a:p>
-            <a:pPr lvl="1"/>
-            <a:r>
-              <a:rPr lang="en-US" sz="2000" dirty="0"/>
-              <a:t>Accessible with browser through </a:t>
-            </a:r>
-            <a:r>
-              <a:rPr lang="en-US" sz="2000" dirty="0">
-                <a:hlinkClick r:id="rId3"/>
-              </a:rPr>
-              <a:t>https://app.powerbi.com</a:t>
-            </a:r>
-            <a:endParaRPr lang="en-US" sz="2000" dirty="0"/>
-          </a:p>
-          <a:p>
-            <a:pPr lvl="1"/>
-            <a:r>
-              <a:rPr lang="en-US" sz="2000" dirty="0"/>
-              <a:t>Accessible through Power BI mobile apps</a:t>
-            </a:r>
-          </a:p>
-          <a:p>
-            <a:pPr lvl="1"/>
-            <a:r>
-              <a:rPr lang="en-US" sz="2000" dirty="0"/>
-              <a:t>Accessible to developers through Power BI Service API</a:t>
-            </a:r>
-          </a:p>
-        </p:txBody>
-      </p:sp>
-      <p:pic>
-        <p:nvPicPr>
-          <p:cNvPr id="5" name="Picture 4"/>
-          <p:cNvPicPr>
-            <a:picLocks noChangeAspect="1"/>
-          </p:cNvPicPr>
-          <p:nvPr/>
-        </p:nvPicPr>
-        <p:blipFill>
-          <a:blip r:embed="rId4"/>
-          <a:stretch>
-            <a:fillRect/>
-          </a:stretch>
-        </p:blipFill>
-        <p:spPr>
-          <a:xfrm>
-            <a:off x="1143000" y="3124200"/>
-            <a:ext cx="6100739" cy="3429000"/>
-          </a:xfrm>
-          <a:prstGeom prst="rect">
-            <a:avLst/>
-          </a:prstGeom>
-          <a:ln w="19050">
-            <a:solidFill>
-              <a:schemeClr val="tx1"/>
-            </a:solidFill>
-          </a:ln>
-        </p:spPr>
-      </p:pic>
-    </p:spTree>
-    <p:extLst>
-      <p:ext uri="{BB962C8B-B14F-4D97-AF65-F5344CB8AC3E}">
-        <p14:creationId xmlns:p14="http://schemas.microsoft.com/office/powerpoint/2010/main" val="457555811"/>
-      </p:ext>
-    </p:extLst>
-  </p:cSld>
-  <p:clrMapOvr>
-    <a:masterClrMapping/>
-  </p:clrMapOvr>
-  <p:timing>
-    <p:tnLst>
-      <p:par>
-        <p:cTn id="1" dur="indefinite" restart="never" nodeType="tmRoot">
-          <p:childTnLst>
-            <p:seq concurrent="1" nextAc="seek">
-              <p:cTn id="2" dur="indefinite" nodeType="mainSeq">
-                <p:childTnLst>
-                  <p:par>
-                    <p:cTn id="3" fill="hold">
-                      <p:stCondLst>
-                        <p:cond delay="indefinite"/>
-                      </p:stCondLst>
-                      <p:childTnLst>
-                        <p:par>
-                          <p:cTn id="4" fill="hold">
-                            <p:stCondLst>
-                              <p:cond delay="0"/>
-                            </p:stCondLst>
-                            <p:childTnLst>
-                              <p:par>
-                                <p:cTn id="5" presetID="1" presetClass="entr" presetSubtype="0" fill="hold" nodeType="clickEffect">
-                                  <p:stCondLst>
-                                    <p:cond delay="0"/>
-                                  </p:stCondLst>
-                                  <p:childTnLst>
-                                    <p:set>
-                                      <p:cBhvr>
-                                        <p:cTn id="6" dur="1" fill="hold">
-                                          <p:stCondLst>
-                                            <p:cond delay="0"/>
-                                          </p:stCondLst>
-                                        </p:cTn>
-                                        <p:tgtEl>
-                                          <p:spTgt spid="4">
-                                            <p:txEl>
-                                              <p:pRg st="1" end="1"/>
-                                            </p:txEl>
-                                          </p:spTgt>
-                                        </p:tgtEl>
-                                        <p:attrNameLst>
-                                          <p:attrName>style.visibility</p:attrName>
-                                        </p:attrNameLst>
-                                      </p:cBhvr>
-                                      <p:to>
-                                        <p:strVal val="visible"/>
-                                      </p:to>
-                                    </p:set>
-                                  </p:childTnLst>
-                                </p:cTn>
-                              </p:par>
-                            </p:childTnLst>
-                          </p:cTn>
-                        </p:par>
-                      </p:childTnLst>
-                    </p:cTn>
-                  </p:par>
-                  <p:par>
-                    <p:cTn id="7" fill="hold">
-                      <p:stCondLst>
-                        <p:cond delay="indefinite"/>
-                      </p:stCondLst>
-                      <p:childTnLst>
-                        <p:par>
-                          <p:cTn id="8" fill="hold">
-                            <p:stCondLst>
-                              <p:cond delay="0"/>
-                            </p:stCondLst>
-                            <p:childTnLst>
-                              <p:par>
-                                <p:cTn id="9" presetID="1" presetClass="entr" presetSubtype="0" fill="hold" nodeType="clickEffect">
-                                  <p:stCondLst>
-                                    <p:cond delay="0"/>
-                                  </p:stCondLst>
-                                  <p:childTnLst>
-                                    <p:set>
-                                      <p:cBhvr>
-                                        <p:cTn id="10" dur="1" fill="hold">
-                                          <p:stCondLst>
-                                            <p:cond delay="0"/>
-                                          </p:stCondLst>
-                                        </p:cTn>
-                                        <p:tgtEl>
-                                          <p:spTgt spid="4">
-                                            <p:txEl>
-                                              <p:pRg st="2" end="2"/>
-                                            </p:txEl>
-                                          </p:spTgt>
-                                        </p:tgtEl>
-                                        <p:attrNameLst>
-                                          <p:attrName>style.visibility</p:attrName>
-                                        </p:attrNameLst>
-                                      </p:cBhvr>
-                                      <p:to>
-                                        <p:strVal val="visible"/>
-                                      </p:to>
-                                    </p:set>
-                                  </p:childTnLst>
-                                </p:cTn>
-                              </p:par>
-                            </p:childTnLst>
-                          </p:cTn>
-                        </p:par>
-                      </p:childTnLst>
-                    </p:cTn>
-                  </p:par>
-                  <p:par>
-                    <p:cTn id="11" fill="hold">
-                      <p:stCondLst>
-                        <p:cond delay="indefinite"/>
-                      </p:stCondLst>
-                      <p:childTnLst>
-                        <p:par>
-                          <p:cTn id="12" fill="hold">
-                            <p:stCondLst>
-                              <p:cond delay="0"/>
-                            </p:stCondLst>
-                            <p:childTnLst>
-                              <p:par>
-                                <p:cTn id="13" presetID="1" presetClass="entr" presetSubtype="0" fill="hold" nodeType="clickEffect">
-                                  <p:stCondLst>
-                                    <p:cond delay="0"/>
-                                  </p:stCondLst>
-                                  <p:childTnLst>
-                                    <p:set>
-                                      <p:cBhvr>
-                                        <p:cTn id="14" dur="1" fill="hold">
-                                          <p:stCondLst>
-                                            <p:cond delay="0"/>
-                                          </p:stCondLst>
-                                        </p:cTn>
-                                        <p:tgtEl>
-                                          <p:spTgt spid="4">
-                                            <p:txEl>
-                                              <p:pRg st="3" end="3"/>
-                                            </p:txEl>
-                                          </p:spTgt>
-                                        </p:tgtEl>
-                                        <p:attrNameLst>
-                                          <p:attrName>style.visibility</p:attrName>
-                                        </p:attrNameLst>
-                                      </p:cBhvr>
-                                      <p:to>
-                                        <p:strVal val="visible"/>
-                                      </p:to>
-                                    </p:set>
-                                  </p:childTnLst>
-                                </p:cTn>
-                              </p:par>
-                            </p:childTnLst>
-                          </p:cTn>
-                        </p:par>
-                      </p:childTnLst>
-                    </p:cTn>
-                  </p:par>
-                </p:childTnLst>
-              </p:cTn>
-              <p:prevCondLst>
-                <p:cond evt="onPrev" delay="0">
-                  <p:tgtEl>
-                    <p:sldTgt/>
-                  </p:tgtEl>
-                </p:cond>
-              </p:prevCondLst>
-              <p:nextCondLst>
-                <p:cond evt="onNext" delay="0">
-                  <p:tgtEl>
-                    <p:sldTgt/>
-                  </p:tgtEl>
-                </p:cond>
-              </p:nextCondLst>
-            </p:seq>
-          </p:childTnLst>
-        </p:cTn>
-      </p:par>
-    </p:tnLst>
-  </p:timing>
-</p:sld>
-</file>
-
-<file path=ppt/slides/slide40.xml><?xml version="1.0" encoding="utf-8"?>
+<file path=ppt/slides/slide38.xml><?xml version="1.0" encoding="utf-8"?>
 <p:sld xmlns:a="http://schemas.openxmlformats.org/drawingml/2006/main" xmlns:r="http://schemas.openxmlformats.org/officeDocument/2006/relationships" xmlns:p="http://schemas.openxmlformats.org/presentationml/2006/main">
   <p:cSld>
     <p:spTree>
@@ -11996,7 +10604,7 @@
 </p:sld>
 </file>
 
-<file path=ppt/slides/slide41.xml><?xml version="1.0" encoding="utf-8"?>
+<file path=ppt/slides/slide39.xml><?xml version="1.0" encoding="utf-8"?>
 <p:sld xmlns:a="http://schemas.openxmlformats.org/drawingml/2006/main" xmlns:r="http://schemas.openxmlformats.org/officeDocument/2006/relationships" xmlns:p="http://schemas.openxmlformats.org/presentationml/2006/main">
   <p:cSld>
     <p:spTree>
@@ -12474,7 +11082,317 @@
 </p:sld>
 </file>
 
-<file path=ppt/slides/slide42.xml><?xml version="1.0" encoding="utf-8"?>
+<file path=ppt/slides/slide4.xml><?xml version="1.0" encoding="utf-8"?>
+<p:sld xmlns:a="http://schemas.openxmlformats.org/drawingml/2006/main" xmlns:r="http://schemas.openxmlformats.org/officeDocument/2006/relationships" xmlns:p="http://schemas.openxmlformats.org/presentationml/2006/main">
+  <p:cSld>
+    <p:spTree>
+      <p:nvGrpSpPr>
+        <p:cNvPr id="1" name=""/>
+        <p:cNvGrpSpPr/>
+        <p:nvPr/>
+      </p:nvGrpSpPr>
+      <p:grpSpPr>
+        <a:xfrm>
+          <a:off x="0" y="0"/>
+          <a:ext cx="0" cy="0"/>
+          <a:chOff x="0" y="0"/>
+          <a:chExt cx="0" cy="0"/>
+        </a:xfrm>
+      </p:grpSpPr>
+      <p:sp>
+        <p:nvSpPr>
+          <p:cNvPr id="3" name="Title 2"/>
+          <p:cNvSpPr>
+            <a:spLocks noGrp="1"/>
+          </p:cNvSpPr>
+          <p:nvPr>
+            <p:ph type="title"/>
+          </p:nvPr>
+        </p:nvSpPr>
+        <p:spPr/>
+        <p:txBody>
+          <a:bodyPr/>
+          <a:lstStyle/>
+          <a:p>
+            <a:r>
+              <a:rPr lang="en-US" dirty="0"/>
+              <a:t>The Power BI Service</a:t>
+            </a:r>
+          </a:p>
+        </p:txBody>
+      </p:sp>
+      <p:sp>
+        <p:nvSpPr>
+          <p:cNvPr id="4" name="Content Placeholder 3"/>
+          <p:cNvSpPr>
+            <a:spLocks noGrp="1"/>
+          </p:cNvSpPr>
+          <p:nvPr>
+            <p:ph idx="1"/>
+          </p:nvPr>
+        </p:nvSpPr>
+        <p:spPr/>
+        <p:txBody>
+          <a:bodyPr>
+            <a:normAutofit/>
+          </a:bodyPr>
+          <a:lstStyle/>
+          <a:p>
+            <a:r>
+              <a:rPr lang="en-US" sz="2400" dirty="0"/>
+              <a:t>Provides cloud-based foundation for Power BI platform</a:t>
+            </a:r>
+          </a:p>
+          <a:p>
+            <a:pPr lvl="1"/>
+            <a:r>
+              <a:rPr lang="en-US" sz="2000" dirty="0"/>
+              <a:t>Accessible with browser through </a:t>
+            </a:r>
+            <a:r>
+              <a:rPr lang="en-US" sz="2000" dirty="0">
+                <a:hlinkClick r:id="rId3"/>
+              </a:rPr>
+              <a:t>https://app.powerbi.com</a:t>
+            </a:r>
+            <a:endParaRPr lang="en-US" sz="2000" dirty="0"/>
+          </a:p>
+          <a:p>
+            <a:pPr lvl="1"/>
+            <a:r>
+              <a:rPr lang="en-US" sz="2000" dirty="0"/>
+              <a:t>Accessible through Power BI mobile apps</a:t>
+            </a:r>
+          </a:p>
+          <a:p>
+            <a:pPr lvl="1"/>
+            <a:r>
+              <a:rPr lang="en-US" sz="2000" dirty="0"/>
+              <a:t>Accessible to developers through Power BI Service API</a:t>
+            </a:r>
+          </a:p>
+        </p:txBody>
+      </p:sp>
+      <p:pic>
+        <p:nvPicPr>
+          <p:cNvPr id="5" name="Picture 4"/>
+          <p:cNvPicPr>
+            <a:picLocks noChangeAspect="1"/>
+          </p:cNvPicPr>
+          <p:nvPr/>
+        </p:nvPicPr>
+        <p:blipFill>
+          <a:blip r:embed="rId4"/>
+          <a:stretch>
+            <a:fillRect/>
+          </a:stretch>
+        </p:blipFill>
+        <p:spPr>
+          <a:xfrm>
+            <a:off x="1143000" y="3124200"/>
+            <a:ext cx="6100739" cy="3429000"/>
+          </a:xfrm>
+          <a:prstGeom prst="rect">
+            <a:avLst/>
+          </a:prstGeom>
+          <a:ln w="19050">
+            <a:solidFill>
+              <a:schemeClr val="tx1"/>
+            </a:solidFill>
+          </a:ln>
+        </p:spPr>
+      </p:pic>
+    </p:spTree>
+    <p:extLst>
+      <p:ext uri="{BB962C8B-B14F-4D97-AF65-F5344CB8AC3E}">
+        <p14:creationId xmlns:p14="http://schemas.microsoft.com/office/powerpoint/2010/main" val="457555811"/>
+      </p:ext>
+    </p:extLst>
+  </p:cSld>
+  <p:clrMapOvr>
+    <a:masterClrMapping/>
+  </p:clrMapOvr>
+  <p:timing>
+    <p:tnLst>
+      <p:par>
+        <p:cTn id="1" dur="indefinite" restart="never" nodeType="tmRoot">
+          <p:childTnLst>
+            <p:seq concurrent="1" nextAc="seek">
+              <p:cTn id="2" dur="indefinite" nodeType="mainSeq">
+                <p:childTnLst>
+                  <p:par>
+                    <p:cTn id="3" fill="hold">
+                      <p:stCondLst>
+                        <p:cond delay="indefinite"/>
+                      </p:stCondLst>
+                      <p:childTnLst>
+                        <p:par>
+                          <p:cTn id="4" fill="hold">
+                            <p:stCondLst>
+                              <p:cond delay="0"/>
+                            </p:stCondLst>
+                            <p:childTnLst>
+                              <p:par>
+                                <p:cTn id="5" presetID="1" presetClass="entr" presetSubtype="0" fill="hold" nodeType="clickEffect">
+                                  <p:stCondLst>
+                                    <p:cond delay="0"/>
+                                  </p:stCondLst>
+                                  <p:childTnLst>
+                                    <p:set>
+                                      <p:cBhvr>
+                                        <p:cTn id="6" dur="1" fill="hold">
+                                          <p:stCondLst>
+                                            <p:cond delay="0"/>
+                                          </p:stCondLst>
+                                        </p:cTn>
+                                        <p:tgtEl>
+                                          <p:spTgt spid="4">
+                                            <p:txEl>
+                                              <p:pRg st="1" end="1"/>
+                                            </p:txEl>
+                                          </p:spTgt>
+                                        </p:tgtEl>
+                                        <p:attrNameLst>
+                                          <p:attrName>style.visibility</p:attrName>
+                                        </p:attrNameLst>
+                                      </p:cBhvr>
+                                      <p:to>
+                                        <p:strVal val="visible"/>
+                                      </p:to>
+                                    </p:set>
+                                  </p:childTnLst>
+                                </p:cTn>
+                              </p:par>
+                            </p:childTnLst>
+                          </p:cTn>
+                        </p:par>
+                      </p:childTnLst>
+                    </p:cTn>
+                  </p:par>
+                  <p:par>
+                    <p:cTn id="7" fill="hold">
+                      <p:stCondLst>
+                        <p:cond delay="indefinite"/>
+                      </p:stCondLst>
+                      <p:childTnLst>
+                        <p:par>
+                          <p:cTn id="8" fill="hold">
+                            <p:stCondLst>
+                              <p:cond delay="0"/>
+                            </p:stCondLst>
+                            <p:childTnLst>
+                              <p:par>
+                                <p:cTn id="9" presetID="1" presetClass="entr" presetSubtype="0" fill="hold" nodeType="clickEffect">
+                                  <p:stCondLst>
+                                    <p:cond delay="0"/>
+                                  </p:stCondLst>
+                                  <p:childTnLst>
+                                    <p:set>
+                                      <p:cBhvr>
+                                        <p:cTn id="10" dur="1" fill="hold">
+                                          <p:stCondLst>
+                                            <p:cond delay="0"/>
+                                          </p:stCondLst>
+                                        </p:cTn>
+                                        <p:tgtEl>
+                                          <p:spTgt spid="4">
+                                            <p:txEl>
+                                              <p:pRg st="2" end="2"/>
+                                            </p:txEl>
+                                          </p:spTgt>
+                                        </p:tgtEl>
+                                        <p:attrNameLst>
+                                          <p:attrName>style.visibility</p:attrName>
+                                        </p:attrNameLst>
+                                      </p:cBhvr>
+                                      <p:to>
+                                        <p:strVal val="visible"/>
+                                      </p:to>
+                                    </p:set>
+                                  </p:childTnLst>
+                                </p:cTn>
+                              </p:par>
+                            </p:childTnLst>
+                          </p:cTn>
+                        </p:par>
+                      </p:childTnLst>
+                    </p:cTn>
+                  </p:par>
+                  <p:par>
+                    <p:cTn id="11" fill="hold">
+                      <p:stCondLst>
+                        <p:cond delay="indefinite"/>
+                      </p:stCondLst>
+                      <p:childTnLst>
+                        <p:par>
+                          <p:cTn id="12" fill="hold">
+                            <p:stCondLst>
+                              <p:cond delay="0"/>
+                            </p:stCondLst>
+                            <p:childTnLst>
+                              <p:par>
+                                <p:cTn id="13" presetID="1" presetClass="entr" presetSubtype="0" fill="hold" nodeType="clickEffect">
+                                  <p:stCondLst>
+                                    <p:cond delay="0"/>
+                                  </p:stCondLst>
+                                  <p:childTnLst>
+                                    <p:set>
+                                      <p:cBhvr>
+                                        <p:cTn id="14" dur="1" fill="hold">
+                                          <p:stCondLst>
+                                            <p:cond delay="0"/>
+                                          </p:stCondLst>
+                                        </p:cTn>
+                                        <p:tgtEl>
+                                          <p:spTgt spid="4">
+                                            <p:txEl>
+                                              <p:pRg st="3" end="3"/>
+                                            </p:txEl>
+                                          </p:spTgt>
+                                        </p:tgtEl>
+                                        <p:attrNameLst>
+                                          <p:attrName>style.visibility</p:attrName>
+                                        </p:attrNameLst>
+                                      </p:cBhvr>
+                                      <p:to>
+                                        <p:strVal val="visible"/>
+                                      </p:to>
+                                    </p:set>
+                                  </p:childTnLst>
+                                </p:cTn>
+                              </p:par>
+                            </p:childTnLst>
+                          </p:cTn>
+                        </p:par>
+                      </p:childTnLst>
+                    </p:cTn>
+                  </p:par>
+                </p:childTnLst>
+              </p:cTn>
+              <p:prevCondLst>
+                <p:cond evt="onPrev" delay="0">
+                  <p:tgtEl>
+                    <p:sldTgt/>
+                  </p:tgtEl>
+                </p:cond>
+              </p:prevCondLst>
+              <p:nextCondLst>
+                <p:cond evt="onNext" delay="0">
+                  <p:tgtEl>
+                    <p:sldTgt/>
+                  </p:tgtEl>
+                </p:cond>
+              </p:nextCondLst>
+            </p:seq>
+          </p:childTnLst>
+        </p:cTn>
+      </p:par>
+    </p:tnLst>
+  </p:timing>
+</p:sld>
+</file>
+
+<file path=ppt/slides/slide40.xml><?xml version="1.0" encoding="utf-8"?>
 <p:sld xmlns:a="http://schemas.openxmlformats.org/drawingml/2006/main" xmlns:r="http://schemas.openxmlformats.org/officeDocument/2006/relationships" xmlns:p="http://schemas.openxmlformats.org/presentationml/2006/main">
   <p:cSld>
     <p:spTree>
@@ -12589,7 +11507,7 @@
 </p:sld>
 </file>
 
-<file path=ppt/slides/slide43.xml><?xml version="1.0" encoding="utf-8"?>
+<file path=ppt/slides/slide41.xml><?xml version="1.0" encoding="utf-8"?>
 <p:sld xmlns:a="http://schemas.openxmlformats.org/drawingml/2006/main" xmlns:r="http://schemas.openxmlformats.org/officeDocument/2006/relationships" xmlns:p="http://schemas.openxmlformats.org/presentationml/2006/main">
   <p:cSld>
     <p:spTree>
@@ -12659,7 +11577,7 @@
             </a:pPr>
             <a:r>
               <a:rPr lang="en-US" dirty="0"/>
-              <a:t>App Workspaces and Premium Capacities</a:t>
+              <a:t>App Workspaces and Dedicated Capacities</a:t>
             </a:r>
           </a:p>
           <a:p>
@@ -12713,7 +11631,7 @@
 </p:sld>
 </file>
 
-<file path=ppt/slides/slide44.xml><?xml version="1.0" encoding="utf-8"?>
+<file path=ppt/slides/slide42.xml><?xml version="1.0" encoding="utf-8"?>
 <p:sld xmlns:a="http://schemas.openxmlformats.org/drawingml/2006/main" xmlns:r="http://schemas.openxmlformats.org/officeDocument/2006/relationships" xmlns:p="http://schemas.openxmlformats.org/presentationml/2006/main">
   <p:cSld>
     <p:spTree>
@@ -13234,7 +12152,7 @@
 </p:sld>
 </file>
 
-<file path=ppt/slides/slide45.xml><?xml version="1.0" encoding="utf-8"?>
+<file path=ppt/slides/slide43.xml><?xml version="1.0" encoding="utf-8"?>
 <p:sld xmlns:a="http://schemas.openxmlformats.org/drawingml/2006/main" xmlns:r="http://schemas.openxmlformats.org/officeDocument/2006/relationships" xmlns:p="http://schemas.openxmlformats.org/presentationml/2006/main">
   <p:cSld>
     <p:spTree>
@@ -13498,7 +12416,7 @@
 </p:sld>
 </file>
 
-<file path=ppt/slides/slide46.xml><?xml version="1.0" encoding="utf-8"?>
+<file path=ppt/slides/slide44.xml><?xml version="1.0" encoding="utf-8"?>
 <p:sld xmlns:a="http://schemas.openxmlformats.org/drawingml/2006/main" xmlns:r="http://schemas.openxmlformats.org/officeDocument/2006/relationships" xmlns:p="http://schemas.openxmlformats.org/presentationml/2006/main">
   <p:cSld>
     <p:spTree>
@@ -14058,7 +12976,7 @@
 </p:sld>
 </file>
 
-<file path=ppt/slides/slide47.xml><?xml version="1.0" encoding="utf-8"?>
+<file path=ppt/slides/slide45.xml><?xml version="1.0" encoding="utf-8"?>
 <p:sld xmlns:a="http://schemas.openxmlformats.org/drawingml/2006/main" xmlns:r="http://schemas.openxmlformats.org/officeDocument/2006/relationships" xmlns:p="http://schemas.openxmlformats.org/presentationml/2006/main">
   <p:cSld>
     <p:spTree>
@@ -14142,7 +13060,7 @@
 </p:sld>
 </file>
 
-<file path=ppt/slides/slide48.xml><?xml version="1.0" encoding="utf-8"?>
+<file path=ppt/slides/slide46.xml><?xml version="1.0" encoding="utf-8"?>
 <p:sld xmlns:a="http://schemas.openxmlformats.org/drawingml/2006/main" xmlns:r="http://schemas.openxmlformats.org/officeDocument/2006/relationships" xmlns:p="http://schemas.openxmlformats.org/presentationml/2006/main">
   <p:cSld>
     <p:spTree>
@@ -14212,7 +13130,7 @@
             </a:pPr>
             <a:r>
               <a:rPr lang="en-US" dirty="0"/>
-              <a:t>App Workspaces and Premium Capacities</a:t>
+              <a:t>App Workspaces and Dedicated Capacities</a:t>
             </a:r>
           </a:p>
           <a:p>
@@ -14270,7 +13188,7 @@
 </p:sld>
 </file>
 
-<file path=ppt/slides/slide49.xml><?xml version="1.0" encoding="utf-8"?>
+<file path=ppt/slides/slide47.xml><?xml version="1.0" encoding="utf-8"?>
 <p:sld xmlns:a="http://schemas.openxmlformats.org/drawingml/2006/main" xmlns:r="http://schemas.openxmlformats.org/officeDocument/2006/relationships" xmlns:p="http://schemas.openxmlformats.org/presentationml/2006/main">
   <p:cSld>
     <p:spTree>
@@ -14401,400 +13319,7 @@
 </p:sld>
 </file>
 
-<file path=ppt/slides/slide5.xml><?xml version="1.0" encoding="utf-8"?>
-<p:sld xmlns:a="http://schemas.openxmlformats.org/drawingml/2006/main" xmlns:r="http://schemas.openxmlformats.org/officeDocument/2006/relationships" xmlns:p="http://schemas.openxmlformats.org/presentationml/2006/main">
-  <p:cSld>
-    <p:spTree>
-      <p:nvGrpSpPr>
-        <p:cNvPr id="1" name=""/>
-        <p:cNvGrpSpPr/>
-        <p:nvPr/>
-      </p:nvGrpSpPr>
-      <p:grpSpPr>
-        <a:xfrm>
-          <a:off x="0" y="0"/>
-          <a:ext cx="0" cy="0"/>
-          <a:chOff x="0" y="0"/>
-          <a:chExt cx="0" cy="0"/>
-        </a:xfrm>
-      </p:grpSpPr>
-      <p:sp>
-        <p:nvSpPr>
-          <p:cNvPr id="2" name="Title 1"/>
-          <p:cNvSpPr>
-            <a:spLocks noGrp="1"/>
-          </p:cNvSpPr>
-          <p:nvPr>
-            <p:ph type="title"/>
-          </p:nvPr>
-        </p:nvSpPr>
-        <p:spPr/>
-        <p:txBody>
-          <a:bodyPr/>
-          <a:lstStyle/>
-          <a:p>
-            <a:r>
-              <a:rPr lang="en-US" dirty="0"/>
-              <a:t>What </a:t>
-            </a:r>
-            <a:r>
-              <a:rPr lang="en-US" strike="sngStrike" dirty="0">
-                <a:solidFill>
-                  <a:srgbClr val="FF0000"/>
-                </a:solidFill>
-              </a:rPr>
-              <a:t>is</a:t>
-            </a:r>
-            <a:r>
-              <a:rPr lang="en-US" dirty="0"/>
-              <a:t> was Power BI Embedded V1?</a:t>
-            </a:r>
-          </a:p>
-        </p:txBody>
-      </p:sp>
-      <p:sp>
-        <p:nvSpPr>
-          <p:cNvPr id="3" name="Content Placeholder 2"/>
-          <p:cNvSpPr>
-            <a:spLocks noGrp="1"/>
-          </p:cNvSpPr>
-          <p:nvPr>
-            <p:ph idx="1"/>
-          </p:nvPr>
-        </p:nvSpPr>
-        <p:spPr>
-          <a:xfrm>
-            <a:off x="381000" y="1447800"/>
-            <a:ext cx="8534400" cy="5181600"/>
-          </a:xfrm>
-        </p:spPr>
-        <p:txBody>
-          <a:bodyPr>
-            <a:normAutofit/>
-          </a:bodyPr>
-          <a:lstStyle/>
-          <a:p>
-            <a:r>
-              <a:rPr lang="en-US" sz="2400" dirty="0"/>
-              <a:t>Power BI Embedded V1 is an Azure Service</a:t>
-            </a:r>
-          </a:p>
-          <a:p>
-            <a:pPr lvl="1"/>
-            <a:r>
-              <a:rPr lang="en-US" sz="2000" dirty="0"/>
-              <a:t>PBI Embedded service that was provisioned on-demand</a:t>
-            </a:r>
-          </a:p>
-          <a:p>
-            <a:pPr lvl="1"/>
-            <a:r>
-              <a:rPr lang="en-US" sz="2000" dirty="0"/>
-              <a:t>Service provisioned in terms of workspace collections</a:t>
-            </a:r>
-          </a:p>
-          <a:p>
-            <a:pPr lvl="1"/>
-            <a:r>
-              <a:rPr lang="en-US" sz="2000" dirty="0"/>
-              <a:t>Pricing model based on number of report sessions</a:t>
-            </a:r>
-          </a:p>
-          <a:p>
-            <a:pPr lvl="1"/>
-            <a:r>
-              <a:rPr lang="en-US" sz="2000" dirty="0"/>
-              <a:t>Power BI Embedded was Sunset-</a:t>
-            </a:r>
-            <a:r>
-              <a:rPr lang="en-US" sz="2000" dirty="0" err="1"/>
-              <a:t>ed</a:t>
-            </a:r>
-            <a:r>
-              <a:rPr lang="en-US" sz="2000" dirty="0"/>
-              <a:t> Beginning in May 2017</a:t>
-            </a:r>
-          </a:p>
-        </p:txBody>
-      </p:sp>
-      <p:pic>
-        <p:nvPicPr>
-          <p:cNvPr id="4" name="Picture 3"/>
-          <p:cNvPicPr>
-            <a:picLocks noChangeAspect="1"/>
-          </p:cNvPicPr>
-          <p:nvPr/>
-        </p:nvPicPr>
-        <p:blipFill>
-          <a:blip r:embed="rId2"/>
-          <a:stretch>
-            <a:fillRect/>
-          </a:stretch>
-        </p:blipFill>
-        <p:spPr>
-          <a:xfrm>
-            <a:off x="1143000" y="3581400"/>
-            <a:ext cx="5704186" cy="3048000"/>
-          </a:xfrm>
-          <a:prstGeom prst="rect">
-            <a:avLst/>
-          </a:prstGeom>
-          <a:solidFill>
-            <a:schemeClr val="tx1">
-              <a:lumMod val="50000"/>
-              <a:lumOff val="50000"/>
-            </a:schemeClr>
-          </a:solidFill>
-          <a:ln>
-            <a:solidFill>
-              <a:schemeClr val="tx1">
-                <a:lumMod val="50000"/>
-                <a:lumOff val="50000"/>
-              </a:schemeClr>
-            </a:solidFill>
-          </a:ln>
-        </p:spPr>
-      </p:pic>
-    </p:spTree>
-    <p:extLst>
-      <p:ext uri="{BB962C8B-B14F-4D97-AF65-F5344CB8AC3E}">
-        <p14:creationId xmlns:p14="http://schemas.microsoft.com/office/powerpoint/2010/main" val="768435135"/>
-      </p:ext>
-    </p:extLst>
-  </p:cSld>
-  <p:clrMapOvr>
-    <a:masterClrMapping/>
-  </p:clrMapOvr>
-  <p:timing>
-    <p:tnLst>
-      <p:par>
-        <p:cTn id="1" dur="indefinite" restart="never" nodeType="tmRoot">
-          <p:childTnLst>
-            <p:seq concurrent="1" nextAc="seek">
-              <p:cTn id="2" dur="indefinite" nodeType="mainSeq">
-                <p:childTnLst>
-                  <p:par>
-                    <p:cTn id="3" fill="hold">
-                      <p:stCondLst>
-                        <p:cond delay="indefinite"/>
-                      </p:stCondLst>
-                      <p:childTnLst>
-                        <p:par>
-                          <p:cTn id="4" fill="hold">
-                            <p:stCondLst>
-                              <p:cond delay="0"/>
-                            </p:stCondLst>
-                            <p:childTnLst>
-                              <p:par>
-                                <p:cTn id="5" presetID="1" presetClass="entr" presetSubtype="0" fill="hold" nodeType="clickEffect">
-                                  <p:stCondLst>
-                                    <p:cond delay="0"/>
-                                  </p:stCondLst>
-                                  <p:childTnLst>
-                                    <p:set>
-                                      <p:cBhvr>
-                                        <p:cTn id="6" dur="1" fill="hold">
-                                          <p:stCondLst>
-                                            <p:cond delay="0"/>
-                                          </p:stCondLst>
-                                        </p:cTn>
-                                        <p:tgtEl>
-                                          <p:spTgt spid="3">
-                                            <p:txEl>
-                                              <p:pRg st="1" end="1"/>
-                                            </p:txEl>
-                                          </p:spTgt>
-                                        </p:tgtEl>
-                                        <p:attrNameLst>
-                                          <p:attrName>style.visibility</p:attrName>
-                                        </p:attrNameLst>
-                                      </p:cBhvr>
-                                      <p:to>
-                                        <p:strVal val="visible"/>
-                                      </p:to>
-                                    </p:set>
-                                  </p:childTnLst>
-                                </p:cTn>
-                              </p:par>
-                            </p:childTnLst>
-                          </p:cTn>
-                        </p:par>
-                      </p:childTnLst>
-                    </p:cTn>
-                  </p:par>
-                  <p:par>
-                    <p:cTn id="7" fill="hold">
-                      <p:stCondLst>
-                        <p:cond delay="indefinite"/>
-                      </p:stCondLst>
-                      <p:childTnLst>
-                        <p:par>
-                          <p:cTn id="8" fill="hold">
-                            <p:stCondLst>
-                              <p:cond delay="0"/>
-                            </p:stCondLst>
-                            <p:childTnLst>
-                              <p:par>
-                                <p:cTn id="9" presetID="1" presetClass="entr" presetSubtype="0" fill="hold" nodeType="clickEffect">
-                                  <p:stCondLst>
-                                    <p:cond delay="0"/>
-                                  </p:stCondLst>
-                                  <p:childTnLst>
-                                    <p:set>
-                                      <p:cBhvr>
-                                        <p:cTn id="10" dur="1" fill="hold">
-                                          <p:stCondLst>
-                                            <p:cond delay="0"/>
-                                          </p:stCondLst>
-                                        </p:cTn>
-                                        <p:tgtEl>
-                                          <p:spTgt spid="3">
-                                            <p:txEl>
-                                              <p:pRg st="2" end="2"/>
-                                            </p:txEl>
-                                          </p:spTgt>
-                                        </p:tgtEl>
-                                        <p:attrNameLst>
-                                          <p:attrName>style.visibility</p:attrName>
-                                        </p:attrNameLst>
-                                      </p:cBhvr>
-                                      <p:to>
-                                        <p:strVal val="visible"/>
-                                      </p:to>
-                                    </p:set>
-                                  </p:childTnLst>
-                                </p:cTn>
-                              </p:par>
-                            </p:childTnLst>
-                          </p:cTn>
-                        </p:par>
-                      </p:childTnLst>
-                    </p:cTn>
-                  </p:par>
-                  <p:par>
-                    <p:cTn id="11" fill="hold">
-                      <p:stCondLst>
-                        <p:cond delay="indefinite"/>
-                      </p:stCondLst>
-                      <p:childTnLst>
-                        <p:par>
-                          <p:cTn id="12" fill="hold">
-                            <p:stCondLst>
-                              <p:cond delay="0"/>
-                            </p:stCondLst>
-                            <p:childTnLst>
-                              <p:par>
-                                <p:cTn id="13" presetID="1" presetClass="entr" presetSubtype="0" fill="hold" nodeType="clickEffect">
-                                  <p:stCondLst>
-                                    <p:cond delay="0"/>
-                                  </p:stCondLst>
-                                  <p:childTnLst>
-                                    <p:set>
-                                      <p:cBhvr>
-                                        <p:cTn id="14" dur="1" fill="hold">
-                                          <p:stCondLst>
-                                            <p:cond delay="0"/>
-                                          </p:stCondLst>
-                                        </p:cTn>
-                                        <p:tgtEl>
-                                          <p:spTgt spid="3">
-                                            <p:txEl>
-                                              <p:pRg st="3" end="3"/>
-                                            </p:txEl>
-                                          </p:spTgt>
-                                        </p:tgtEl>
-                                        <p:attrNameLst>
-                                          <p:attrName>style.visibility</p:attrName>
-                                        </p:attrNameLst>
-                                      </p:cBhvr>
-                                      <p:to>
-                                        <p:strVal val="visible"/>
-                                      </p:to>
-                                    </p:set>
-                                  </p:childTnLst>
-                                </p:cTn>
-                              </p:par>
-                            </p:childTnLst>
-                          </p:cTn>
-                        </p:par>
-                      </p:childTnLst>
-                    </p:cTn>
-                  </p:par>
-                  <p:par>
-                    <p:cTn id="15" fill="hold">
-                      <p:stCondLst>
-                        <p:cond delay="indefinite"/>
-                      </p:stCondLst>
-                      <p:childTnLst>
-                        <p:par>
-                          <p:cTn id="16" fill="hold">
-                            <p:stCondLst>
-                              <p:cond delay="0"/>
-                            </p:stCondLst>
-                            <p:childTnLst>
-                              <p:par>
-                                <p:cTn id="17" presetID="1" presetClass="entr" presetSubtype="0" fill="hold" nodeType="clickEffect">
-                                  <p:stCondLst>
-                                    <p:cond delay="0"/>
-                                  </p:stCondLst>
-                                  <p:childTnLst>
-                                    <p:set>
-                                      <p:cBhvr>
-                                        <p:cTn id="18" dur="1" fill="hold">
-                                          <p:stCondLst>
-                                            <p:cond delay="0"/>
-                                          </p:stCondLst>
-                                        </p:cTn>
-                                        <p:tgtEl>
-                                          <p:spTgt spid="3">
-                                            <p:txEl>
-                                              <p:pRg st="4" end="4"/>
-                                            </p:txEl>
-                                          </p:spTgt>
-                                        </p:tgtEl>
-                                        <p:attrNameLst>
-                                          <p:attrName>style.visibility</p:attrName>
-                                        </p:attrNameLst>
-                                      </p:cBhvr>
-                                      <p:to>
-                                        <p:strVal val="visible"/>
-                                      </p:to>
-                                    </p:set>
-                                  </p:childTnLst>
-                                </p:cTn>
-                              </p:par>
-                            </p:childTnLst>
-                          </p:cTn>
-                        </p:par>
-                      </p:childTnLst>
-                    </p:cTn>
-                  </p:par>
-                </p:childTnLst>
-              </p:cTn>
-              <p:prevCondLst>
-                <p:cond evt="onPrev" delay="0">
-                  <p:tgtEl>
-                    <p:sldTgt/>
-                  </p:tgtEl>
-                </p:cond>
-              </p:prevCondLst>
-              <p:nextCondLst>
-                <p:cond evt="onNext" delay="0">
-                  <p:tgtEl>
-                    <p:sldTgt/>
-                  </p:tgtEl>
-                </p:cond>
-              </p:nextCondLst>
-            </p:seq>
-          </p:childTnLst>
-        </p:cTn>
-      </p:par>
-    </p:tnLst>
-  </p:timing>
-</p:sld>
-</file>
-
-<file path=ppt/slides/slide50.xml><?xml version="1.0" encoding="utf-8"?>
+<file path=ppt/slides/slide48.xml><?xml version="1.0" encoding="utf-8"?>
 <p:sld xmlns:a="http://schemas.openxmlformats.org/drawingml/2006/main" xmlns:r="http://schemas.openxmlformats.org/officeDocument/2006/relationships" xmlns:p="http://schemas.openxmlformats.org/presentationml/2006/main">
   <p:cSld>
     <p:spTree>
@@ -15096,7 +13621,7 @@
 </p:sld>
 </file>
 
-<file path=ppt/slides/slide51.xml><?xml version="1.0" encoding="utf-8"?>
+<file path=ppt/slides/slide49.xml><?xml version="1.0" encoding="utf-8"?>
 <p:sld xmlns:a="http://schemas.openxmlformats.org/drawingml/2006/main" xmlns:r="http://schemas.openxmlformats.org/officeDocument/2006/relationships" xmlns:p="http://schemas.openxmlformats.org/presentationml/2006/main">
   <p:cSld>
     <p:spTree>
@@ -15163,7 +13688,7 @@
         </p:blipFill>
         <p:spPr>
           <a:xfrm>
-            <a:off x="174564" y="1524000"/>
+            <a:off x="174564" y="1371600"/>
             <a:ext cx="8566272" cy="5105400"/>
           </a:xfrm>
           <a:prstGeom prst="rect">
@@ -15185,246 +13710,6 @@
           </a:ln>
         </p:spPr>
       </p:pic>
-      <p:sp>
-        <p:nvSpPr>
-          <p:cNvPr id="5" name="Rectangle 4">
-            <a:extLst>
-              <a:ext uri="{FF2B5EF4-FFF2-40B4-BE49-F238E27FC236}">
-                <a16:creationId xmlns:a16="http://schemas.microsoft.com/office/drawing/2014/main" id="{0A8710D3-0989-4BF5-ABD2-3D8E892D835C}"/>
-              </a:ext>
-            </a:extLst>
-          </p:cNvPr>
-          <p:cNvSpPr/>
-          <p:nvPr/>
-        </p:nvSpPr>
-        <p:spPr>
-          <a:xfrm>
-            <a:off x="5486400" y="5257800"/>
-            <a:ext cx="2895600" cy="533400"/>
-          </a:xfrm>
-          <a:prstGeom prst="rect">
-            <a:avLst/>
-          </a:prstGeom>
-          <a:solidFill>
-            <a:schemeClr val="accent2">
-              <a:lumMod val="20000"/>
-              <a:lumOff val="80000"/>
-            </a:schemeClr>
-          </a:solidFill>
-          <a:ln w="6350">
-            <a:solidFill>
-              <a:srgbClr val="87451D"/>
-            </a:solidFill>
-          </a:ln>
-        </p:spPr>
-        <p:style>
-          <a:lnRef idx="2">
-            <a:schemeClr val="accent1">
-              <a:shade val="50000"/>
-            </a:schemeClr>
-          </a:lnRef>
-          <a:fillRef idx="1">
-            <a:schemeClr val="accent1"/>
-          </a:fillRef>
-          <a:effectRef idx="0">
-            <a:schemeClr val="accent1"/>
-          </a:effectRef>
-          <a:fontRef idx="minor">
-            <a:schemeClr val="lt1"/>
-          </a:fontRef>
-        </p:style>
-        <p:txBody>
-          <a:bodyPr rtlCol="0" anchor="ctr"/>
-          <a:lstStyle/>
-          <a:p>
-            <a:r>
-              <a:rPr lang="en-US" sz="1200" b="1" dirty="0">
-                <a:solidFill>
-                  <a:srgbClr val="87451D"/>
-                </a:solidFill>
-              </a:rPr>
-              <a:t>View</a:t>
-            </a:r>
-            <a:r>
-              <a:rPr lang="en-US" sz="1200" dirty="0">
-                <a:solidFill>
-                  <a:srgbClr val="87451D"/>
-                </a:solidFill>
-              </a:rPr>
-              <a:t> - Opens report in View mode.</a:t>
-            </a:r>
-          </a:p>
-          <a:p>
-            <a:r>
-              <a:rPr lang="en-US" sz="1200" b="1" dirty="0">
-                <a:solidFill>
-                  <a:srgbClr val="87451D"/>
-                </a:solidFill>
-              </a:rPr>
-              <a:t>Edit</a:t>
-            </a:r>
-            <a:r>
-              <a:rPr lang="en-US" sz="1200" dirty="0">
-                <a:solidFill>
-                  <a:srgbClr val="87451D"/>
-                </a:solidFill>
-              </a:rPr>
-              <a:t> - Opens report in Edit mode.</a:t>
-            </a:r>
-          </a:p>
-        </p:txBody>
-      </p:sp>
-      <p:sp>
-        <p:nvSpPr>
-          <p:cNvPr id="6" name="Rectangle 5">
-            <a:extLst>
-              <a:ext uri="{FF2B5EF4-FFF2-40B4-BE49-F238E27FC236}">
-                <a16:creationId xmlns:a16="http://schemas.microsoft.com/office/drawing/2014/main" id="{D6B2C5A5-1834-4047-9C08-4EA1D4B109B7}"/>
-              </a:ext>
-            </a:extLst>
-          </p:cNvPr>
-          <p:cNvSpPr/>
-          <p:nvPr/>
-        </p:nvSpPr>
-        <p:spPr>
-          <a:xfrm>
-            <a:off x="4972627" y="3810000"/>
-            <a:ext cx="3923145" cy="1066800"/>
-          </a:xfrm>
-          <a:prstGeom prst="rect">
-            <a:avLst/>
-          </a:prstGeom>
-          <a:solidFill>
-            <a:schemeClr val="accent2">
-              <a:lumMod val="20000"/>
-              <a:lumOff val="80000"/>
-            </a:schemeClr>
-          </a:solidFill>
-          <a:ln w="6350">
-            <a:solidFill>
-              <a:srgbClr val="87451D"/>
-            </a:solidFill>
-          </a:ln>
-        </p:spPr>
-        <p:style>
-          <a:lnRef idx="2">
-            <a:schemeClr val="accent1">
-              <a:shade val="50000"/>
-            </a:schemeClr>
-          </a:lnRef>
-          <a:fillRef idx="1">
-            <a:schemeClr val="accent1"/>
-          </a:fillRef>
-          <a:effectRef idx="0">
-            <a:schemeClr val="accent1"/>
-          </a:effectRef>
-          <a:fontRef idx="minor">
-            <a:schemeClr val="lt1"/>
-          </a:fontRef>
-        </p:style>
-        <p:txBody>
-          <a:bodyPr rtlCol="0" anchor="ctr"/>
-          <a:lstStyle/>
-          <a:p>
-            <a:r>
-              <a:rPr lang="en-US" sz="1200" b="1" dirty="0">
-                <a:solidFill>
-                  <a:srgbClr val="87451D"/>
-                </a:solidFill>
-              </a:rPr>
-              <a:t>Read: </a:t>
-            </a:r>
-            <a:r>
-              <a:rPr lang="en-US" sz="1200" dirty="0">
-                <a:solidFill>
-                  <a:srgbClr val="87451D"/>
-                </a:solidFill>
-              </a:rPr>
-              <a:t>Allows view report only.</a:t>
-            </a:r>
-          </a:p>
-          <a:p>
-            <a:r>
-              <a:rPr lang="en-US" sz="1200" b="1" dirty="0" err="1">
-                <a:solidFill>
-                  <a:srgbClr val="87451D"/>
-                </a:solidFill>
-              </a:rPr>
-              <a:t>ReadWrite</a:t>
-            </a:r>
-            <a:r>
-              <a:rPr lang="en-US" sz="1200" b="1" dirty="0">
-                <a:solidFill>
-                  <a:srgbClr val="87451D"/>
-                </a:solidFill>
-              </a:rPr>
-              <a:t>: </a:t>
-            </a:r>
-            <a:r>
-              <a:rPr lang="en-US" sz="1200" dirty="0">
-                <a:solidFill>
-                  <a:srgbClr val="87451D"/>
-                </a:solidFill>
-              </a:rPr>
-              <a:t>Allows view, Edit and Save report.</a:t>
-            </a:r>
-          </a:p>
-          <a:p>
-            <a:r>
-              <a:rPr lang="en-US" sz="1200" b="1" dirty="0">
-                <a:solidFill>
-                  <a:srgbClr val="87451D"/>
-                </a:solidFill>
-              </a:rPr>
-              <a:t>Copy:</a:t>
-            </a:r>
-            <a:r>
-              <a:rPr lang="en-US" sz="1200" dirty="0">
-                <a:solidFill>
-                  <a:srgbClr val="87451D"/>
-                </a:solidFill>
-              </a:rPr>
-              <a:t> Allows Save a copy of a report using Save As.</a:t>
-            </a:r>
-          </a:p>
-          <a:p>
-            <a:r>
-              <a:rPr lang="en-US" sz="1200" b="1" dirty="0">
-                <a:solidFill>
-                  <a:srgbClr val="87451D"/>
-                </a:solidFill>
-              </a:rPr>
-              <a:t>Create:</a:t>
-            </a:r>
-            <a:r>
-              <a:rPr lang="en-US" sz="1200" dirty="0">
-                <a:solidFill>
-                  <a:srgbClr val="87451D"/>
-                </a:solidFill>
-              </a:rPr>
-              <a:t> Allows creating a new report.</a:t>
-            </a:r>
-          </a:p>
-          <a:p>
-            <a:r>
-              <a:rPr lang="en-US" sz="1200" b="1" dirty="0">
-                <a:solidFill>
-                  <a:srgbClr val="87451D"/>
-                </a:solidFill>
-              </a:rPr>
-              <a:t>All:</a:t>
-            </a:r>
-            <a:r>
-              <a:rPr lang="en-US" sz="1200" dirty="0">
-                <a:solidFill>
-                  <a:srgbClr val="87451D"/>
-                </a:solidFill>
-              </a:rPr>
-              <a:t> Allows everything.</a:t>
-            </a:r>
-          </a:p>
-        </p:txBody>
-      </p:sp>
     </p:spTree>
     <p:extLst>
       <p:ext uri="{BB962C8B-B14F-4D97-AF65-F5344CB8AC3E}">
@@ -15438,7 +13723,785 @@
 </p:sld>
 </file>
 
-<file path=ppt/slides/slide52.xml><?xml version="1.0" encoding="utf-8"?>
+<file path=ppt/slides/slide5.xml><?xml version="1.0" encoding="utf-8"?>
+<p:sld xmlns:a="http://schemas.openxmlformats.org/drawingml/2006/main" xmlns:r="http://schemas.openxmlformats.org/officeDocument/2006/relationships" xmlns:p="http://schemas.openxmlformats.org/presentationml/2006/main">
+  <p:cSld>
+    <p:spTree>
+      <p:nvGrpSpPr>
+        <p:cNvPr id="1" name=""/>
+        <p:cNvGrpSpPr/>
+        <p:nvPr/>
+      </p:nvGrpSpPr>
+      <p:grpSpPr>
+        <a:xfrm>
+          <a:off x="0" y="0"/>
+          <a:ext cx="0" cy="0"/>
+          <a:chOff x="0" y="0"/>
+          <a:chExt cx="0" cy="0"/>
+        </a:xfrm>
+      </p:grpSpPr>
+      <p:sp>
+        <p:nvSpPr>
+          <p:cNvPr id="2" name="Title 1"/>
+          <p:cNvSpPr>
+            <a:spLocks noGrp="1"/>
+          </p:cNvSpPr>
+          <p:nvPr>
+            <p:ph type="title"/>
+          </p:nvPr>
+        </p:nvSpPr>
+        <p:spPr/>
+        <p:txBody>
+          <a:bodyPr/>
+          <a:lstStyle/>
+          <a:p>
+            <a:r>
+              <a:rPr lang="en-US" dirty="0"/>
+              <a:t>The Power BI Service API</a:t>
+            </a:r>
+          </a:p>
+        </p:txBody>
+      </p:sp>
+      <p:sp>
+        <p:nvSpPr>
+          <p:cNvPr id="3" name="Content Placeholder 2"/>
+          <p:cNvSpPr>
+            <a:spLocks noGrp="1"/>
+          </p:cNvSpPr>
+          <p:nvPr>
+            <p:ph idx="1"/>
+          </p:nvPr>
+        </p:nvSpPr>
+        <p:spPr/>
+        <p:txBody>
+          <a:bodyPr>
+            <a:normAutofit/>
+          </a:bodyPr>
+          <a:lstStyle/>
+          <a:p>
+            <a:r>
+              <a:rPr lang="en-US" sz="2400" dirty="0"/>
+              <a:t>The Power BI Service API goes by other names</a:t>
+            </a:r>
+          </a:p>
+          <a:p>
+            <a:pPr lvl="1"/>
+            <a:r>
+              <a:rPr lang="en-US" sz="2000" dirty="0"/>
+              <a:t>The Power BI REST API</a:t>
+            </a:r>
+          </a:p>
+          <a:p>
+            <a:pPr lvl="1"/>
+            <a:r>
+              <a:rPr lang="en-US" sz="2000" dirty="0"/>
+              <a:t>The Power BI API</a:t>
+            </a:r>
+          </a:p>
+          <a:p>
+            <a:pPr lvl="1"/>
+            <a:endParaRPr lang="en-US" sz="2000" dirty="0"/>
+          </a:p>
+          <a:p>
+            <a:pPr lvl="1"/>
+            <a:endParaRPr lang="en-US" sz="2000" dirty="0"/>
+          </a:p>
+          <a:p>
+            <a:pPr lvl="1"/>
+            <a:endParaRPr lang="en-US" sz="2000" dirty="0"/>
+          </a:p>
+          <a:p>
+            <a:pPr lvl="1"/>
+            <a:endParaRPr lang="en-US" sz="2000" dirty="0"/>
+          </a:p>
+          <a:p>
+            <a:r>
+              <a:rPr lang="en-US" sz="2400" dirty="0"/>
+              <a:t>Using the Power BI Service API</a:t>
+            </a:r>
+          </a:p>
+          <a:p>
+            <a:pPr lvl="1"/>
+            <a:r>
+              <a:rPr lang="en-US" sz="2000" dirty="0"/>
+              <a:t>Accessible by making direct REST calls against service</a:t>
+            </a:r>
+          </a:p>
+          <a:p>
+            <a:pPr lvl="1"/>
+            <a:r>
+              <a:rPr lang="en-US" sz="2000" dirty="0"/>
+              <a:t>Accessible by using Assembly DLL that abstracts away REST calls</a:t>
+            </a:r>
+          </a:p>
+          <a:p>
+            <a:pPr lvl="1"/>
+            <a:r>
+              <a:rPr lang="en-US" sz="2000" dirty="0"/>
+              <a:t>Assembly DLL is named </a:t>
+            </a:r>
+            <a:r>
+              <a:rPr lang="en-US" sz="2000" b="1" dirty="0"/>
+              <a:t>Microsoft.PowerBI.Api.dll</a:t>
+            </a:r>
+          </a:p>
+          <a:p>
+            <a:pPr lvl="1"/>
+            <a:r>
+              <a:rPr lang="en-US" sz="2000" dirty="0"/>
+              <a:t>Assembly DLL part of </a:t>
+            </a:r>
+            <a:r>
+              <a:rPr lang="en-US" sz="2000" dirty="0" err="1"/>
+              <a:t>NuGet</a:t>
+            </a:r>
+            <a:r>
+              <a:rPr lang="en-US" sz="2000" dirty="0"/>
+              <a:t> package (</a:t>
+            </a:r>
+            <a:r>
+              <a:rPr lang="en-US" sz="2000" b="1" dirty="0" err="1"/>
+              <a:t>Microsoft.PowerBI.Api</a:t>
+            </a:r>
+            <a:r>
+              <a:rPr lang="en-US" sz="2000" dirty="0"/>
+              <a:t>)</a:t>
+            </a:r>
+          </a:p>
+          <a:p>
+            <a:pPr lvl="1"/>
+            <a:r>
+              <a:rPr lang="en-US" sz="2000" dirty="0"/>
+              <a:t>Calling service requires authentication with Azure Active Directory</a:t>
+            </a:r>
+          </a:p>
+        </p:txBody>
+      </p:sp>
+      <p:grpSp>
+        <p:nvGrpSpPr>
+          <p:cNvPr id="15" name="Group 14"/>
+          <p:cNvGrpSpPr/>
+          <p:nvPr/>
+        </p:nvGrpSpPr>
+        <p:grpSpPr>
+          <a:xfrm>
+            <a:off x="1143000" y="2819400"/>
+            <a:ext cx="5715000" cy="1143000"/>
+            <a:chOff x="1219200" y="2743200"/>
+            <a:chExt cx="5715000" cy="1371600"/>
+          </a:xfrm>
+        </p:grpSpPr>
+        <p:sp>
+          <p:nvSpPr>
+            <p:cNvPr id="4" name="Rectangle 3"/>
+            <p:cNvSpPr/>
+            <p:nvPr/>
+          </p:nvSpPr>
+          <p:spPr>
+            <a:xfrm>
+              <a:off x="1219200" y="2743200"/>
+              <a:ext cx="5715000" cy="1371600"/>
+            </a:xfrm>
+            <a:prstGeom prst="rect">
+              <a:avLst/>
+            </a:prstGeom>
+            <a:solidFill>
+              <a:schemeClr val="accent2">
+                <a:lumMod val="20000"/>
+                <a:lumOff val="80000"/>
+              </a:schemeClr>
+            </a:solidFill>
+          </p:spPr>
+          <p:style>
+            <a:lnRef idx="2">
+              <a:schemeClr val="accent1">
+                <a:shade val="50000"/>
+              </a:schemeClr>
+            </a:lnRef>
+            <a:fillRef idx="1">
+              <a:schemeClr val="accent1"/>
+            </a:fillRef>
+            <a:effectRef idx="0">
+              <a:schemeClr val="accent1"/>
+            </a:effectRef>
+            <a:fontRef idx="minor">
+              <a:schemeClr val="lt1"/>
+            </a:fontRef>
+          </p:style>
+          <p:txBody>
+            <a:bodyPr rtlCol="0" anchor="ctr"/>
+            <a:lstStyle/>
+            <a:p>
+              <a:pPr algn="ctr"/>
+              <a:endParaRPr lang="en-US" sz="1200">
+                <a:solidFill>
+                  <a:schemeClr val="accent2">
+                    <a:lumMod val="20000"/>
+                    <a:lumOff val="80000"/>
+                  </a:schemeClr>
+                </a:solidFill>
+              </a:endParaRPr>
+            </a:p>
+          </p:txBody>
+        </p:sp>
+        <p:sp>
+          <p:nvSpPr>
+            <p:cNvPr id="6" name="Rectangle 5"/>
+            <p:cNvSpPr/>
+            <p:nvPr/>
+          </p:nvSpPr>
+          <p:spPr>
+            <a:xfrm>
+              <a:off x="1524000" y="3000636"/>
+              <a:ext cx="1757278" cy="900113"/>
+            </a:xfrm>
+            <a:prstGeom prst="rect">
+              <a:avLst/>
+            </a:prstGeom>
+          </p:spPr>
+          <p:style>
+            <a:lnRef idx="2">
+              <a:schemeClr val="accent1">
+                <a:shade val="50000"/>
+              </a:schemeClr>
+            </a:lnRef>
+            <a:fillRef idx="1">
+              <a:schemeClr val="accent1"/>
+            </a:fillRef>
+            <a:effectRef idx="0">
+              <a:schemeClr val="accent1"/>
+            </a:effectRef>
+            <a:fontRef idx="minor">
+              <a:schemeClr val="lt1"/>
+            </a:fontRef>
+          </p:style>
+          <p:txBody>
+            <a:bodyPr rtlCol="0" anchor="ctr"/>
+            <a:lstStyle/>
+            <a:p>
+              <a:pPr algn="ctr"/>
+              <a:r>
+                <a:rPr lang="en-US" sz="1600" dirty="0"/>
+                <a:t>Your App </a:t>
+              </a:r>
+            </a:p>
+          </p:txBody>
+        </p:sp>
+        <p:sp>
+          <p:nvSpPr>
+            <p:cNvPr id="9" name="Rectangle 8"/>
+            <p:cNvSpPr/>
+            <p:nvPr/>
+          </p:nvSpPr>
+          <p:spPr>
+            <a:xfrm>
+              <a:off x="5029200" y="3000635"/>
+              <a:ext cx="1631758" cy="900113"/>
+            </a:xfrm>
+            <a:prstGeom prst="rect">
+              <a:avLst/>
+            </a:prstGeom>
+          </p:spPr>
+          <p:style>
+            <a:lnRef idx="2">
+              <a:schemeClr val="accent1">
+                <a:shade val="50000"/>
+              </a:schemeClr>
+            </a:lnRef>
+            <a:fillRef idx="1">
+              <a:schemeClr val="accent1"/>
+            </a:fillRef>
+            <a:effectRef idx="0">
+              <a:schemeClr val="accent1"/>
+            </a:effectRef>
+            <a:fontRef idx="minor">
+              <a:schemeClr val="lt1"/>
+            </a:fontRef>
+          </p:style>
+          <p:txBody>
+            <a:bodyPr rtlCol="0" anchor="ctr"/>
+            <a:lstStyle/>
+            <a:p>
+              <a:pPr algn="ctr"/>
+              <a:r>
+                <a:rPr lang="en-US" sz="1600" dirty="0"/>
+                <a:t>Power BI Service</a:t>
+              </a:r>
+            </a:p>
+          </p:txBody>
+        </p:sp>
+        <p:cxnSp>
+          <p:nvCxnSpPr>
+            <p:cNvPr id="11" name="Straight Arrow Connector 10"/>
+            <p:cNvCxnSpPr>
+              <a:stCxn id="6" idx="3"/>
+            </p:cNvCxnSpPr>
+            <p:nvPr/>
+          </p:nvCxnSpPr>
+          <p:spPr>
+            <a:xfrm flipV="1">
+              <a:off x="3281278" y="3450692"/>
+              <a:ext cx="1671722" cy="1"/>
+            </a:xfrm>
+            <a:prstGeom prst="straightConnector1">
+              <a:avLst/>
+            </a:prstGeom>
+            <a:ln w="38100">
+              <a:tailEnd type="triangle"/>
+            </a:ln>
+          </p:spPr>
+          <p:style>
+            <a:lnRef idx="1">
+              <a:schemeClr val="accent1"/>
+            </a:lnRef>
+            <a:fillRef idx="0">
+              <a:schemeClr val="accent1"/>
+            </a:fillRef>
+            <a:effectRef idx="0">
+              <a:schemeClr val="accent1"/>
+            </a:effectRef>
+            <a:fontRef idx="minor">
+              <a:schemeClr val="tx1"/>
+            </a:fontRef>
+          </p:style>
+        </p:cxnSp>
+      </p:grpSp>
+    </p:spTree>
+    <p:extLst>
+      <p:ext uri="{BB962C8B-B14F-4D97-AF65-F5344CB8AC3E}">
+        <p14:creationId xmlns:p14="http://schemas.microsoft.com/office/powerpoint/2010/main" val="239562906"/>
+      </p:ext>
+    </p:extLst>
+  </p:cSld>
+  <p:clrMapOvr>
+    <a:masterClrMapping/>
+  </p:clrMapOvr>
+  <p:timing>
+    <p:tnLst>
+      <p:par>
+        <p:cTn id="1" dur="indefinite" restart="never" nodeType="tmRoot">
+          <p:childTnLst>
+            <p:seq concurrent="1" nextAc="seek">
+              <p:cTn id="2" dur="indefinite" nodeType="mainSeq">
+                <p:childTnLst>
+                  <p:par>
+                    <p:cTn id="3" fill="hold">
+                      <p:stCondLst>
+                        <p:cond delay="indefinite"/>
+                      </p:stCondLst>
+                      <p:childTnLst>
+                        <p:par>
+                          <p:cTn id="4" fill="hold">
+                            <p:stCondLst>
+                              <p:cond delay="0"/>
+                            </p:stCondLst>
+                            <p:childTnLst>
+                              <p:par>
+                                <p:cTn id="5" presetID="1" presetClass="entr" presetSubtype="0" fill="hold" nodeType="clickEffect">
+                                  <p:stCondLst>
+                                    <p:cond delay="0"/>
+                                  </p:stCondLst>
+                                  <p:childTnLst>
+                                    <p:set>
+                                      <p:cBhvr>
+                                        <p:cTn id="6" dur="1" fill="hold">
+                                          <p:stCondLst>
+                                            <p:cond delay="0"/>
+                                          </p:stCondLst>
+                                        </p:cTn>
+                                        <p:tgtEl>
+                                          <p:spTgt spid="3">
+                                            <p:txEl>
+                                              <p:pRg st="1" end="1"/>
+                                            </p:txEl>
+                                          </p:spTgt>
+                                        </p:tgtEl>
+                                        <p:attrNameLst>
+                                          <p:attrName>style.visibility</p:attrName>
+                                        </p:attrNameLst>
+                                      </p:cBhvr>
+                                      <p:to>
+                                        <p:strVal val="visible"/>
+                                      </p:to>
+                                    </p:set>
+                                  </p:childTnLst>
+                                </p:cTn>
+                              </p:par>
+                            </p:childTnLst>
+                          </p:cTn>
+                        </p:par>
+                      </p:childTnLst>
+                    </p:cTn>
+                  </p:par>
+                  <p:par>
+                    <p:cTn id="7" fill="hold">
+                      <p:stCondLst>
+                        <p:cond delay="indefinite"/>
+                      </p:stCondLst>
+                      <p:childTnLst>
+                        <p:par>
+                          <p:cTn id="8" fill="hold">
+                            <p:stCondLst>
+                              <p:cond delay="0"/>
+                            </p:stCondLst>
+                            <p:childTnLst>
+                              <p:par>
+                                <p:cTn id="9" presetID="1" presetClass="entr" presetSubtype="0" fill="hold" nodeType="clickEffect">
+                                  <p:stCondLst>
+                                    <p:cond delay="0"/>
+                                  </p:stCondLst>
+                                  <p:childTnLst>
+                                    <p:set>
+                                      <p:cBhvr>
+                                        <p:cTn id="10" dur="1" fill="hold">
+                                          <p:stCondLst>
+                                            <p:cond delay="0"/>
+                                          </p:stCondLst>
+                                        </p:cTn>
+                                        <p:tgtEl>
+                                          <p:spTgt spid="3">
+                                            <p:txEl>
+                                              <p:pRg st="2" end="2"/>
+                                            </p:txEl>
+                                          </p:spTgt>
+                                        </p:tgtEl>
+                                        <p:attrNameLst>
+                                          <p:attrName>style.visibility</p:attrName>
+                                        </p:attrNameLst>
+                                      </p:cBhvr>
+                                      <p:to>
+                                        <p:strVal val="visible"/>
+                                      </p:to>
+                                    </p:set>
+                                  </p:childTnLst>
+                                </p:cTn>
+                              </p:par>
+                            </p:childTnLst>
+                          </p:cTn>
+                        </p:par>
+                      </p:childTnLst>
+                    </p:cTn>
+                  </p:par>
+                  <p:par>
+                    <p:cTn id="11" fill="hold">
+                      <p:stCondLst>
+                        <p:cond delay="indefinite"/>
+                      </p:stCondLst>
+                      <p:childTnLst>
+                        <p:par>
+                          <p:cTn id="12" fill="hold">
+                            <p:stCondLst>
+                              <p:cond delay="0"/>
+                            </p:stCondLst>
+                            <p:childTnLst>
+                              <p:par>
+                                <p:cTn id="13" presetID="1" presetClass="entr" presetSubtype="0" fill="hold" nodeType="clickEffect">
+                                  <p:stCondLst>
+                                    <p:cond delay="0"/>
+                                  </p:stCondLst>
+                                  <p:childTnLst>
+                                    <p:set>
+                                      <p:cBhvr>
+                                        <p:cTn id="14" dur="1" fill="hold">
+                                          <p:stCondLst>
+                                            <p:cond delay="0"/>
+                                          </p:stCondLst>
+                                        </p:cTn>
+                                        <p:tgtEl>
+                                          <p:spTgt spid="3">
+                                            <p:txEl>
+                                              <p:pRg st="7" end="7"/>
+                                            </p:txEl>
+                                          </p:spTgt>
+                                        </p:tgtEl>
+                                        <p:attrNameLst>
+                                          <p:attrName>style.visibility</p:attrName>
+                                        </p:attrNameLst>
+                                      </p:cBhvr>
+                                      <p:to>
+                                        <p:strVal val="visible"/>
+                                      </p:to>
+                                    </p:set>
+                                  </p:childTnLst>
+                                </p:cTn>
+                              </p:par>
+                            </p:childTnLst>
+                          </p:cTn>
+                        </p:par>
+                      </p:childTnLst>
+                    </p:cTn>
+                  </p:par>
+                  <p:par>
+                    <p:cTn id="15" fill="hold">
+                      <p:stCondLst>
+                        <p:cond delay="indefinite"/>
+                      </p:stCondLst>
+                      <p:childTnLst>
+                        <p:par>
+                          <p:cTn id="16" fill="hold">
+                            <p:stCondLst>
+                              <p:cond delay="0"/>
+                            </p:stCondLst>
+                            <p:childTnLst>
+                              <p:par>
+                                <p:cTn id="17" presetID="1" presetClass="entr" presetSubtype="0" fill="hold" nodeType="clickEffect">
+                                  <p:stCondLst>
+                                    <p:cond delay="0"/>
+                                  </p:stCondLst>
+                                  <p:childTnLst>
+                                    <p:set>
+                                      <p:cBhvr>
+                                        <p:cTn id="18" dur="1" fill="hold">
+                                          <p:stCondLst>
+                                            <p:cond delay="0"/>
+                                          </p:stCondLst>
+                                        </p:cTn>
+                                        <p:tgtEl>
+                                          <p:spTgt spid="3">
+                                            <p:txEl>
+                                              <p:pRg st="8" end="8"/>
+                                            </p:txEl>
+                                          </p:spTgt>
+                                        </p:tgtEl>
+                                        <p:attrNameLst>
+                                          <p:attrName>style.visibility</p:attrName>
+                                        </p:attrNameLst>
+                                      </p:cBhvr>
+                                      <p:to>
+                                        <p:strVal val="visible"/>
+                                      </p:to>
+                                    </p:set>
+                                  </p:childTnLst>
+                                </p:cTn>
+                              </p:par>
+                            </p:childTnLst>
+                          </p:cTn>
+                        </p:par>
+                      </p:childTnLst>
+                    </p:cTn>
+                  </p:par>
+                  <p:par>
+                    <p:cTn id="19" fill="hold">
+                      <p:stCondLst>
+                        <p:cond delay="indefinite"/>
+                      </p:stCondLst>
+                      <p:childTnLst>
+                        <p:par>
+                          <p:cTn id="20" fill="hold">
+                            <p:stCondLst>
+                              <p:cond delay="0"/>
+                            </p:stCondLst>
+                            <p:childTnLst>
+                              <p:par>
+                                <p:cTn id="21" presetID="1" presetClass="entr" presetSubtype="0" fill="hold" nodeType="clickEffect">
+                                  <p:stCondLst>
+                                    <p:cond delay="0"/>
+                                  </p:stCondLst>
+                                  <p:childTnLst>
+                                    <p:set>
+                                      <p:cBhvr>
+                                        <p:cTn id="22" dur="1" fill="hold">
+                                          <p:stCondLst>
+                                            <p:cond delay="0"/>
+                                          </p:stCondLst>
+                                        </p:cTn>
+                                        <p:tgtEl>
+                                          <p:spTgt spid="3">
+                                            <p:txEl>
+                                              <p:pRg st="9" end="9"/>
+                                            </p:txEl>
+                                          </p:spTgt>
+                                        </p:tgtEl>
+                                        <p:attrNameLst>
+                                          <p:attrName>style.visibility</p:attrName>
+                                        </p:attrNameLst>
+                                      </p:cBhvr>
+                                      <p:to>
+                                        <p:strVal val="visible"/>
+                                      </p:to>
+                                    </p:set>
+                                  </p:childTnLst>
+                                </p:cTn>
+                              </p:par>
+                            </p:childTnLst>
+                          </p:cTn>
+                        </p:par>
+                      </p:childTnLst>
+                    </p:cTn>
+                  </p:par>
+                  <p:par>
+                    <p:cTn id="23" fill="hold">
+                      <p:stCondLst>
+                        <p:cond delay="indefinite"/>
+                      </p:stCondLst>
+                      <p:childTnLst>
+                        <p:par>
+                          <p:cTn id="24" fill="hold">
+                            <p:stCondLst>
+                              <p:cond delay="0"/>
+                            </p:stCondLst>
+                            <p:childTnLst>
+                              <p:par>
+                                <p:cTn id="25" presetID="1" presetClass="entr" presetSubtype="0" fill="hold" nodeType="clickEffect">
+                                  <p:stCondLst>
+                                    <p:cond delay="0"/>
+                                  </p:stCondLst>
+                                  <p:childTnLst>
+                                    <p:set>
+                                      <p:cBhvr>
+                                        <p:cTn id="26" dur="1" fill="hold">
+                                          <p:stCondLst>
+                                            <p:cond delay="0"/>
+                                          </p:stCondLst>
+                                        </p:cTn>
+                                        <p:tgtEl>
+                                          <p:spTgt spid="3">
+                                            <p:txEl>
+                                              <p:pRg st="10" end="10"/>
+                                            </p:txEl>
+                                          </p:spTgt>
+                                        </p:tgtEl>
+                                        <p:attrNameLst>
+                                          <p:attrName>style.visibility</p:attrName>
+                                        </p:attrNameLst>
+                                      </p:cBhvr>
+                                      <p:to>
+                                        <p:strVal val="visible"/>
+                                      </p:to>
+                                    </p:set>
+                                  </p:childTnLst>
+                                </p:cTn>
+                              </p:par>
+                            </p:childTnLst>
+                          </p:cTn>
+                        </p:par>
+                      </p:childTnLst>
+                    </p:cTn>
+                  </p:par>
+                  <p:par>
+                    <p:cTn id="27" fill="hold">
+                      <p:stCondLst>
+                        <p:cond delay="indefinite"/>
+                      </p:stCondLst>
+                      <p:childTnLst>
+                        <p:par>
+                          <p:cTn id="28" fill="hold">
+                            <p:stCondLst>
+                              <p:cond delay="0"/>
+                            </p:stCondLst>
+                            <p:childTnLst>
+                              <p:par>
+                                <p:cTn id="29" presetID="1" presetClass="entr" presetSubtype="0" fill="hold" nodeType="clickEffect">
+                                  <p:stCondLst>
+                                    <p:cond delay="0"/>
+                                  </p:stCondLst>
+                                  <p:childTnLst>
+                                    <p:set>
+                                      <p:cBhvr>
+                                        <p:cTn id="30" dur="1" fill="hold">
+                                          <p:stCondLst>
+                                            <p:cond delay="0"/>
+                                          </p:stCondLst>
+                                        </p:cTn>
+                                        <p:tgtEl>
+                                          <p:spTgt spid="3">
+                                            <p:txEl>
+                                              <p:pRg st="11" end="11"/>
+                                            </p:txEl>
+                                          </p:spTgt>
+                                        </p:tgtEl>
+                                        <p:attrNameLst>
+                                          <p:attrName>style.visibility</p:attrName>
+                                        </p:attrNameLst>
+                                      </p:cBhvr>
+                                      <p:to>
+                                        <p:strVal val="visible"/>
+                                      </p:to>
+                                    </p:set>
+                                  </p:childTnLst>
+                                </p:cTn>
+                              </p:par>
+                            </p:childTnLst>
+                          </p:cTn>
+                        </p:par>
+                      </p:childTnLst>
+                    </p:cTn>
+                  </p:par>
+                  <p:par>
+                    <p:cTn id="31" fill="hold">
+                      <p:stCondLst>
+                        <p:cond delay="indefinite"/>
+                      </p:stCondLst>
+                      <p:childTnLst>
+                        <p:par>
+                          <p:cTn id="32" fill="hold">
+                            <p:stCondLst>
+                              <p:cond delay="0"/>
+                            </p:stCondLst>
+                            <p:childTnLst>
+                              <p:par>
+                                <p:cTn id="33" presetID="1" presetClass="entr" presetSubtype="0" fill="hold" nodeType="clickEffect">
+                                  <p:stCondLst>
+                                    <p:cond delay="0"/>
+                                  </p:stCondLst>
+                                  <p:childTnLst>
+                                    <p:set>
+                                      <p:cBhvr>
+                                        <p:cTn id="34" dur="1" fill="hold">
+                                          <p:stCondLst>
+                                            <p:cond delay="0"/>
+                                          </p:stCondLst>
+                                        </p:cTn>
+                                        <p:tgtEl>
+                                          <p:spTgt spid="3">
+                                            <p:txEl>
+                                              <p:pRg st="12" end="12"/>
+                                            </p:txEl>
+                                          </p:spTgt>
+                                        </p:tgtEl>
+                                        <p:attrNameLst>
+                                          <p:attrName>style.visibility</p:attrName>
+                                        </p:attrNameLst>
+                                      </p:cBhvr>
+                                      <p:to>
+                                        <p:strVal val="visible"/>
+                                      </p:to>
+                                    </p:set>
+                                  </p:childTnLst>
+                                </p:cTn>
+                              </p:par>
+                            </p:childTnLst>
+                          </p:cTn>
+                        </p:par>
+                      </p:childTnLst>
+                    </p:cTn>
+                  </p:par>
+                </p:childTnLst>
+              </p:cTn>
+              <p:prevCondLst>
+                <p:cond evt="onPrev" delay="0">
+                  <p:tgtEl>
+                    <p:sldTgt/>
+                  </p:tgtEl>
+                </p:cond>
+              </p:prevCondLst>
+              <p:nextCondLst>
+                <p:cond evt="onNext" delay="0">
+                  <p:tgtEl>
+                    <p:sldTgt/>
+                  </p:tgtEl>
+                </p:cond>
+              </p:nextCondLst>
+            </p:seq>
+          </p:childTnLst>
+        </p:cTn>
+      </p:par>
+    </p:tnLst>
+  </p:timing>
+</p:sld>
+</file>
+
+<file path=ppt/slides/slide50.xml><?xml version="1.0" encoding="utf-8"?>
 <p:sld xmlns:a="http://schemas.openxmlformats.org/drawingml/2006/main" xmlns:r="http://schemas.openxmlformats.org/officeDocument/2006/relationships" xmlns:p="http://schemas.openxmlformats.org/presentationml/2006/main">
   <p:cSld>
     <p:spTree>
@@ -15478,7 +14541,7 @@
           <a:p>
             <a:r>
               <a:rPr lang="en-US" dirty="0"/>
-              <a:t>Loading an Embedded Report</a:t>
+              <a:t>Embedded Report Options</a:t>
             </a:r>
           </a:p>
         </p:txBody>
@@ -16253,7 +15316,7 @@
 </p:sld>
 </file>
 
-<file path=ppt/slides/slide53.xml><?xml version="1.0" encoding="utf-8"?>
+<file path=ppt/slides/slide51.xml><?xml version="1.0" encoding="utf-8"?>
 <p:sld xmlns:a="http://schemas.openxmlformats.org/drawingml/2006/main" xmlns:r="http://schemas.openxmlformats.org/officeDocument/2006/relationships" xmlns:p="http://schemas.openxmlformats.org/presentationml/2006/main">
   <p:cSld>
     <p:spTree>
@@ -16305,7 +15368,7 @@
 </p:sld>
 </file>
 
-<file path=ppt/slides/slide54.xml><?xml version="1.0" encoding="utf-8"?>
+<file path=ppt/slides/slide52.xml><?xml version="1.0" encoding="utf-8"?>
 <p:sld xmlns:a="http://schemas.openxmlformats.org/drawingml/2006/main" xmlns:r="http://schemas.openxmlformats.org/officeDocument/2006/relationships" xmlns:p="http://schemas.openxmlformats.org/presentationml/2006/main">
   <p:cSld>
     <p:spTree>
@@ -16375,7 +15438,7 @@
             </a:pPr>
             <a:r>
               <a:rPr lang="en-US" dirty="0"/>
-              <a:t>App Workspaces and Premium Capacities</a:t>
+              <a:t>App Workspaces and Dedicated Capacities</a:t>
             </a:r>
           </a:p>
           <a:p>
@@ -16433,7 +15496,7 @@
 </p:sld>
 </file>
 
-<file path=ppt/slides/slide55.xml><?xml version="1.0" encoding="utf-8"?>
+<file path=ppt/slides/slide53.xml><?xml version="1.0" encoding="utf-8"?>
 <p:sld xmlns:a="http://schemas.openxmlformats.org/drawingml/2006/main" xmlns:r="http://schemas.openxmlformats.org/officeDocument/2006/relationships" xmlns:p="http://schemas.openxmlformats.org/presentationml/2006/main">
   <p:cSld>
     <p:spTree>
@@ -17229,10 +16292,21 @@
           <a:lstStyle/>
           <a:p>
             <a:r>
-              <a:rPr lang="en-US"/>
-              <a:t>Reflecting on Power BI Embedded V1?</a:t>
-            </a:r>
-            <a:endParaRPr lang="en-US" dirty="0"/>
+              <a:rPr lang="en-US" dirty="0"/>
+              <a:t>What </a:t>
+            </a:r>
+            <a:r>
+              <a:rPr lang="en-US" strike="sngStrike" dirty="0">
+                <a:solidFill>
+                  <a:srgbClr val="FF0000"/>
+                </a:solidFill>
+              </a:rPr>
+              <a:t>is</a:t>
+            </a:r>
+            <a:r>
+              <a:rPr lang="en-US" dirty="0"/>
+              <a:t> was Power BI Embedded V1?</a:t>
+            </a:r>
           </a:p>
         </p:txBody>
       </p:sp>
@@ -17246,89 +16320,103 @@
             <p:ph idx="1"/>
           </p:nvPr>
         </p:nvSpPr>
-        <p:spPr/>
+        <p:spPr>
+          <a:xfrm>
+            <a:off x="381000" y="1447800"/>
+            <a:ext cx="8534400" cy="5181600"/>
+          </a:xfrm>
+        </p:spPr>
         <p:txBody>
-          <a:bodyPr/>
+          <a:bodyPr>
+            <a:normAutofit/>
+          </a:bodyPr>
           <a:lstStyle/>
           <a:p>
             <a:r>
-              <a:rPr lang="en-US" dirty="0"/>
-              <a:t>Good Points about Power BI Embedded V1</a:t>
+              <a:rPr lang="en-US" sz="2400" dirty="0"/>
+              <a:t>Power BI Embedded V1 is an Azure Service</a:t>
             </a:r>
           </a:p>
           <a:p>
             <a:pPr lvl="1"/>
             <a:r>
-              <a:rPr lang="en-US" dirty="0"/>
-              <a:t>It eliminates need for Power BI license for each user</a:t>
+              <a:rPr lang="en-US" sz="2000" dirty="0"/>
+              <a:t>PBI Embedded service that was provisioned on-demand</a:t>
             </a:r>
           </a:p>
           <a:p>
             <a:pPr lvl="1"/>
             <a:r>
-              <a:rPr lang="en-US" dirty="0"/>
-              <a:t>It decouples user security from app security</a:t>
+              <a:rPr lang="en-US" sz="2000" dirty="0"/>
+              <a:t>Service provisioned in terms of workspace collections</a:t>
             </a:r>
           </a:p>
           <a:p>
             <a:pPr lvl="1"/>
             <a:r>
-              <a:rPr lang="en-US" dirty="0"/>
-              <a:t>It opens up PBI platform to commercial applications</a:t>
-            </a:r>
-          </a:p>
-          <a:p>
-            <a:pPr>
-              <a:lnSpc>
-                <a:spcPct val="150000"/>
-              </a:lnSpc>
-            </a:pPr>
-            <a:r>
-              <a:rPr lang="en-US" dirty="0"/>
-              <a:t>Pain Points with Power BI Embedded V1</a:t>
+              <a:rPr lang="en-US" sz="2000" dirty="0"/>
+              <a:t>Pricing model based on number of report sessions</a:t>
             </a:r>
           </a:p>
           <a:p>
             <a:pPr lvl="1"/>
             <a:r>
-              <a:rPr lang="en-US" dirty="0"/>
-              <a:t>Requires developers to have Azure subscriptions</a:t>
-            </a:r>
-          </a:p>
-          <a:p>
-            <a:pPr lvl="1"/>
-            <a:r>
-              <a:rPr lang="en-US" dirty="0"/>
-              <a:t>No out-of-box UX to upload and manage PBIX files</a:t>
-            </a:r>
-          </a:p>
-          <a:p>
-            <a:pPr lvl="1"/>
-            <a:r>
-              <a:rPr lang="en-US" dirty="0"/>
-              <a:t>It uses separate APIs from Power BI Service API</a:t>
-            </a:r>
-          </a:p>
-          <a:p>
-            <a:pPr lvl="1"/>
-            <a:r>
-              <a:rPr lang="en-US" dirty="0"/>
-              <a:t>Cannot estimate costs with per-session pricing model</a:t>
-            </a:r>
-          </a:p>
-          <a:p>
-            <a:pPr lvl="1"/>
-            <a:r>
-              <a:rPr lang="en-US" dirty="0"/>
-              <a:t>It’s deprecated and not available to new customers</a:t>
+              <a:rPr lang="en-US" sz="2000" dirty="0"/>
+              <a:t>Power BI Embedded was Sunset-</a:t>
+            </a:r>
+            <a:r>
+              <a:rPr lang="en-US" sz="2000" dirty="0" err="1"/>
+              <a:t>ed</a:t>
+            </a:r>
+            <a:r>
+              <a:rPr lang="en-US" sz="2000" dirty="0"/>
+              <a:t> Beginning in May 2017</a:t>
             </a:r>
           </a:p>
         </p:txBody>
       </p:sp>
+      <p:pic>
+        <p:nvPicPr>
+          <p:cNvPr id="4" name="Picture 3"/>
+          <p:cNvPicPr>
+            <a:picLocks noChangeAspect="1"/>
+          </p:cNvPicPr>
+          <p:nvPr/>
+        </p:nvPicPr>
+        <p:blipFill>
+          <a:blip r:embed="rId2"/>
+          <a:stretch>
+            <a:fillRect/>
+          </a:stretch>
+        </p:blipFill>
+        <p:spPr>
+          <a:xfrm>
+            <a:off x="1143000" y="3581400"/>
+            <a:ext cx="5704186" cy="3048000"/>
+          </a:xfrm>
+          <a:prstGeom prst="rect">
+            <a:avLst/>
+          </a:prstGeom>
+          <a:solidFill>
+            <a:schemeClr val="tx1">
+              <a:lumMod val="50000"/>
+              <a:lumOff val="50000"/>
+            </a:schemeClr>
+          </a:solidFill>
+          <a:ln>
+            <a:solidFill>
+              <a:schemeClr val="tx1">
+                <a:lumMod val="50000"/>
+                <a:lumOff val="50000"/>
+              </a:schemeClr>
+            </a:solidFill>
+          </a:ln>
+        </p:spPr>
+      </p:pic>
     </p:spTree>
     <p:extLst>
       <p:ext uri="{BB962C8B-B14F-4D97-AF65-F5344CB8AC3E}">
-        <p14:creationId xmlns:p14="http://schemas.microsoft.com/office/powerpoint/2010/main" val="1509101721"/>
+        <p14:creationId xmlns:p14="http://schemas.microsoft.com/office/powerpoint/2010/main" val="768435135"/>
       </p:ext>
     </p:extLst>
   </p:cSld>
@@ -17539,251 +16627,6 @@
                       </p:childTnLst>
                     </p:cTn>
                   </p:par>
-                  <p:par>
-                    <p:cTn id="19" fill="hold">
-                      <p:stCondLst>
-                        <p:cond delay="indefinite"/>
-                      </p:stCondLst>
-                      <p:childTnLst>
-                        <p:par>
-                          <p:cTn id="20" fill="hold">
-                            <p:stCondLst>
-                              <p:cond delay="0"/>
-                            </p:stCondLst>
-                            <p:childTnLst>
-                              <p:par>
-                                <p:cTn id="21" presetID="1" presetClass="entr" presetSubtype="0" fill="hold" nodeType="clickEffect">
-                                  <p:stCondLst>
-                                    <p:cond delay="0"/>
-                                  </p:stCondLst>
-                                  <p:childTnLst>
-                                    <p:set>
-                                      <p:cBhvr>
-                                        <p:cTn id="22" dur="1" fill="hold">
-                                          <p:stCondLst>
-                                            <p:cond delay="0"/>
-                                          </p:stCondLst>
-                                        </p:cTn>
-                                        <p:tgtEl>
-                                          <p:spTgt spid="3">
-                                            <p:txEl>
-                                              <p:pRg st="5" end="5"/>
-                                            </p:txEl>
-                                          </p:spTgt>
-                                        </p:tgtEl>
-                                        <p:attrNameLst>
-                                          <p:attrName>style.visibility</p:attrName>
-                                        </p:attrNameLst>
-                                      </p:cBhvr>
-                                      <p:to>
-                                        <p:strVal val="visible"/>
-                                      </p:to>
-                                    </p:set>
-                                  </p:childTnLst>
-                                </p:cTn>
-                              </p:par>
-                            </p:childTnLst>
-                          </p:cTn>
-                        </p:par>
-                      </p:childTnLst>
-                    </p:cTn>
-                  </p:par>
-                  <p:par>
-                    <p:cTn id="23" fill="hold">
-                      <p:stCondLst>
-                        <p:cond delay="indefinite"/>
-                      </p:stCondLst>
-                      <p:childTnLst>
-                        <p:par>
-                          <p:cTn id="24" fill="hold">
-                            <p:stCondLst>
-                              <p:cond delay="0"/>
-                            </p:stCondLst>
-                            <p:childTnLst>
-                              <p:par>
-                                <p:cTn id="25" presetID="1" presetClass="entr" presetSubtype="0" fill="hold" nodeType="clickEffect">
-                                  <p:stCondLst>
-                                    <p:cond delay="0"/>
-                                  </p:stCondLst>
-                                  <p:childTnLst>
-                                    <p:set>
-                                      <p:cBhvr>
-                                        <p:cTn id="26" dur="1" fill="hold">
-                                          <p:stCondLst>
-                                            <p:cond delay="0"/>
-                                          </p:stCondLst>
-                                        </p:cTn>
-                                        <p:tgtEl>
-                                          <p:spTgt spid="3">
-                                            <p:txEl>
-                                              <p:pRg st="6" end="6"/>
-                                            </p:txEl>
-                                          </p:spTgt>
-                                        </p:tgtEl>
-                                        <p:attrNameLst>
-                                          <p:attrName>style.visibility</p:attrName>
-                                        </p:attrNameLst>
-                                      </p:cBhvr>
-                                      <p:to>
-                                        <p:strVal val="visible"/>
-                                      </p:to>
-                                    </p:set>
-                                  </p:childTnLst>
-                                </p:cTn>
-                              </p:par>
-                            </p:childTnLst>
-                          </p:cTn>
-                        </p:par>
-                      </p:childTnLst>
-                    </p:cTn>
-                  </p:par>
-                  <p:par>
-                    <p:cTn id="27" fill="hold">
-                      <p:stCondLst>
-                        <p:cond delay="indefinite"/>
-                      </p:stCondLst>
-                      <p:childTnLst>
-                        <p:par>
-                          <p:cTn id="28" fill="hold">
-                            <p:stCondLst>
-                              <p:cond delay="0"/>
-                            </p:stCondLst>
-                            <p:childTnLst>
-                              <p:par>
-                                <p:cTn id="29" presetID="1" presetClass="entr" presetSubtype="0" fill="hold" nodeType="clickEffect">
-                                  <p:stCondLst>
-                                    <p:cond delay="0"/>
-                                  </p:stCondLst>
-                                  <p:childTnLst>
-                                    <p:set>
-                                      <p:cBhvr>
-                                        <p:cTn id="30" dur="1" fill="hold">
-                                          <p:stCondLst>
-                                            <p:cond delay="0"/>
-                                          </p:stCondLst>
-                                        </p:cTn>
-                                        <p:tgtEl>
-                                          <p:spTgt spid="3">
-                                            <p:txEl>
-                                              <p:pRg st="7" end="7"/>
-                                            </p:txEl>
-                                          </p:spTgt>
-                                        </p:tgtEl>
-                                        <p:attrNameLst>
-                                          <p:attrName>style.visibility</p:attrName>
-                                        </p:attrNameLst>
-                                      </p:cBhvr>
-                                      <p:to>
-                                        <p:strVal val="visible"/>
-                                      </p:to>
-                                    </p:set>
-                                  </p:childTnLst>
-                                </p:cTn>
-                              </p:par>
-                            </p:childTnLst>
-                          </p:cTn>
-                        </p:par>
-                      </p:childTnLst>
-                    </p:cTn>
-                  </p:par>
-                  <p:par>
-                    <p:cTn id="31" fill="hold">
-                      <p:stCondLst>
-                        <p:cond delay="indefinite"/>
-                      </p:stCondLst>
-                      <p:childTnLst>
-                        <p:par>
-                          <p:cTn id="32" fill="hold">
-                            <p:stCondLst>
-                              <p:cond delay="0"/>
-                            </p:stCondLst>
-                            <p:childTnLst>
-                              <p:par>
-                                <p:cTn id="33" presetID="1" presetClass="entr" presetSubtype="0" fill="hold" nodeType="clickEffect">
-                                  <p:stCondLst>
-                                    <p:cond delay="0"/>
-                                  </p:stCondLst>
-                                  <p:childTnLst>
-                                    <p:set>
-                                      <p:cBhvr>
-                                        <p:cTn id="34" dur="1" fill="hold">
-                                          <p:stCondLst>
-                                            <p:cond delay="0"/>
-                                          </p:stCondLst>
-                                        </p:cTn>
-                                        <p:tgtEl>
-                                          <p:spTgt spid="3">
-                                            <p:txEl>
-                                              <p:pRg st="8" end="8"/>
-                                            </p:txEl>
-                                          </p:spTgt>
-                                        </p:tgtEl>
-                                        <p:attrNameLst>
-                                          <p:attrName>style.visibility</p:attrName>
-                                        </p:attrNameLst>
-                                      </p:cBhvr>
-                                      <p:to>
-                                        <p:strVal val="visible"/>
-                                      </p:to>
-                                    </p:set>
-                                  </p:childTnLst>
-                                </p:cTn>
-                              </p:par>
-                            </p:childTnLst>
-                          </p:cTn>
-                        </p:par>
-                      </p:childTnLst>
-                    </p:cTn>
-                  </p:par>
-                  <p:par>
-                    <p:cTn id="35" fill="hold">
-                      <p:stCondLst>
-                        <p:cond delay="indefinite"/>
-                      </p:stCondLst>
-                      <p:childTnLst>
-                        <p:par>
-                          <p:cTn id="36" fill="hold">
-                            <p:stCondLst>
-                              <p:cond delay="0"/>
-                            </p:stCondLst>
-                            <p:childTnLst>
-                              <p:par>
-                                <p:cTn id="37" presetID="1" presetClass="entr" presetSubtype="0" fill="hold" nodeType="clickEffect">
-                                  <p:stCondLst>
-                                    <p:cond delay="0"/>
-                                  </p:stCondLst>
-                                  <p:childTnLst>
-                                    <p:set>
-                                      <p:cBhvr>
-                                        <p:cTn id="38" dur="1" fill="hold">
-                                          <p:stCondLst>
-                                            <p:cond delay="0"/>
-                                          </p:stCondLst>
-                                        </p:cTn>
-                                        <p:tgtEl>
-                                          <p:spTgt spid="3">
-                                            <p:txEl>
-                                              <p:pRg st="9" end="9"/>
-                                            </p:txEl>
-                                          </p:spTgt>
-                                        </p:tgtEl>
-                                        <p:attrNameLst>
-                                          <p:attrName>style.visibility</p:attrName>
-                                        </p:attrNameLst>
-                                      </p:cBhvr>
-                                      <p:to>
-                                        <p:strVal val="visible"/>
-                                      </p:to>
-                                    </p:set>
-                                  </p:childTnLst>
-                                </p:cTn>
-                              </p:par>
-                            </p:childTnLst>
-                          </p:cTn>
-                        </p:par>
-                      </p:childTnLst>
-                    </p:cTn>
-                  </p:par>
                 </p:childTnLst>
               </p:cTn>
               <p:prevCondLst>
@@ -17859,12 +16702,7 @@
             <p:ph idx="1"/>
           </p:nvPr>
         </p:nvSpPr>
-        <p:spPr>
-          <a:xfrm>
-            <a:off x="381000" y="1295400"/>
-            <a:ext cx="8382000" cy="5181600"/>
-          </a:xfrm>
-        </p:spPr>
+        <p:spPr/>
         <p:txBody>
           <a:bodyPr>
             <a:normAutofit/>
@@ -17872,94 +16710,90 @@
           <a:lstStyle/>
           <a:p>
             <a:r>
-              <a:rPr lang="en-US" sz="2400" dirty="0"/>
+              <a:rPr lang="en-US" sz="2000" dirty="0"/>
               <a:t>Power BI Embedded V2 has same good points as V1</a:t>
             </a:r>
           </a:p>
           <a:p>
             <a:pPr lvl="1"/>
             <a:r>
+              <a:rPr lang="en-US" sz="1800" dirty="0"/>
+              <a:t>It eliminates need for Power BI license for each user</a:t>
+            </a:r>
+          </a:p>
+          <a:p>
+            <a:pPr lvl="1"/>
+            <a:r>
+              <a:rPr lang="en-US" sz="1800" dirty="0"/>
+              <a:t>It opens up PBI platform to commercial applications</a:t>
+            </a:r>
+          </a:p>
+          <a:p>
+            <a:r>
               <a:rPr lang="en-US" sz="2000" dirty="0"/>
-              <a:t>It eliminates need for Power BI license for each user</a:t>
+              <a:t>Power BI Embedded V2 significantly improves upon V1</a:t>
             </a:r>
           </a:p>
           <a:p>
             <a:pPr lvl="1"/>
             <a:r>
-              <a:rPr lang="en-US" sz="2000" dirty="0"/>
-              <a:t>It decouples user security from app security</a:t>
+              <a:rPr lang="en-US" sz="1800" dirty="0"/>
+              <a:t>Created as on-demand service using Azure subscription</a:t>
             </a:r>
           </a:p>
           <a:p>
             <a:pPr lvl="1"/>
             <a:r>
-              <a:rPr lang="en-US" sz="2000" dirty="0"/>
-              <a:t>It opens up PBI platform to commercial applications</a:t>
-            </a:r>
-          </a:p>
-          <a:p>
-            <a:pPr>
-              <a:lnSpc>
-                <a:spcPct val="150000"/>
-              </a:lnSpc>
-            </a:pPr>
-            <a:r>
-              <a:rPr lang="en-US" sz="2400" dirty="0"/>
-              <a:t>Power BI Embedded V2 significantly improves upon V1</a:t>
+              <a:rPr lang="en-US" sz="1800" dirty="0"/>
+              <a:t>Service can be scaled up, scaled down or stopped</a:t>
             </a:r>
           </a:p>
           <a:p>
             <a:pPr lvl="1"/>
             <a:r>
-              <a:rPr lang="en-US" sz="2000" dirty="0"/>
-              <a:t>Embedding features all available through Power BI Service API</a:t>
+              <a:rPr lang="en-US" sz="1800" dirty="0"/>
+              <a:t>Embedding features available through Power BI Service API</a:t>
             </a:r>
           </a:p>
           <a:p>
             <a:pPr lvl="1"/>
             <a:r>
-              <a:rPr lang="en-US" sz="2000" dirty="0"/>
+              <a:rPr lang="en-US" sz="1800" dirty="0"/>
               <a:t>Standard PBI UX used to upload and manage PBIX files</a:t>
             </a:r>
-          </a:p>
-          <a:p>
-            <a:pPr lvl="1"/>
-            <a:r>
-              <a:rPr lang="en-US" sz="2000" dirty="0"/>
-              <a:t>New pricing models allow for predictable costs per month</a:t>
-            </a:r>
-          </a:p>
-          <a:p>
-            <a:pPr lvl="1"/>
-            <a:r>
-              <a:rPr lang="en-US" sz="2000" dirty="0"/>
-              <a:t>No need to create, manage and monitor any Azure services</a:t>
-            </a:r>
-          </a:p>
-          <a:p>
-            <a:pPr>
-              <a:lnSpc>
-                <a:spcPct val="200000"/>
-              </a:lnSpc>
-            </a:pPr>
-            <a:r>
-              <a:rPr lang="en-US" sz="2400" dirty="0"/>
-              <a:t>The term “Power BI Embedded” is now ambiguous</a:t>
-            </a:r>
-          </a:p>
-          <a:p>
-            <a:pPr lvl="1"/>
-            <a:r>
-              <a:rPr lang="en-US" sz="2000" dirty="0"/>
-              <a:t>Better to refer to the “Embedding features in Power BI”</a:t>
-            </a:r>
-          </a:p>
-          <a:p>
-            <a:pPr lvl="1"/>
-            <a:endParaRPr lang="en-US" sz="2000" dirty="0"/>
           </a:p>
         </p:txBody>
       </p:sp>
+      <p:pic>
+        <p:nvPicPr>
+          <p:cNvPr id="4" name="Picture 3">
+            <a:extLst>
+              <a:ext uri="{FF2B5EF4-FFF2-40B4-BE49-F238E27FC236}">
+                <a16:creationId xmlns:a16="http://schemas.microsoft.com/office/drawing/2014/main" id="{2AE2B298-E154-4F2C-959C-9D418C89EA7D}"/>
+              </a:ext>
+            </a:extLst>
+          </p:cNvPr>
+          <p:cNvPicPr>
+            <a:picLocks noChangeAspect="1"/>
+          </p:cNvPicPr>
+          <p:nvPr/>
+        </p:nvPicPr>
+        <p:blipFill>
+          <a:blip r:embed="rId2"/>
+          <a:stretch>
+            <a:fillRect/>
+          </a:stretch>
+        </p:blipFill>
+        <p:spPr>
+          <a:xfrm>
+            <a:off x="1219200" y="4456956"/>
+            <a:ext cx="6477000" cy="2363230"/>
+          </a:xfrm>
+          <a:prstGeom prst="rect">
+            <a:avLst/>
+          </a:prstGeom>
+        </p:spPr>
+      </p:pic>
     </p:spTree>
     <p:extLst>
       <p:ext uri="{BB962C8B-B14F-4D97-AF65-F5344CB8AC3E}">
@@ -18321,153 +17155,6 @@
                       </p:childTnLst>
                     </p:cTn>
                   </p:par>
-                  <p:par>
-                    <p:cTn id="31" fill="hold">
-                      <p:stCondLst>
-                        <p:cond delay="indefinite"/>
-                      </p:stCondLst>
-                      <p:childTnLst>
-                        <p:par>
-                          <p:cTn id="32" fill="hold">
-                            <p:stCondLst>
-                              <p:cond delay="0"/>
-                            </p:stCondLst>
-                            <p:childTnLst>
-                              <p:par>
-                                <p:cTn id="33" presetID="1" presetClass="entr" presetSubtype="0" fill="hold" nodeType="clickEffect">
-                                  <p:stCondLst>
-                                    <p:cond delay="0"/>
-                                  </p:stCondLst>
-                                  <p:childTnLst>
-                                    <p:set>
-                                      <p:cBhvr>
-                                        <p:cTn id="34" dur="1" fill="hold">
-                                          <p:stCondLst>
-                                            <p:cond delay="0"/>
-                                          </p:stCondLst>
-                                        </p:cTn>
-                                        <p:tgtEl>
-                                          <p:spTgt spid="3">
-                                            <p:txEl>
-                                              <p:pRg st="8" end="8"/>
-                                            </p:txEl>
-                                          </p:spTgt>
-                                        </p:tgtEl>
-                                        <p:attrNameLst>
-                                          <p:attrName>style.visibility</p:attrName>
-                                        </p:attrNameLst>
-                                      </p:cBhvr>
-                                      <p:to>
-                                        <p:strVal val="visible"/>
-                                      </p:to>
-                                    </p:set>
-                                  </p:childTnLst>
-                                </p:cTn>
-                              </p:par>
-                            </p:childTnLst>
-                          </p:cTn>
-                        </p:par>
-                      </p:childTnLst>
-                    </p:cTn>
-                  </p:par>
-                  <p:par>
-                    <p:cTn id="35" fill="hold">
-                      <p:stCondLst>
-                        <p:cond delay="indefinite"/>
-                      </p:stCondLst>
-                      <p:childTnLst>
-                        <p:par>
-                          <p:cTn id="36" fill="hold">
-                            <p:stCondLst>
-                              <p:cond delay="0"/>
-                            </p:stCondLst>
-                            <p:childTnLst>
-                              <p:par>
-                                <p:cTn id="37" presetID="1" presetClass="entr" presetSubtype="0" fill="hold" nodeType="clickEffect">
-                                  <p:stCondLst>
-                                    <p:cond delay="0"/>
-                                  </p:stCondLst>
-                                  <p:childTnLst>
-                                    <p:set>
-                                      <p:cBhvr>
-                                        <p:cTn id="38" dur="1" fill="hold">
-                                          <p:stCondLst>
-                                            <p:cond delay="0"/>
-                                          </p:stCondLst>
-                                        </p:cTn>
-                                        <p:tgtEl>
-                                          <p:spTgt spid="3">
-                                            <p:txEl>
-                                              <p:pRg st="9" end="9"/>
-                                            </p:txEl>
-                                          </p:spTgt>
-                                        </p:tgtEl>
-                                        <p:attrNameLst>
-                                          <p:attrName>style.visibility</p:attrName>
-                                        </p:attrNameLst>
-                                      </p:cBhvr>
-                                      <p:to>
-                                        <p:strVal val="visible"/>
-                                      </p:to>
-                                    </p:set>
-                                  </p:childTnLst>
-                                </p:cTn>
-                              </p:par>
-                            </p:childTnLst>
-                          </p:cTn>
-                        </p:par>
-                      </p:childTnLst>
-                    </p:cTn>
-                  </p:par>
-                  <p:par>
-                    <p:cTn id="39" fill="hold">
-                      <p:stCondLst>
-                        <p:cond delay="indefinite"/>
-                      </p:stCondLst>
-                      <p:childTnLst>
-                        <p:par>
-                          <p:cTn id="40" fill="hold">
-                            <p:stCondLst>
-                              <p:cond delay="0"/>
-                            </p:stCondLst>
-                            <p:childTnLst>
-                              <p:par>
-                                <p:cTn id="41" presetID="1" presetClass="entr" presetSubtype="0" fill="hold" nodeType="clickEffect">
-                                  <p:stCondLst>
-                                    <p:cond delay="0"/>
-                                  </p:stCondLst>
-                                  <p:childTnLst>
-                                    <p:set>
-                                      <p:cBhvr>
-                                        <p:cTn id="42" dur="1" fill="hold">
-                                          <p:stCondLst>
-                                            <p:cond delay="0"/>
-                                          </p:stCondLst>
-                                        </p:cTn>
-                                        <p:tgtEl>
-                                          <p:spTgt spid="3">
-                                            <p:txEl>
-                                              <p:pRg st="10" end="10"/>
-                                            </p:txEl>
-                                          </p:spTgt>
-                                        </p:tgtEl>
-                                        <p:attrNameLst>
-                                          <p:attrName>style.visibility</p:attrName>
-                                        </p:attrNameLst>
-                                      </p:cBhvr>
-                                      <p:to>
-                                        <p:strVal val="visible"/>
-                                      </p:to>
-                                    </p:set>
-                                  </p:childTnLst>
-                                </p:cTn>
-                              </p:par>
-                            </p:childTnLst>
-                          </p:cTn>
-                        </p:par>
-                      </p:childTnLst>
-                    </p:cTn>
-                  </p:par>
                 </p:childTnLst>
               </p:cTn>
               <p:prevCondLst>
@@ -18494,784 +17181,6 @@
 </file>
 
 <file path=ppt/slides/slide8.xml><?xml version="1.0" encoding="utf-8"?>
-<p:sld xmlns:a="http://schemas.openxmlformats.org/drawingml/2006/main" xmlns:r="http://schemas.openxmlformats.org/officeDocument/2006/relationships" xmlns:p="http://schemas.openxmlformats.org/presentationml/2006/main">
-  <p:cSld>
-    <p:spTree>
-      <p:nvGrpSpPr>
-        <p:cNvPr id="1" name=""/>
-        <p:cNvGrpSpPr/>
-        <p:nvPr/>
-      </p:nvGrpSpPr>
-      <p:grpSpPr>
-        <a:xfrm>
-          <a:off x="0" y="0"/>
-          <a:ext cx="0" cy="0"/>
-          <a:chOff x="0" y="0"/>
-          <a:chExt cx="0" cy="0"/>
-        </a:xfrm>
-      </p:grpSpPr>
-      <p:sp>
-        <p:nvSpPr>
-          <p:cNvPr id="2" name="Title 1"/>
-          <p:cNvSpPr>
-            <a:spLocks noGrp="1"/>
-          </p:cNvSpPr>
-          <p:nvPr>
-            <p:ph type="title"/>
-          </p:nvPr>
-        </p:nvSpPr>
-        <p:spPr/>
-        <p:txBody>
-          <a:bodyPr/>
-          <a:lstStyle/>
-          <a:p>
-            <a:r>
-              <a:rPr lang="en-US" dirty="0"/>
-              <a:t>The Power BI Service API</a:t>
-            </a:r>
-          </a:p>
-        </p:txBody>
-      </p:sp>
-      <p:sp>
-        <p:nvSpPr>
-          <p:cNvPr id="3" name="Content Placeholder 2"/>
-          <p:cNvSpPr>
-            <a:spLocks noGrp="1"/>
-          </p:cNvSpPr>
-          <p:nvPr>
-            <p:ph idx="1"/>
-          </p:nvPr>
-        </p:nvSpPr>
-        <p:spPr/>
-        <p:txBody>
-          <a:bodyPr>
-            <a:normAutofit/>
-          </a:bodyPr>
-          <a:lstStyle/>
-          <a:p>
-            <a:r>
-              <a:rPr lang="en-US" sz="2400" dirty="0"/>
-              <a:t>The Power BI Service API goes by other names</a:t>
-            </a:r>
-          </a:p>
-          <a:p>
-            <a:pPr lvl="1"/>
-            <a:r>
-              <a:rPr lang="en-US" sz="2000" dirty="0"/>
-              <a:t>The Power BI REST API</a:t>
-            </a:r>
-          </a:p>
-          <a:p>
-            <a:pPr lvl="1"/>
-            <a:r>
-              <a:rPr lang="en-US" sz="2000" dirty="0"/>
-              <a:t>The Power BI API</a:t>
-            </a:r>
-          </a:p>
-          <a:p>
-            <a:pPr lvl="1"/>
-            <a:endParaRPr lang="en-US" sz="2000" dirty="0"/>
-          </a:p>
-          <a:p>
-            <a:pPr lvl="1"/>
-            <a:endParaRPr lang="en-US" sz="2000" dirty="0"/>
-          </a:p>
-          <a:p>
-            <a:pPr lvl="1"/>
-            <a:endParaRPr lang="en-US" sz="2000" dirty="0"/>
-          </a:p>
-          <a:p>
-            <a:pPr lvl="1"/>
-            <a:endParaRPr lang="en-US" sz="2000" dirty="0"/>
-          </a:p>
-          <a:p>
-            <a:r>
-              <a:rPr lang="en-US" sz="2400" dirty="0"/>
-              <a:t>Using the Power BI Service API</a:t>
-            </a:r>
-          </a:p>
-          <a:p>
-            <a:pPr lvl="1"/>
-            <a:r>
-              <a:rPr lang="en-US" sz="2000" dirty="0"/>
-              <a:t>Accessible by making direct REST calls against service</a:t>
-            </a:r>
-          </a:p>
-          <a:p>
-            <a:pPr lvl="1"/>
-            <a:r>
-              <a:rPr lang="en-US" sz="2000" dirty="0"/>
-              <a:t>Accessible by using Assembly DLL that abstracts away REST calls</a:t>
-            </a:r>
-          </a:p>
-          <a:p>
-            <a:pPr lvl="1"/>
-            <a:r>
-              <a:rPr lang="en-US" sz="2000" dirty="0"/>
-              <a:t>Assembly DLL is named </a:t>
-            </a:r>
-            <a:r>
-              <a:rPr lang="en-US" sz="2000" b="1" dirty="0"/>
-              <a:t>Microsoft.PowerBI.Api.dll</a:t>
-            </a:r>
-          </a:p>
-          <a:p>
-            <a:pPr lvl="1"/>
-            <a:r>
-              <a:rPr lang="en-US" sz="2000" dirty="0"/>
-              <a:t>Assembly DLL part of </a:t>
-            </a:r>
-            <a:r>
-              <a:rPr lang="en-US" sz="2000" dirty="0" err="1"/>
-              <a:t>NuGet</a:t>
-            </a:r>
-            <a:r>
-              <a:rPr lang="en-US" sz="2000" dirty="0"/>
-              <a:t> package (</a:t>
-            </a:r>
-            <a:r>
-              <a:rPr lang="en-US" sz="2000" b="1" dirty="0" err="1"/>
-              <a:t>Microsoft.PowerBI.Api</a:t>
-            </a:r>
-            <a:r>
-              <a:rPr lang="en-US" sz="2000" dirty="0"/>
-              <a:t>)</a:t>
-            </a:r>
-          </a:p>
-          <a:p>
-            <a:pPr lvl="1"/>
-            <a:r>
-              <a:rPr lang="en-US" sz="2000" dirty="0"/>
-              <a:t>Calling service requires authentication with Azure Active Directory</a:t>
-            </a:r>
-          </a:p>
-        </p:txBody>
-      </p:sp>
-      <p:grpSp>
-        <p:nvGrpSpPr>
-          <p:cNvPr id="15" name="Group 14"/>
-          <p:cNvGrpSpPr/>
-          <p:nvPr/>
-        </p:nvGrpSpPr>
-        <p:grpSpPr>
-          <a:xfrm>
-            <a:off x="1143000" y="2819400"/>
-            <a:ext cx="5715000" cy="1143000"/>
-            <a:chOff x="1219200" y="2743200"/>
-            <a:chExt cx="5715000" cy="1371600"/>
-          </a:xfrm>
-        </p:grpSpPr>
-        <p:sp>
-          <p:nvSpPr>
-            <p:cNvPr id="4" name="Rectangle 3"/>
-            <p:cNvSpPr/>
-            <p:nvPr/>
-          </p:nvSpPr>
-          <p:spPr>
-            <a:xfrm>
-              <a:off x="1219200" y="2743200"/>
-              <a:ext cx="5715000" cy="1371600"/>
-            </a:xfrm>
-            <a:prstGeom prst="rect">
-              <a:avLst/>
-            </a:prstGeom>
-            <a:solidFill>
-              <a:schemeClr val="accent2">
-                <a:lumMod val="20000"/>
-                <a:lumOff val="80000"/>
-              </a:schemeClr>
-            </a:solidFill>
-          </p:spPr>
-          <p:style>
-            <a:lnRef idx="2">
-              <a:schemeClr val="accent1">
-                <a:shade val="50000"/>
-              </a:schemeClr>
-            </a:lnRef>
-            <a:fillRef idx="1">
-              <a:schemeClr val="accent1"/>
-            </a:fillRef>
-            <a:effectRef idx="0">
-              <a:schemeClr val="accent1"/>
-            </a:effectRef>
-            <a:fontRef idx="minor">
-              <a:schemeClr val="lt1"/>
-            </a:fontRef>
-          </p:style>
-          <p:txBody>
-            <a:bodyPr rtlCol="0" anchor="ctr"/>
-            <a:lstStyle/>
-            <a:p>
-              <a:pPr algn="ctr"/>
-              <a:endParaRPr lang="en-US" sz="1200">
-                <a:solidFill>
-                  <a:schemeClr val="accent2">
-                    <a:lumMod val="20000"/>
-                    <a:lumOff val="80000"/>
-                  </a:schemeClr>
-                </a:solidFill>
-              </a:endParaRPr>
-            </a:p>
-          </p:txBody>
-        </p:sp>
-        <p:sp>
-          <p:nvSpPr>
-            <p:cNvPr id="6" name="Rectangle 5"/>
-            <p:cNvSpPr/>
-            <p:nvPr/>
-          </p:nvSpPr>
-          <p:spPr>
-            <a:xfrm>
-              <a:off x="1524000" y="3000636"/>
-              <a:ext cx="1757278" cy="900113"/>
-            </a:xfrm>
-            <a:prstGeom prst="rect">
-              <a:avLst/>
-            </a:prstGeom>
-          </p:spPr>
-          <p:style>
-            <a:lnRef idx="2">
-              <a:schemeClr val="accent1">
-                <a:shade val="50000"/>
-              </a:schemeClr>
-            </a:lnRef>
-            <a:fillRef idx="1">
-              <a:schemeClr val="accent1"/>
-            </a:fillRef>
-            <a:effectRef idx="0">
-              <a:schemeClr val="accent1"/>
-            </a:effectRef>
-            <a:fontRef idx="minor">
-              <a:schemeClr val="lt1"/>
-            </a:fontRef>
-          </p:style>
-          <p:txBody>
-            <a:bodyPr rtlCol="0" anchor="ctr"/>
-            <a:lstStyle/>
-            <a:p>
-              <a:pPr algn="ctr"/>
-              <a:r>
-                <a:rPr lang="en-US" sz="1600" dirty="0"/>
-                <a:t>Your App </a:t>
-              </a:r>
-            </a:p>
-          </p:txBody>
-        </p:sp>
-        <p:sp>
-          <p:nvSpPr>
-            <p:cNvPr id="9" name="Rectangle 8"/>
-            <p:cNvSpPr/>
-            <p:nvPr/>
-          </p:nvSpPr>
-          <p:spPr>
-            <a:xfrm>
-              <a:off x="5029200" y="3000635"/>
-              <a:ext cx="1631758" cy="900113"/>
-            </a:xfrm>
-            <a:prstGeom prst="rect">
-              <a:avLst/>
-            </a:prstGeom>
-          </p:spPr>
-          <p:style>
-            <a:lnRef idx="2">
-              <a:schemeClr val="accent1">
-                <a:shade val="50000"/>
-              </a:schemeClr>
-            </a:lnRef>
-            <a:fillRef idx="1">
-              <a:schemeClr val="accent1"/>
-            </a:fillRef>
-            <a:effectRef idx="0">
-              <a:schemeClr val="accent1"/>
-            </a:effectRef>
-            <a:fontRef idx="minor">
-              <a:schemeClr val="lt1"/>
-            </a:fontRef>
-          </p:style>
-          <p:txBody>
-            <a:bodyPr rtlCol="0" anchor="ctr"/>
-            <a:lstStyle/>
-            <a:p>
-              <a:pPr algn="ctr"/>
-              <a:r>
-                <a:rPr lang="en-US" sz="1600" dirty="0"/>
-                <a:t>Power BI Service</a:t>
-              </a:r>
-            </a:p>
-          </p:txBody>
-        </p:sp>
-        <p:cxnSp>
-          <p:nvCxnSpPr>
-            <p:cNvPr id="11" name="Straight Arrow Connector 10"/>
-            <p:cNvCxnSpPr>
-              <a:stCxn id="6" idx="3"/>
-            </p:cNvCxnSpPr>
-            <p:nvPr/>
-          </p:nvCxnSpPr>
-          <p:spPr>
-            <a:xfrm flipV="1">
-              <a:off x="3281278" y="3450692"/>
-              <a:ext cx="1671722" cy="1"/>
-            </a:xfrm>
-            <a:prstGeom prst="straightConnector1">
-              <a:avLst/>
-            </a:prstGeom>
-            <a:ln w="38100">
-              <a:tailEnd type="triangle"/>
-            </a:ln>
-          </p:spPr>
-          <p:style>
-            <a:lnRef idx="1">
-              <a:schemeClr val="accent1"/>
-            </a:lnRef>
-            <a:fillRef idx="0">
-              <a:schemeClr val="accent1"/>
-            </a:fillRef>
-            <a:effectRef idx="0">
-              <a:schemeClr val="accent1"/>
-            </a:effectRef>
-            <a:fontRef idx="minor">
-              <a:schemeClr val="tx1"/>
-            </a:fontRef>
-          </p:style>
-        </p:cxnSp>
-      </p:grpSp>
-    </p:spTree>
-    <p:extLst>
-      <p:ext uri="{BB962C8B-B14F-4D97-AF65-F5344CB8AC3E}">
-        <p14:creationId xmlns:p14="http://schemas.microsoft.com/office/powerpoint/2010/main" val="239562906"/>
-      </p:ext>
-    </p:extLst>
-  </p:cSld>
-  <p:clrMapOvr>
-    <a:masterClrMapping/>
-  </p:clrMapOvr>
-  <p:timing>
-    <p:tnLst>
-      <p:par>
-        <p:cTn id="1" dur="indefinite" restart="never" nodeType="tmRoot">
-          <p:childTnLst>
-            <p:seq concurrent="1" nextAc="seek">
-              <p:cTn id="2" dur="indefinite" nodeType="mainSeq">
-                <p:childTnLst>
-                  <p:par>
-                    <p:cTn id="3" fill="hold">
-                      <p:stCondLst>
-                        <p:cond delay="indefinite"/>
-                      </p:stCondLst>
-                      <p:childTnLst>
-                        <p:par>
-                          <p:cTn id="4" fill="hold">
-                            <p:stCondLst>
-                              <p:cond delay="0"/>
-                            </p:stCondLst>
-                            <p:childTnLst>
-                              <p:par>
-                                <p:cTn id="5" presetID="1" presetClass="entr" presetSubtype="0" fill="hold" nodeType="clickEffect">
-                                  <p:stCondLst>
-                                    <p:cond delay="0"/>
-                                  </p:stCondLst>
-                                  <p:childTnLst>
-                                    <p:set>
-                                      <p:cBhvr>
-                                        <p:cTn id="6" dur="1" fill="hold">
-                                          <p:stCondLst>
-                                            <p:cond delay="0"/>
-                                          </p:stCondLst>
-                                        </p:cTn>
-                                        <p:tgtEl>
-                                          <p:spTgt spid="3">
-                                            <p:txEl>
-                                              <p:pRg st="1" end="1"/>
-                                            </p:txEl>
-                                          </p:spTgt>
-                                        </p:tgtEl>
-                                        <p:attrNameLst>
-                                          <p:attrName>style.visibility</p:attrName>
-                                        </p:attrNameLst>
-                                      </p:cBhvr>
-                                      <p:to>
-                                        <p:strVal val="visible"/>
-                                      </p:to>
-                                    </p:set>
-                                  </p:childTnLst>
-                                </p:cTn>
-                              </p:par>
-                            </p:childTnLst>
-                          </p:cTn>
-                        </p:par>
-                      </p:childTnLst>
-                    </p:cTn>
-                  </p:par>
-                  <p:par>
-                    <p:cTn id="7" fill="hold">
-                      <p:stCondLst>
-                        <p:cond delay="indefinite"/>
-                      </p:stCondLst>
-                      <p:childTnLst>
-                        <p:par>
-                          <p:cTn id="8" fill="hold">
-                            <p:stCondLst>
-                              <p:cond delay="0"/>
-                            </p:stCondLst>
-                            <p:childTnLst>
-                              <p:par>
-                                <p:cTn id="9" presetID="1" presetClass="entr" presetSubtype="0" fill="hold" nodeType="clickEffect">
-                                  <p:stCondLst>
-                                    <p:cond delay="0"/>
-                                  </p:stCondLst>
-                                  <p:childTnLst>
-                                    <p:set>
-                                      <p:cBhvr>
-                                        <p:cTn id="10" dur="1" fill="hold">
-                                          <p:stCondLst>
-                                            <p:cond delay="0"/>
-                                          </p:stCondLst>
-                                        </p:cTn>
-                                        <p:tgtEl>
-                                          <p:spTgt spid="3">
-                                            <p:txEl>
-                                              <p:pRg st="2" end="2"/>
-                                            </p:txEl>
-                                          </p:spTgt>
-                                        </p:tgtEl>
-                                        <p:attrNameLst>
-                                          <p:attrName>style.visibility</p:attrName>
-                                        </p:attrNameLst>
-                                      </p:cBhvr>
-                                      <p:to>
-                                        <p:strVal val="visible"/>
-                                      </p:to>
-                                    </p:set>
-                                  </p:childTnLst>
-                                </p:cTn>
-                              </p:par>
-                            </p:childTnLst>
-                          </p:cTn>
-                        </p:par>
-                      </p:childTnLst>
-                    </p:cTn>
-                  </p:par>
-                  <p:par>
-                    <p:cTn id="11" fill="hold">
-                      <p:stCondLst>
-                        <p:cond delay="indefinite"/>
-                      </p:stCondLst>
-                      <p:childTnLst>
-                        <p:par>
-                          <p:cTn id="12" fill="hold">
-                            <p:stCondLst>
-                              <p:cond delay="0"/>
-                            </p:stCondLst>
-                            <p:childTnLst>
-                              <p:par>
-                                <p:cTn id="13" presetID="1" presetClass="entr" presetSubtype="0" fill="hold" nodeType="clickEffect">
-                                  <p:stCondLst>
-                                    <p:cond delay="0"/>
-                                  </p:stCondLst>
-                                  <p:childTnLst>
-                                    <p:set>
-                                      <p:cBhvr>
-                                        <p:cTn id="14" dur="1" fill="hold">
-                                          <p:stCondLst>
-                                            <p:cond delay="0"/>
-                                          </p:stCondLst>
-                                        </p:cTn>
-                                        <p:tgtEl>
-                                          <p:spTgt spid="3">
-                                            <p:txEl>
-                                              <p:pRg st="7" end="7"/>
-                                            </p:txEl>
-                                          </p:spTgt>
-                                        </p:tgtEl>
-                                        <p:attrNameLst>
-                                          <p:attrName>style.visibility</p:attrName>
-                                        </p:attrNameLst>
-                                      </p:cBhvr>
-                                      <p:to>
-                                        <p:strVal val="visible"/>
-                                      </p:to>
-                                    </p:set>
-                                  </p:childTnLst>
-                                </p:cTn>
-                              </p:par>
-                            </p:childTnLst>
-                          </p:cTn>
-                        </p:par>
-                      </p:childTnLst>
-                    </p:cTn>
-                  </p:par>
-                  <p:par>
-                    <p:cTn id="15" fill="hold">
-                      <p:stCondLst>
-                        <p:cond delay="indefinite"/>
-                      </p:stCondLst>
-                      <p:childTnLst>
-                        <p:par>
-                          <p:cTn id="16" fill="hold">
-                            <p:stCondLst>
-                              <p:cond delay="0"/>
-                            </p:stCondLst>
-                            <p:childTnLst>
-                              <p:par>
-                                <p:cTn id="17" presetID="1" presetClass="entr" presetSubtype="0" fill="hold" nodeType="clickEffect">
-                                  <p:stCondLst>
-                                    <p:cond delay="0"/>
-                                  </p:stCondLst>
-                                  <p:childTnLst>
-                                    <p:set>
-                                      <p:cBhvr>
-                                        <p:cTn id="18" dur="1" fill="hold">
-                                          <p:stCondLst>
-                                            <p:cond delay="0"/>
-                                          </p:stCondLst>
-                                        </p:cTn>
-                                        <p:tgtEl>
-                                          <p:spTgt spid="3">
-                                            <p:txEl>
-                                              <p:pRg st="8" end="8"/>
-                                            </p:txEl>
-                                          </p:spTgt>
-                                        </p:tgtEl>
-                                        <p:attrNameLst>
-                                          <p:attrName>style.visibility</p:attrName>
-                                        </p:attrNameLst>
-                                      </p:cBhvr>
-                                      <p:to>
-                                        <p:strVal val="visible"/>
-                                      </p:to>
-                                    </p:set>
-                                  </p:childTnLst>
-                                </p:cTn>
-                              </p:par>
-                            </p:childTnLst>
-                          </p:cTn>
-                        </p:par>
-                      </p:childTnLst>
-                    </p:cTn>
-                  </p:par>
-                  <p:par>
-                    <p:cTn id="19" fill="hold">
-                      <p:stCondLst>
-                        <p:cond delay="indefinite"/>
-                      </p:stCondLst>
-                      <p:childTnLst>
-                        <p:par>
-                          <p:cTn id="20" fill="hold">
-                            <p:stCondLst>
-                              <p:cond delay="0"/>
-                            </p:stCondLst>
-                            <p:childTnLst>
-                              <p:par>
-                                <p:cTn id="21" presetID="1" presetClass="entr" presetSubtype="0" fill="hold" nodeType="clickEffect">
-                                  <p:stCondLst>
-                                    <p:cond delay="0"/>
-                                  </p:stCondLst>
-                                  <p:childTnLst>
-                                    <p:set>
-                                      <p:cBhvr>
-                                        <p:cTn id="22" dur="1" fill="hold">
-                                          <p:stCondLst>
-                                            <p:cond delay="0"/>
-                                          </p:stCondLst>
-                                        </p:cTn>
-                                        <p:tgtEl>
-                                          <p:spTgt spid="3">
-                                            <p:txEl>
-                                              <p:pRg st="9" end="9"/>
-                                            </p:txEl>
-                                          </p:spTgt>
-                                        </p:tgtEl>
-                                        <p:attrNameLst>
-                                          <p:attrName>style.visibility</p:attrName>
-                                        </p:attrNameLst>
-                                      </p:cBhvr>
-                                      <p:to>
-                                        <p:strVal val="visible"/>
-                                      </p:to>
-                                    </p:set>
-                                  </p:childTnLst>
-                                </p:cTn>
-                              </p:par>
-                            </p:childTnLst>
-                          </p:cTn>
-                        </p:par>
-                      </p:childTnLst>
-                    </p:cTn>
-                  </p:par>
-                  <p:par>
-                    <p:cTn id="23" fill="hold">
-                      <p:stCondLst>
-                        <p:cond delay="indefinite"/>
-                      </p:stCondLst>
-                      <p:childTnLst>
-                        <p:par>
-                          <p:cTn id="24" fill="hold">
-                            <p:stCondLst>
-                              <p:cond delay="0"/>
-                            </p:stCondLst>
-                            <p:childTnLst>
-                              <p:par>
-                                <p:cTn id="25" presetID="1" presetClass="entr" presetSubtype="0" fill="hold" nodeType="clickEffect">
-                                  <p:stCondLst>
-                                    <p:cond delay="0"/>
-                                  </p:stCondLst>
-                                  <p:childTnLst>
-                                    <p:set>
-                                      <p:cBhvr>
-                                        <p:cTn id="26" dur="1" fill="hold">
-                                          <p:stCondLst>
-                                            <p:cond delay="0"/>
-                                          </p:stCondLst>
-                                        </p:cTn>
-                                        <p:tgtEl>
-                                          <p:spTgt spid="3">
-                                            <p:txEl>
-                                              <p:pRg st="10" end="10"/>
-                                            </p:txEl>
-                                          </p:spTgt>
-                                        </p:tgtEl>
-                                        <p:attrNameLst>
-                                          <p:attrName>style.visibility</p:attrName>
-                                        </p:attrNameLst>
-                                      </p:cBhvr>
-                                      <p:to>
-                                        <p:strVal val="visible"/>
-                                      </p:to>
-                                    </p:set>
-                                  </p:childTnLst>
-                                </p:cTn>
-                              </p:par>
-                            </p:childTnLst>
-                          </p:cTn>
-                        </p:par>
-                      </p:childTnLst>
-                    </p:cTn>
-                  </p:par>
-                  <p:par>
-                    <p:cTn id="27" fill="hold">
-                      <p:stCondLst>
-                        <p:cond delay="indefinite"/>
-                      </p:stCondLst>
-                      <p:childTnLst>
-                        <p:par>
-                          <p:cTn id="28" fill="hold">
-                            <p:stCondLst>
-                              <p:cond delay="0"/>
-                            </p:stCondLst>
-                            <p:childTnLst>
-                              <p:par>
-                                <p:cTn id="29" presetID="1" presetClass="entr" presetSubtype="0" fill="hold" nodeType="clickEffect">
-                                  <p:stCondLst>
-                                    <p:cond delay="0"/>
-                                  </p:stCondLst>
-                                  <p:childTnLst>
-                                    <p:set>
-                                      <p:cBhvr>
-                                        <p:cTn id="30" dur="1" fill="hold">
-                                          <p:stCondLst>
-                                            <p:cond delay="0"/>
-                                          </p:stCondLst>
-                                        </p:cTn>
-                                        <p:tgtEl>
-                                          <p:spTgt spid="3">
-                                            <p:txEl>
-                                              <p:pRg st="11" end="11"/>
-                                            </p:txEl>
-                                          </p:spTgt>
-                                        </p:tgtEl>
-                                        <p:attrNameLst>
-                                          <p:attrName>style.visibility</p:attrName>
-                                        </p:attrNameLst>
-                                      </p:cBhvr>
-                                      <p:to>
-                                        <p:strVal val="visible"/>
-                                      </p:to>
-                                    </p:set>
-                                  </p:childTnLst>
-                                </p:cTn>
-                              </p:par>
-                            </p:childTnLst>
-                          </p:cTn>
-                        </p:par>
-                      </p:childTnLst>
-                    </p:cTn>
-                  </p:par>
-                  <p:par>
-                    <p:cTn id="31" fill="hold">
-                      <p:stCondLst>
-                        <p:cond delay="indefinite"/>
-                      </p:stCondLst>
-                      <p:childTnLst>
-                        <p:par>
-                          <p:cTn id="32" fill="hold">
-                            <p:stCondLst>
-                              <p:cond delay="0"/>
-                            </p:stCondLst>
-                            <p:childTnLst>
-                              <p:par>
-                                <p:cTn id="33" presetID="1" presetClass="entr" presetSubtype="0" fill="hold" nodeType="clickEffect">
-                                  <p:stCondLst>
-                                    <p:cond delay="0"/>
-                                  </p:stCondLst>
-                                  <p:childTnLst>
-                                    <p:set>
-                                      <p:cBhvr>
-                                        <p:cTn id="34" dur="1" fill="hold">
-                                          <p:stCondLst>
-                                            <p:cond delay="0"/>
-                                          </p:stCondLst>
-                                        </p:cTn>
-                                        <p:tgtEl>
-                                          <p:spTgt spid="3">
-                                            <p:txEl>
-                                              <p:pRg st="12" end="12"/>
-                                            </p:txEl>
-                                          </p:spTgt>
-                                        </p:tgtEl>
-                                        <p:attrNameLst>
-                                          <p:attrName>style.visibility</p:attrName>
-                                        </p:attrNameLst>
-                                      </p:cBhvr>
-                                      <p:to>
-                                        <p:strVal val="visible"/>
-                                      </p:to>
-                                    </p:set>
-                                  </p:childTnLst>
-                                </p:cTn>
-                              </p:par>
-                            </p:childTnLst>
-                          </p:cTn>
-                        </p:par>
-                      </p:childTnLst>
-                    </p:cTn>
-                  </p:par>
-                </p:childTnLst>
-              </p:cTn>
-              <p:prevCondLst>
-                <p:cond evt="onPrev" delay="0">
-                  <p:tgtEl>
-                    <p:sldTgt/>
-                  </p:tgtEl>
-                </p:cond>
-              </p:prevCondLst>
-              <p:nextCondLst>
-                <p:cond evt="onNext" delay="0">
-                  <p:tgtEl>
-                    <p:sldTgt/>
-                  </p:tgtEl>
-                </p:cond>
-              </p:nextCondLst>
-            </p:seq>
-          </p:childTnLst>
-        </p:cTn>
-      </p:par>
-    </p:tnLst>
-  </p:timing>
-</p:sld>
-</file>
-
-<file path=ppt/slides/slide9.xml><?xml version="1.0" encoding="utf-8"?>
 <p:sld xmlns:a="http://schemas.openxmlformats.org/drawingml/2006/main" xmlns:r="http://schemas.openxmlformats.org/officeDocument/2006/relationships" xmlns:p="http://schemas.openxmlformats.org/presentationml/2006/main">
   <p:cSld>
     <p:spTree>
@@ -21233,6 +19142,690 @@
       <p:bldP spid="31" grpId="0" animBg="1"/>
       <p:bldP spid="20" grpId="0" animBg="1"/>
     </p:bldLst>
+  </p:timing>
+</p:sld>
+</file>
+
+<file path=ppt/slides/slide9.xml><?xml version="1.0" encoding="utf-8"?>
+<p:sld xmlns:a="http://schemas.openxmlformats.org/drawingml/2006/main" xmlns:r="http://schemas.openxmlformats.org/officeDocument/2006/relationships" xmlns:p="http://schemas.openxmlformats.org/presentationml/2006/main">
+  <p:cSld>
+    <p:spTree>
+      <p:nvGrpSpPr>
+        <p:cNvPr id="1" name=""/>
+        <p:cNvGrpSpPr/>
+        <p:nvPr/>
+      </p:nvGrpSpPr>
+      <p:grpSpPr>
+        <a:xfrm>
+          <a:off x="0" y="0"/>
+          <a:ext cx="0" cy="0"/>
+          <a:chOff x="0" y="0"/>
+          <a:chExt cx="0" cy="0"/>
+        </a:xfrm>
+      </p:grpSpPr>
+      <p:sp>
+        <p:nvSpPr>
+          <p:cNvPr id="2" name="Title 1"/>
+          <p:cNvSpPr>
+            <a:spLocks noGrp="1"/>
+          </p:cNvSpPr>
+          <p:nvPr>
+            <p:ph type="title"/>
+          </p:nvPr>
+        </p:nvSpPr>
+        <p:spPr/>
+        <p:txBody>
+          <a:bodyPr/>
+          <a:lstStyle/>
+          <a:p>
+            <a:r>
+              <a:rPr lang="en-US" dirty="0"/>
+              <a:t>First Party Embedding</a:t>
+            </a:r>
+          </a:p>
+        </p:txBody>
+      </p:sp>
+      <p:sp>
+        <p:nvSpPr>
+          <p:cNvPr id="18" name="Content Placeholder 17"/>
+          <p:cNvSpPr>
+            <a:spLocks noGrp="1"/>
+          </p:cNvSpPr>
+          <p:nvPr>
+            <p:ph idx="1"/>
+          </p:nvPr>
+        </p:nvSpPr>
+        <p:spPr/>
+        <p:txBody>
+          <a:bodyPr/>
+          <a:lstStyle/>
+          <a:p>
+            <a:r>
+              <a:rPr lang="en-US" dirty="0"/>
+              <a:t>App authenticates current user with Azure AD</a:t>
+            </a:r>
+          </a:p>
+          <a:p>
+            <a:pPr lvl="1"/>
+            <a:r>
+              <a:rPr lang="en-US" dirty="0"/>
+              <a:t>Your code accesses Power BI Service as current user</a:t>
+            </a:r>
+          </a:p>
+          <a:p>
+            <a:pPr lvl="1"/>
+            <a:r>
+              <a:rPr lang="en-US" dirty="0"/>
+              <a:t>Embedding requires Azure AD access token for user</a:t>
+            </a:r>
+          </a:p>
+          <a:p>
+            <a:pPr lvl="1"/>
+            <a:r>
+              <a:rPr lang="en-US" dirty="0"/>
+              <a:t>User requires Azure AD account and Power BI license</a:t>
+            </a:r>
+          </a:p>
+          <a:p>
+            <a:pPr lvl="1"/>
+            <a:r>
+              <a:rPr lang="en-US" dirty="0"/>
+              <a:t>Your code has access to whatever user has access to</a:t>
+            </a:r>
+          </a:p>
+          <a:p>
+            <a:pPr lvl="1"/>
+            <a:endParaRPr lang="en-US" dirty="0"/>
+          </a:p>
+        </p:txBody>
+      </p:sp>
+      <p:sp>
+        <p:nvSpPr>
+          <p:cNvPr id="7" name="Rectangle 6"/>
+          <p:cNvSpPr/>
+          <p:nvPr/>
+        </p:nvSpPr>
+        <p:spPr>
+          <a:xfrm>
+            <a:off x="609600" y="3922349"/>
+            <a:ext cx="7924800" cy="2695506"/>
+          </a:xfrm>
+          <a:prstGeom prst="rect">
+            <a:avLst/>
+          </a:prstGeom>
+          <a:solidFill>
+            <a:schemeClr val="accent2">
+              <a:lumMod val="20000"/>
+              <a:lumOff val="80000"/>
+            </a:schemeClr>
+          </a:solidFill>
+        </p:spPr>
+        <p:style>
+          <a:lnRef idx="2">
+            <a:schemeClr val="accent1">
+              <a:shade val="50000"/>
+            </a:schemeClr>
+          </a:lnRef>
+          <a:fillRef idx="1">
+            <a:schemeClr val="accent1"/>
+          </a:fillRef>
+          <a:effectRef idx="0">
+            <a:schemeClr val="accent1"/>
+          </a:effectRef>
+          <a:fontRef idx="minor">
+            <a:schemeClr val="lt1"/>
+          </a:fontRef>
+        </p:style>
+        <p:txBody>
+          <a:bodyPr rtlCol="0" anchor="ctr"/>
+          <a:lstStyle/>
+          <a:p>
+            <a:pPr algn="ctr"/>
+            <a:endParaRPr lang="en-US" sz="1200">
+              <a:solidFill>
+                <a:schemeClr val="accent2">
+                  <a:lumMod val="20000"/>
+                  <a:lumOff val="80000"/>
+                </a:schemeClr>
+              </a:solidFill>
+            </a:endParaRPr>
+          </a:p>
+        </p:txBody>
+      </p:sp>
+      <p:sp>
+        <p:nvSpPr>
+          <p:cNvPr id="8" name="Rectangle 7"/>
+          <p:cNvSpPr/>
+          <p:nvPr/>
+        </p:nvSpPr>
+        <p:spPr>
+          <a:xfrm>
+            <a:off x="914400" y="5141549"/>
+            <a:ext cx="1631758" cy="1176077"/>
+          </a:xfrm>
+          <a:prstGeom prst="rect">
+            <a:avLst/>
+          </a:prstGeom>
+        </p:spPr>
+        <p:style>
+          <a:lnRef idx="2">
+            <a:schemeClr val="accent1">
+              <a:shade val="50000"/>
+            </a:schemeClr>
+          </a:lnRef>
+          <a:fillRef idx="1">
+            <a:schemeClr val="accent1"/>
+          </a:fillRef>
+          <a:effectRef idx="0">
+            <a:schemeClr val="accent1"/>
+          </a:effectRef>
+          <a:fontRef idx="minor">
+            <a:schemeClr val="lt1"/>
+          </a:fontRef>
+        </p:style>
+        <p:txBody>
+          <a:bodyPr rtlCol="0" anchor="ctr"/>
+          <a:lstStyle/>
+          <a:p>
+            <a:pPr algn="ctr"/>
+            <a:r>
+              <a:rPr lang="en-US" sz="1600" dirty="0"/>
+              <a:t>User</a:t>
+            </a:r>
+            <a:endParaRPr lang="en-US" sz="2000" dirty="0"/>
+          </a:p>
+        </p:txBody>
+      </p:sp>
+      <p:sp>
+        <p:nvSpPr>
+          <p:cNvPr id="20" name="Rectangle 19"/>
+          <p:cNvSpPr/>
+          <p:nvPr/>
+        </p:nvSpPr>
+        <p:spPr>
+          <a:xfrm>
+            <a:off x="6724879" y="5163110"/>
+            <a:ext cx="1631758" cy="1176077"/>
+          </a:xfrm>
+          <a:prstGeom prst="rect">
+            <a:avLst/>
+          </a:prstGeom>
+        </p:spPr>
+        <p:style>
+          <a:lnRef idx="2">
+            <a:schemeClr val="accent1">
+              <a:shade val="50000"/>
+            </a:schemeClr>
+          </a:lnRef>
+          <a:fillRef idx="1">
+            <a:schemeClr val="accent1"/>
+          </a:fillRef>
+          <a:effectRef idx="0">
+            <a:schemeClr val="accent1"/>
+          </a:effectRef>
+          <a:fontRef idx="minor">
+            <a:schemeClr val="lt1"/>
+          </a:fontRef>
+        </p:style>
+        <p:txBody>
+          <a:bodyPr rtlCol="0" anchor="ctr"/>
+          <a:lstStyle/>
+          <a:p>
+            <a:pPr algn="ctr"/>
+            <a:r>
+              <a:rPr lang="en-US" sz="1600" dirty="0"/>
+              <a:t>Power BI Service</a:t>
+            </a:r>
+          </a:p>
+        </p:txBody>
+      </p:sp>
+      <p:cxnSp>
+        <p:nvCxnSpPr>
+          <p:cNvPr id="32" name="Straight Arrow Connector 31"/>
+          <p:cNvCxnSpPr>
+            <a:stCxn id="37" idx="3"/>
+          </p:cNvCxnSpPr>
+          <p:nvPr/>
+        </p:nvCxnSpPr>
+        <p:spPr>
+          <a:xfrm>
+            <a:off x="3200400" y="5751149"/>
+            <a:ext cx="3388280" cy="0"/>
+          </a:xfrm>
+          <a:prstGeom prst="straightConnector1">
+            <a:avLst/>
+          </a:prstGeom>
+          <a:ln w="38100">
+            <a:tailEnd type="triangle"/>
+          </a:ln>
+        </p:spPr>
+        <p:style>
+          <a:lnRef idx="1">
+            <a:schemeClr val="accent1"/>
+          </a:lnRef>
+          <a:fillRef idx="0">
+            <a:schemeClr val="accent1"/>
+          </a:fillRef>
+          <a:effectRef idx="0">
+            <a:schemeClr val="accent1"/>
+          </a:effectRef>
+          <a:fontRef idx="minor">
+            <a:schemeClr val="tx1"/>
+          </a:fontRef>
+        </p:style>
+      </p:cxnSp>
+      <p:sp>
+        <p:nvSpPr>
+          <p:cNvPr id="37" name="Rectangle 36"/>
+          <p:cNvSpPr/>
+          <p:nvPr/>
+        </p:nvSpPr>
+        <p:spPr>
+          <a:xfrm>
+            <a:off x="2370500" y="5370149"/>
+            <a:ext cx="829900" cy="762000"/>
+          </a:xfrm>
+          <a:prstGeom prst="rect">
+            <a:avLst/>
+          </a:prstGeom>
+          <a:solidFill>
+            <a:schemeClr val="accent2"/>
+          </a:solidFill>
+        </p:spPr>
+        <p:style>
+          <a:lnRef idx="2">
+            <a:schemeClr val="accent1">
+              <a:shade val="50000"/>
+            </a:schemeClr>
+          </a:lnRef>
+          <a:fillRef idx="1">
+            <a:schemeClr val="accent1"/>
+          </a:fillRef>
+          <a:effectRef idx="0">
+            <a:schemeClr val="accent1"/>
+          </a:effectRef>
+          <a:fontRef idx="minor">
+            <a:schemeClr val="lt1"/>
+          </a:fontRef>
+        </p:style>
+        <p:txBody>
+          <a:bodyPr rtlCol="0" anchor="ctr"/>
+          <a:lstStyle/>
+          <a:p>
+            <a:pPr algn="ctr"/>
+            <a:r>
+              <a:rPr lang="en-US" sz="1400" b="1" dirty="0" err="1">
+                <a:solidFill>
+                  <a:schemeClr val="tx2">
+                    <a:lumMod val="90000"/>
+                    <a:lumOff val="10000"/>
+                  </a:schemeClr>
+                </a:solidFill>
+              </a:rPr>
+              <a:t>iFrame</a:t>
+            </a:r>
+            <a:endParaRPr lang="en-US" sz="1400" b="1" dirty="0">
+              <a:solidFill>
+                <a:schemeClr val="tx2">
+                  <a:lumMod val="90000"/>
+                  <a:lumOff val="10000"/>
+                </a:schemeClr>
+              </a:solidFill>
+            </a:endParaRPr>
+          </a:p>
+        </p:txBody>
+      </p:sp>
+      <p:sp>
+        <p:nvSpPr>
+          <p:cNvPr id="38" name="Rectangle 37"/>
+          <p:cNvSpPr/>
+          <p:nvPr/>
+        </p:nvSpPr>
+        <p:spPr>
+          <a:xfrm>
+            <a:off x="2971800" y="4150949"/>
+            <a:ext cx="3200400" cy="609600"/>
+          </a:xfrm>
+          <a:prstGeom prst="rect">
+            <a:avLst/>
+          </a:prstGeom>
+          <a:solidFill>
+            <a:schemeClr val="bg1"/>
+          </a:solidFill>
+          <a:ln w="28575">
+            <a:solidFill>
+              <a:schemeClr val="accent6">
+                <a:lumMod val="50000"/>
+              </a:schemeClr>
+            </a:solidFill>
+          </a:ln>
+        </p:spPr>
+        <p:style>
+          <a:lnRef idx="2">
+            <a:schemeClr val="accent1">
+              <a:shade val="50000"/>
+            </a:schemeClr>
+          </a:lnRef>
+          <a:fillRef idx="1">
+            <a:schemeClr val="accent1"/>
+          </a:fillRef>
+          <a:effectRef idx="0">
+            <a:schemeClr val="accent1"/>
+          </a:effectRef>
+          <a:fontRef idx="minor">
+            <a:schemeClr val="lt1"/>
+          </a:fontRef>
+        </p:style>
+        <p:txBody>
+          <a:bodyPr rtlCol="0" anchor="ctr"/>
+          <a:lstStyle/>
+          <a:p>
+            <a:pPr marL="117475" indent="-117475">
+              <a:buFont typeface="Arial" panose="020B0604020202020204" pitchFamily="34" charset="0"/>
+              <a:buChar char="•"/>
+            </a:pPr>
+            <a:r>
+              <a:rPr lang="en-US" sz="1400" dirty="0">
+                <a:solidFill>
+                  <a:schemeClr val="accent5">
+                    <a:lumMod val="50000"/>
+                  </a:schemeClr>
+                </a:solidFill>
+              </a:rPr>
+              <a:t>Embed URL for Power BI resource</a:t>
+            </a:r>
+          </a:p>
+          <a:p>
+            <a:pPr marL="117475" indent="-117475">
+              <a:buFont typeface="Arial" panose="020B0604020202020204" pitchFamily="34" charset="0"/>
+              <a:buChar char="•"/>
+            </a:pPr>
+            <a:r>
+              <a:rPr lang="en-US" sz="1400" dirty="0">
+                <a:solidFill>
+                  <a:schemeClr val="accent5">
+                    <a:lumMod val="50000"/>
+                  </a:schemeClr>
+                </a:solidFill>
+              </a:rPr>
+              <a:t>Access Token for current user</a:t>
+            </a:r>
+          </a:p>
+        </p:txBody>
+      </p:sp>
+      <p:cxnSp>
+        <p:nvCxnSpPr>
+          <p:cNvPr id="42" name="Straight Arrow Connector 41"/>
+          <p:cNvCxnSpPr/>
+          <p:nvPr/>
+        </p:nvCxnSpPr>
+        <p:spPr>
+          <a:xfrm flipH="1">
+            <a:off x="3048000" y="4760549"/>
+            <a:ext cx="381000" cy="504894"/>
+          </a:xfrm>
+          <a:prstGeom prst="straightConnector1">
+            <a:avLst/>
+          </a:prstGeom>
+          <a:ln w="28575">
+            <a:solidFill>
+              <a:schemeClr val="accent6">
+                <a:lumMod val="50000"/>
+              </a:schemeClr>
+            </a:solidFill>
+            <a:tailEnd type="triangle"/>
+          </a:ln>
+        </p:spPr>
+        <p:style>
+          <a:lnRef idx="1">
+            <a:schemeClr val="accent1"/>
+          </a:lnRef>
+          <a:fillRef idx="0">
+            <a:schemeClr val="accent1"/>
+          </a:fillRef>
+          <a:effectRef idx="0">
+            <a:schemeClr val="accent1"/>
+          </a:effectRef>
+          <a:fontRef idx="minor">
+            <a:schemeClr val="tx1"/>
+          </a:fontRef>
+        </p:style>
+      </p:cxnSp>
+    </p:spTree>
+    <p:extLst>
+      <p:ext uri="{BB962C8B-B14F-4D97-AF65-F5344CB8AC3E}">
+        <p14:creationId xmlns:p14="http://schemas.microsoft.com/office/powerpoint/2010/main" val="1817356418"/>
+      </p:ext>
+    </p:extLst>
+  </p:cSld>
+  <p:clrMapOvr>
+    <a:masterClrMapping/>
+  </p:clrMapOvr>
+  <p:timing>
+    <p:tnLst>
+      <p:par>
+        <p:cTn id="1" dur="indefinite" restart="never" nodeType="tmRoot">
+          <p:childTnLst>
+            <p:seq concurrent="1" nextAc="seek">
+              <p:cTn id="2" dur="indefinite" nodeType="mainSeq">
+                <p:childTnLst>
+                  <p:par>
+                    <p:cTn id="3" fill="hold">
+                      <p:stCondLst>
+                        <p:cond delay="indefinite"/>
+                      </p:stCondLst>
+                      <p:childTnLst>
+                        <p:par>
+                          <p:cTn id="4" fill="hold">
+                            <p:stCondLst>
+                              <p:cond delay="0"/>
+                            </p:stCondLst>
+                            <p:childTnLst>
+                              <p:par>
+                                <p:cTn id="5" presetID="1" presetClass="entr" presetSubtype="0" fill="hold" nodeType="clickEffect">
+                                  <p:stCondLst>
+                                    <p:cond delay="0"/>
+                                  </p:stCondLst>
+                                  <p:childTnLst>
+                                    <p:set>
+                                      <p:cBhvr>
+                                        <p:cTn id="6" dur="1" fill="hold">
+                                          <p:stCondLst>
+                                            <p:cond delay="0"/>
+                                          </p:stCondLst>
+                                        </p:cTn>
+                                        <p:tgtEl>
+                                          <p:spTgt spid="18">
+                                            <p:txEl>
+                                              <p:pRg st="1" end="1"/>
+                                            </p:txEl>
+                                          </p:spTgt>
+                                        </p:tgtEl>
+                                        <p:attrNameLst>
+                                          <p:attrName>style.visibility</p:attrName>
+                                        </p:attrNameLst>
+                                      </p:cBhvr>
+                                      <p:to>
+                                        <p:strVal val="visible"/>
+                                      </p:to>
+                                    </p:set>
+                                  </p:childTnLst>
+                                </p:cTn>
+                              </p:par>
+                            </p:childTnLst>
+                          </p:cTn>
+                        </p:par>
+                      </p:childTnLst>
+                    </p:cTn>
+                  </p:par>
+                  <p:par>
+                    <p:cTn id="7" fill="hold">
+                      <p:stCondLst>
+                        <p:cond delay="indefinite"/>
+                      </p:stCondLst>
+                      <p:childTnLst>
+                        <p:par>
+                          <p:cTn id="8" fill="hold">
+                            <p:stCondLst>
+                              <p:cond delay="0"/>
+                            </p:stCondLst>
+                            <p:childTnLst>
+                              <p:par>
+                                <p:cTn id="9" presetID="1" presetClass="entr" presetSubtype="0" fill="hold" nodeType="clickEffect">
+                                  <p:stCondLst>
+                                    <p:cond delay="0"/>
+                                  </p:stCondLst>
+                                  <p:childTnLst>
+                                    <p:set>
+                                      <p:cBhvr>
+                                        <p:cTn id="10" dur="1" fill="hold">
+                                          <p:stCondLst>
+                                            <p:cond delay="0"/>
+                                          </p:stCondLst>
+                                        </p:cTn>
+                                        <p:tgtEl>
+                                          <p:spTgt spid="18">
+                                            <p:txEl>
+                                              <p:pRg st="2" end="2"/>
+                                            </p:txEl>
+                                          </p:spTgt>
+                                        </p:tgtEl>
+                                        <p:attrNameLst>
+                                          <p:attrName>style.visibility</p:attrName>
+                                        </p:attrNameLst>
+                                      </p:cBhvr>
+                                      <p:to>
+                                        <p:strVal val="visible"/>
+                                      </p:to>
+                                    </p:set>
+                                  </p:childTnLst>
+                                </p:cTn>
+                              </p:par>
+                            </p:childTnLst>
+                          </p:cTn>
+                        </p:par>
+                      </p:childTnLst>
+                    </p:cTn>
+                  </p:par>
+                  <p:par>
+                    <p:cTn id="11" fill="hold">
+                      <p:stCondLst>
+                        <p:cond delay="indefinite"/>
+                      </p:stCondLst>
+                      <p:childTnLst>
+                        <p:par>
+                          <p:cTn id="12" fill="hold">
+                            <p:stCondLst>
+                              <p:cond delay="0"/>
+                            </p:stCondLst>
+                            <p:childTnLst>
+                              <p:par>
+                                <p:cTn id="13" presetID="1" presetClass="entr" presetSubtype="0" fill="hold" nodeType="clickEffect">
+                                  <p:stCondLst>
+                                    <p:cond delay="0"/>
+                                  </p:stCondLst>
+                                  <p:childTnLst>
+                                    <p:set>
+                                      <p:cBhvr>
+                                        <p:cTn id="14" dur="1" fill="hold">
+                                          <p:stCondLst>
+                                            <p:cond delay="0"/>
+                                          </p:stCondLst>
+                                        </p:cTn>
+                                        <p:tgtEl>
+                                          <p:spTgt spid="18">
+                                            <p:txEl>
+                                              <p:pRg st="3" end="3"/>
+                                            </p:txEl>
+                                          </p:spTgt>
+                                        </p:tgtEl>
+                                        <p:attrNameLst>
+                                          <p:attrName>style.visibility</p:attrName>
+                                        </p:attrNameLst>
+                                      </p:cBhvr>
+                                      <p:to>
+                                        <p:strVal val="visible"/>
+                                      </p:to>
+                                    </p:set>
+                                  </p:childTnLst>
+                                </p:cTn>
+                              </p:par>
+                            </p:childTnLst>
+                          </p:cTn>
+                        </p:par>
+                      </p:childTnLst>
+                    </p:cTn>
+                  </p:par>
+                  <p:par>
+                    <p:cTn id="15" fill="hold">
+                      <p:stCondLst>
+                        <p:cond delay="indefinite"/>
+                      </p:stCondLst>
+                      <p:childTnLst>
+                        <p:par>
+                          <p:cTn id="16" fill="hold">
+                            <p:stCondLst>
+                              <p:cond delay="0"/>
+                            </p:stCondLst>
+                            <p:childTnLst>
+                              <p:par>
+                                <p:cTn id="17" presetID="1" presetClass="entr" presetSubtype="0" fill="hold" nodeType="clickEffect">
+                                  <p:stCondLst>
+                                    <p:cond delay="0"/>
+                                  </p:stCondLst>
+                                  <p:childTnLst>
+                                    <p:set>
+                                      <p:cBhvr>
+                                        <p:cTn id="18" dur="1" fill="hold">
+                                          <p:stCondLst>
+                                            <p:cond delay="0"/>
+                                          </p:stCondLst>
+                                        </p:cTn>
+                                        <p:tgtEl>
+                                          <p:spTgt spid="18">
+                                            <p:txEl>
+                                              <p:pRg st="4" end="4"/>
+                                            </p:txEl>
+                                          </p:spTgt>
+                                        </p:tgtEl>
+                                        <p:attrNameLst>
+                                          <p:attrName>style.visibility</p:attrName>
+                                        </p:attrNameLst>
+                                      </p:cBhvr>
+                                      <p:to>
+                                        <p:strVal val="visible"/>
+                                      </p:to>
+                                    </p:set>
+                                  </p:childTnLst>
+                                </p:cTn>
+                              </p:par>
+                            </p:childTnLst>
+                          </p:cTn>
+                        </p:par>
+                      </p:childTnLst>
+                    </p:cTn>
+                  </p:par>
+                </p:childTnLst>
+              </p:cTn>
+              <p:prevCondLst>
+                <p:cond evt="onPrev" delay="0">
+                  <p:tgtEl>
+                    <p:sldTgt/>
+                  </p:tgtEl>
+                </p:cond>
+              </p:prevCondLst>
+              <p:nextCondLst>
+                <p:cond evt="onNext" delay="0">
+                  <p:tgtEl>
+                    <p:sldTgt/>
+                  </p:tgtEl>
+                </p:cond>
+              </p:nextCondLst>
+            </p:seq>
+          </p:childTnLst>
+        </p:cTn>
+      </p:par>
+    </p:tnLst>
   </p:timing>
 </p:sld>
 </file>
@@ -22067,120 +20660,6 @@
 </file>
 
 <file path=customXml/item1.xml><?xml version="1.0" encoding="utf-8"?>
-<ct:contentTypeSchema xmlns:ct="http://schemas.microsoft.com/office/2006/metadata/contentType" xmlns:ma="http://schemas.microsoft.com/office/2006/metadata/properties/metaAttributes" ct:_="" ma:_="" ma:contentTypeName="Document" ma:contentTypeID="0x01010043F7775CCE86F349BB7C51FB3CE6B150" ma:contentTypeVersion="0" ma:contentTypeDescription="Create a new document." ma:contentTypeScope="" ma:versionID="bb563817a2861b6b5994bd26a2ba9e40">
-  <xsd:schema xmlns:xsd="http://www.w3.org/2001/XMLSchema" xmlns:xs="http://www.w3.org/2001/XMLSchema" xmlns:p="http://schemas.microsoft.com/office/2006/metadata/properties" targetNamespace="http://schemas.microsoft.com/office/2006/metadata/properties" ma:root="true" ma:fieldsID="c64490b4aec6201516c3a874156f37b2">
-    <xsd:element name="properties">
-      <xsd:complexType>
-        <xsd:sequence>
-          <xsd:element name="documentManagement">
-            <xsd:complexType>
-              <xsd:all/>
-            </xsd:complexType>
-          </xsd:element>
-        </xsd:sequence>
-      </xsd:complexType>
-    </xsd:element>
-  </xsd:schema>
-  <xsd:schema xmlns="http://schemas.openxmlformats.org/package/2006/metadata/core-properties" xmlns:xsd="http://www.w3.org/2001/XMLSchema" xmlns:xsi="http://www.w3.org/2001/XMLSchema-instance" xmlns:dc="http://purl.org/dc/elements/1.1/" xmlns:dcterms="http://purl.org/dc/terms/" xmlns:odoc="http://schemas.microsoft.com/internal/obd" targetNamespace="http://schemas.openxmlformats.org/package/2006/metadata/core-properties" elementFormDefault="qualified" attributeFormDefault="unqualified" blockDefault="#all">
-    <xsd:import namespace="http://purl.org/dc/elements/1.1/" schemaLocation="http://dublincore.org/schemas/xmls/qdc/2003/04/02/dc.xsd"/>
-    <xsd:import namespace="http://purl.org/dc/terms/" schemaLocation="http://dublincore.org/schemas/xmls/qdc/2003/04/02/dcterms.xsd"/>
-    <xsd:element name="coreProperties" type="CT_coreProperties"/>
-    <xsd:complexType name="CT_coreProperties">
-      <xsd:all>
-        <xsd:element ref="dc:creator" minOccurs="0" maxOccurs="1"/>
-        <xsd:element ref="dcterms:created" minOccurs="0" maxOccurs="1"/>
-        <xsd:element ref="dc:identifier" minOccurs="0" maxOccurs="1"/>
-        <xsd:element name="contentType" minOccurs="0" maxOccurs="1" type="xsd:string" ma:index="0" ma:displayName="Content Type"/>
-        <xsd:element ref="dc:title" minOccurs="0" maxOccurs="1" ma:index="4" ma:displayName="Title"/>
-        <xsd:element ref="dc:subject" minOccurs="0" maxOccurs="1"/>
-        <xsd:element ref="dc:description" minOccurs="0" maxOccurs="1"/>
-        <xsd:element name="keywords" minOccurs="0" maxOccurs="1" type="xsd:string"/>
-        <xsd:element ref="dc:language" minOccurs="0" maxOccurs="1"/>
-        <xsd:element name="category" minOccurs="0" maxOccurs="1" type="xsd:string"/>
-        <xsd:element name="version" minOccurs="0" maxOccurs="1" type="xsd:string"/>
-        <xsd:element name="revision" minOccurs="0" maxOccurs="1" type="xsd:string">
-          <xsd:annotation>
-            <xsd:documentation>
-                        This value indicates the number of saves or revisions. The application is responsible for updating this value after each revision.
-                    </xsd:documentation>
-          </xsd:annotation>
-        </xsd:element>
-        <xsd:element name="lastModifiedBy" minOccurs="0" maxOccurs="1" type="xsd:string"/>
-        <xsd:element ref="dcterms:modified" minOccurs="0" maxOccurs="1"/>
-        <xsd:element name="contentStatus" minOccurs="0" maxOccurs="1" type="xsd:string"/>
-      </xsd:all>
-    </xsd:complexType>
-  </xsd:schema>
-  <xs:schema xmlns:pc="http://schemas.microsoft.com/office/infopath/2007/PartnerControls" xmlns:xs="http://www.w3.org/2001/XMLSchema" targetNamespace="http://schemas.microsoft.com/office/infopath/2007/PartnerControls" elementFormDefault="qualified" attributeFormDefault="unqualified">
-    <xs:element name="Person">
-      <xs:complexType>
-        <xs:sequence>
-          <xs:element ref="pc:DisplayName" minOccurs="0"/>
-          <xs:element ref="pc:AccountId" minOccurs="0"/>
-          <xs:element ref="pc:AccountType" minOccurs="0"/>
-        </xs:sequence>
-      </xs:complexType>
-    </xs:element>
-    <xs:element name="DisplayName" type="xs:string"/>
-    <xs:element name="AccountId" type="xs:string"/>
-    <xs:element name="AccountType" type="xs:string"/>
-    <xs:element name="BDCAssociatedEntity">
-      <xs:complexType>
-        <xs:sequence>
-          <xs:element ref="pc:BDCEntity" minOccurs="0" maxOccurs="unbounded"/>
-        </xs:sequence>
-        <xs:attribute ref="pc:EntityNamespace"/>
-        <xs:attribute ref="pc:EntityName"/>
-        <xs:attribute ref="pc:SystemInstanceName"/>
-        <xs:attribute ref="pc:AssociationName"/>
-      </xs:complexType>
-    </xs:element>
-    <xs:attribute name="EntityNamespace" type="xs:string"/>
-    <xs:attribute name="EntityName" type="xs:string"/>
-    <xs:attribute name="SystemInstanceName" type="xs:string"/>
-    <xs:attribute name="AssociationName" type="xs:string"/>
-    <xs:element name="BDCEntity">
-      <xs:complexType>
-        <xs:sequence>
-          <xs:element ref="pc:EntityDisplayName" minOccurs="0"/>
-          <xs:element ref="pc:EntityInstanceReference" minOccurs="0"/>
-          <xs:element ref="pc:EntityId1" minOccurs="0"/>
-          <xs:element ref="pc:EntityId2" minOccurs="0"/>
-          <xs:element ref="pc:EntityId3" minOccurs="0"/>
-          <xs:element ref="pc:EntityId4" minOccurs="0"/>
-          <xs:element ref="pc:EntityId5" minOccurs="0"/>
-        </xs:sequence>
-      </xs:complexType>
-    </xs:element>
-    <xs:element name="EntityDisplayName" type="xs:string"/>
-    <xs:element name="EntityInstanceReference" type="xs:string"/>
-    <xs:element name="EntityId1" type="xs:string"/>
-    <xs:element name="EntityId2" type="xs:string"/>
-    <xs:element name="EntityId3" type="xs:string"/>
-    <xs:element name="EntityId4" type="xs:string"/>
-    <xs:element name="EntityId5" type="xs:string"/>
-    <xs:element name="Terms">
-      <xs:complexType>
-        <xs:sequence>
-          <xs:element ref="pc:TermInfo" minOccurs="0" maxOccurs="unbounded"/>
-        </xs:sequence>
-      </xs:complexType>
-    </xs:element>
-    <xs:element name="TermInfo">
-      <xs:complexType>
-        <xs:sequence>
-          <xs:element ref="pc:TermName" minOccurs="0"/>
-          <xs:element ref="pc:TermId" minOccurs="0"/>
-        </xs:sequence>
-      </xs:complexType>
-    </xs:element>
-    <xs:element name="TermName" type="xs:string"/>
-    <xs:element name="TermId" type="xs:string"/>
-  </xs:schema>
-</ct:contentTypeSchema>
-</file>
-
-<file path=customXml/item2.xml><?xml version="1.0" encoding="utf-8"?>
 <outs:outSpaceData xmlns:outs="http://schemas.microsoft.com/office/2009/outspace/metadata">
   <outs:relatedDates>
     <outs:relatedDate>
@@ -22330,13 +20809,127 @@
 </outs:outSpaceData>
 </file>
 
-<file path=customXml/item3.xml><?xml version="1.0" encoding="utf-8"?>
+<file path=customXml/item2.xml><?xml version="1.0" encoding="utf-8"?>
 <?mso-contentType ?>
 <FormTemplates xmlns="http://schemas.microsoft.com/sharepoint/v3/contenttype/forms">
   <Display>DocumentLibraryForm</Display>
   <Edit>DocumentLibraryForm</Edit>
   <New>DocumentLibraryForm</New>
 </FormTemplates>
+</file>
+
+<file path=customXml/item3.xml><?xml version="1.0" encoding="utf-8"?>
+<ct:contentTypeSchema xmlns:ct="http://schemas.microsoft.com/office/2006/metadata/contentType" xmlns:ma="http://schemas.microsoft.com/office/2006/metadata/properties/metaAttributes" ct:_="" ma:_="" ma:contentTypeName="Document" ma:contentTypeID="0x01010043F7775CCE86F349BB7C51FB3CE6B150" ma:contentTypeVersion="0" ma:contentTypeDescription="Create a new document." ma:contentTypeScope="" ma:versionID="bb563817a2861b6b5994bd26a2ba9e40">
+  <xsd:schema xmlns:xsd="http://www.w3.org/2001/XMLSchema" xmlns:xs="http://www.w3.org/2001/XMLSchema" xmlns:p="http://schemas.microsoft.com/office/2006/metadata/properties" targetNamespace="http://schemas.microsoft.com/office/2006/metadata/properties" ma:root="true" ma:fieldsID="c64490b4aec6201516c3a874156f37b2">
+    <xsd:element name="properties">
+      <xsd:complexType>
+        <xsd:sequence>
+          <xsd:element name="documentManagement">
+            <xsd:complexType>
+              <xsd:all/>
+            </xsd:complexType>
+          </xsd:element>
+        </xsd:sequence>
+      </xsd:complexType>
+    </xsd:element>
+  </xsd:schema>
+  <xsd:schema xmlns="http://schemas.openxmlformats.org/package/2006/metadata/core-properties" xmlns:xsd="http://www.w3.org/2001/XMLSchema" xmlns:xsi="http://www.w3.org/2001/XMLSchema-instance" xmlns:dc="http://purl.org/dc/elements/1.1/" xmlns:dcterms="http://purl.org/dc/terms/" xmlns:odoc="http://schemas.microsoft.com/internal/obd" targetNamespace="http://schemas.openxmlformats.org/package/2006/metadata/core-properties" elementFormDefault="qualified" attributeFormDefault="unqualified" blockDefault="#all">
+    <xsd:import namespace="http://purl.org/dc/elements/1.1/" schemaLocation="http://dublincore.org/schemas/xmls/qdc/2003/04/02/dc.xsd"/>
+    <xsd:import namespace="http://purl.org/dc/terms/" schemaLocation="http://dublincore.org/schemas/xmls/qdc/2003/04/02/dcterms.xsd"/>
+    <xsd:element name="coreProperties" type="CT_coreProperties"/>
+    <xsd:complexType name="CT_coreProperties">
+      <xsd:all>
+        <xsd:element ref="dc:creator" minOccurs="0" maxOccurs="1"/>
+        <xsd:element ref="dcterms:created" minOccurs="0" maxOccurs="1"/>
+        <xsd:element ref="dc:identifier" minOccurs="0" maxOccurs="1"/>
+        <xsd:element name="contentType" minOccurs="0" maxOccurs="1" type="xsd:string" ma:index="0" ma:displayName="Content Type"/>
+        <xsd:element ref="dc:title" minOccurs="0" maxOccurs="1" ma:index="4" ma:displayName="Title"/>
+        <xsd:element ref="dc:subject" minOccurs="0" maxOccurs="1"/>
+        <xsd:element ref="dc:description" minOccurs="0" maxOccurs="1"/>
+        <xsd:element name="keywords" minOccurs="0" maxOccurs="1" type="xsd:string"/>
+        <xsd:element ref="dc:language" minOccurs="0" maxOccurs="1"/>
+        <xsd:element name="category" minOccurs="0" maxOccurs="1" type="xsd:string"/>
+        <xsd:element name="version" minOccurs="0" maxOccurs="1" type="xsd:string"/>
+        <xsd:element name="revision" minOccurs="0" maxOccurs="1" type="xsd:string">
+          <xsd:annotation>
+            <xsd:documentation>
+                        This value indicates the number of saves or revisions. The application is responsible for updating this value after each revision.
+                    </xsd:documentation>
+          </xsd:annotation>
+        </xsd:element>
+        <xsd:element name="lastModifiedBy" minOccurs="0" maxOccurs="1" type="xsd:string"/>
+        <xsd:element ref="dcterms:modified" minOccurs="0" maxOccurs="1"/>
+        <xsd:element name="contentStatus" minOccurs="0" maxOccurs="1" type="xsd:string"/>
+      </xsd:all>
+    </xsd:complexType>
+  </xsd:schema>
+  <xs:schema xmlns:pc="http://schemas.microsoft.com/office/infopath/2007/PartnerControls" xmlns:xs="http://www.w3.org/2001/XMLSchema" targetNamespace="http://schemas.microsoft.com/office/infopath/2007/PartnerControls" elementFormDefault="qualified" attributeFormDefault="unqualified">
+    <xs:element name="Person">
+      <xs:complexType>
+        <xs:sequence>
+          <xs:element ref="pc:DisplayName" minOccurs="0"/>
+          <xs:element ref="pc:AccountId" minOccurs="0"/>
+          <xs:element ref="pc:AccountType" minOccurs="0"/>
+        </xs:sequence>
+      </xs:complexType>
+    </xs:element>
+    <xs:element name="DisplayName" type="xs:string"/>
+    <xs:element name="AccountId" type="xs:string"/>
+    <xs:element name="AccountType" type="xs:string"/>
+    <xs:element name="BDCAssociatedEntity">
+      <xs:complexType>
+        <xs:sequence>
+          <xs:element ref="pc:BDCEntity" minOccurs="0" maxOccurs="unbounded"/>
+        </xs:sequence>
+        <xs:attribute ref="pc:EntityNamespace"/>
+        <xs:attribute ref="pc:EntityName"/>
+        <xs:attribute ref="pc:SystemInstanceName"/>
+        <xs:attribute ref="pc:AssociationName"/>
+      </xs:complexType>
+    </xs:element>
+    <xs:attribute name="EntityNamespace" type="xs:string"/>
+    <xs:attribute name="EntityName" type="xs:string"/>
+    <xs:attribute name="SystemInstanceName" type="xs:string"/>
+    <xs:attribute name="AssociationName" type="xs:string"/>
+    <xs:element name="BDCEntity">
+      <xs:complexType>
+        <xs:sequence>
+          <xs:element ref="pc:EntityDisplayName" minOccurs="0"/>
+          <xs:element ref="pc:EntityInstanceReference" minOccurs="0"/>
+          <xs:element ref="pc:EntityId1" minOccurs="0"/>
+          <xs:element ref="pc:EntityId2" minOccurs="0"/>
+          <xs:element ref="pc:EntityId3" minOccurs="0"/>
+          <xs:element ref="pc:EntityId4" minOccurs="0"/>
+          <xs:element ref="pc:EntityId5" minOccurs="0"/>
+        </xs:sequence>
+      </xs:complexType>
+    </xs:element>
+    <xs:element name="EntityDisplayName" type="xs:string"/>
+    <xs:element name="EntityInstanceReference" type="xs:string"/>
+    <xs:element name="EntityId1" type="xs:string"/>
+    <xs:element name="EntityId2" type="xs:string"/>
+    <xs:element name="EntityId3" type="xs:string"/>
+    <xs:element name="EntityId4" type="xs:string"/>
+    <xs:element name="EntityId5" type="xs:string"/>
+    <xs:element name="Terms">
+      <xs:complexType>
+        <xs:sequence>
+          <xs:element ref="pc:TermInfo" minOccurs="0" maxOccurs="unbounded"/>
+        </xs:sequence>
+      </xs:complexType>
+    </xs:element>
+    <xs:element name="TermInfo">
+      <xs:complexType>
+        <xs:sequence>
+          <xs:element ref="pc:TermName" minOccurs="0"/>
+          <xs:element ref="pc:TermId" minOccurs="0"/>
+        </xs:sequence>
+      </xs:complexType>
+    </xs:element>
+    <xs:element name="TermName" type="xs:string"/>
+    <xs:element name="TermId" type="xs:string"/>
+  </xs:schema>
+</ct:contentTypeSchema>
 </file>
 
 <file path=customXml/item4.xml><?xml version="1.0" encoding="utf-8"?>
@@ -22346,6 +20939,22 @@
 </file>
 
 <file path=customXml/itemProps1.xml><?xml version="1.0" encoding="utf-8"?>
+<ds:datastoreItem xmlns:ds="http://schemas.openxmlformats.org/officeDocument/2006/customXml" ds:itemID="{8865FC99-B6BD-4E98-8312-F4F432C217EA}">
+  <ds:schemaRefs>
+    <ds:schemaRef ds:uri="http://schemas.microsoft.com/office/2009/outspace/metadata"/>
+  </ds:schemaRefs>
+</ds:datastoreItem>
+</file>
+
+<file path=customXml/itemProps2.xml><?xml version="1.0" encoding="utf-8"?>
+<ds:datastoreItem xmlns:ds="http://schemas.openxmlformats.org/officeDocument/2006/customXml" ds:itemID="{6034B84F-8F8E-48B7-9EFF-C7DE1A66BD73}">
+  <ds:schemaRefs>
+    <ds:schemaRef ds:uri="http://schemas.microsoft.com/sharepoint/v3/contenttype/forms"/>
+  </ds:schemaRefs>
+</ds:datastoreItem>
+</file>
+
+<file path=customXml/itemProps3.xml><?xml version="1.0" encoding="utf-8"?>
 <ds:datastoreItem xmlns:ds="http://schemas.openxmlformats.org/officeDocument/2006/customXml" ds:itemID="{63F8C001-70B3-4AE4-BEC2-202AE4E30C7A}">
   <ds:schemaRefs>
     <ds:schemaRef ds:uri="http://schemas.microsoft.com/office/2006/metadata/contentType"/>
@@ -22361,33 +20970,17 @@
 </ds:datastoreItem>
 </file>
 
-<file path=customXml/itemProps2.xml><?xml version="1.0" encoding="utf-8"?>
-<ds:datastoreItem xmlns:ds="http://schemas.openxmlformats.org/officeDocument/2006/customXml" ds:itemID="{8865FC99-B6BD-4E98-8312-F4F432C217EA}">
-  <ds:schemaRefs>
-    <ds:schemaRef ds:uri="http://schemas.microsoft.com/office/2009/outspace/metadata"/>
-  </ds:schemaRefs>
-</ds:datastoreItem>
-</file>
-
-<file path=customXml/itemProps3.xml><?xml version="1.0" encoding="utf-8"?>
-<ds:datastoreItem xmlns:ds="http://schemas.openxmlformats.org/officeDocument/2006/customXml" ds:itemID="{6034B84F-8F8E-48B7-9EFF-C7DE1A66BD73}">
-  <ds:schemaRefs>
-    <ds:schemaRef ds:uri="http://schemas.microsoft.com/sharepoint/v3/contenttype/forms"/>
-  </ds:schemaRefs>
-</ds:datastoreItem>
-</file>
-
 <file path=customXml/itemProps4.xml><?xml version="1.0" encoding="utf-8"?>
 <ds:datastoreItem xmlns:ds="http://schemas.openxmlformats.org/officeDocument/2006/customXml" ds:itemID="{A5547237-B119-45CA-BEFC-A2DA2BDB03E7}">
   <ds:schemaRefs>
-    <ds:schemaRef ds:uri="http://schemas.openxmlformats.org/package/2006/metadata/core-properties"/>
-    <ds:schemaRef ds:uri="http://schemas.microsoft.com/office/2006/metadata/properties"/>
-    <ds:schemaRef ds:uri="http://www.w3.org/XML/1998/namespace"/>
-    <ds:schemaRef ds:uri="http://purl.org/dc/terms/"/>
     <ds:schemaRef ds:uri="http://schemas.microsoft.com/office/2006/documentManagement/types"/>
     <ds:schemaRef ds:uri="http://purl.org/dc/dcmitype/"/>
+    <ds:schemaRef ds:uri="http://schemas.openxmlformats.org/package/2006/metadata/core-properties"/>
+    <ds:schemaRef ds:uri="http://www.w3.org/XML/1998/namespace"/>
+    <ds:schemaRef ds:uri="http://purl.org/dc/elements/1.1/"/>
     <ds:schemaRef ds:uri="http://schemas.microsoft.com/office/infopath/2007/PartnerControls"/>
-    <ds:schemaRef ds:uri="http://purl.org/dc/elements/1.1/"/>
+    <ds:schemaRef ds:uri="http://schemas.microsoft.com/office/2006/metadata/properties"/>
+    <ds:schemaRef ds:uri="http://purl.org/dc/terms/"/>
   </ds:schemaRefs>
 </ds:datastoreItem>
 </file>
--- a/Power BI Embedded - December 2017.pptx
+++ b/Power BI Embedded - December 2017.pptx
@@ -8730,14 +8730,14 @@
             <p:ph type="tbl" sz="quarter" idx="11"/>
             <p:extLst>
               <p:ext uri="{D42A27DB-BD31-4B8C-83A1-F6EECF244321}">
-                <p14:modId xmlns:p14="http://schemas.microsoft.com/office/powerpoint/2010/main" val="3058980776"/>
+                <p14:modId xmlns:p14="http://schemas.microsoft.com/office/powerpoint/2010/main" val="1412731052"/>
               </p:ext>
             </p:extLst>
           </p:nvPr>
         </p:nvGraphicFramePr>
         <p:xfrm>
           <a:off x="381000" y="1600200"/>
-          <a:ext cx="7892473" cy="2743200"/>
+          <a:ext cx="8077200" cy="2743200"/>
         </p:xfrm>
         <a:graphic>
           <a:graphicData uri="http://schemas.openxmlformats.org/drawingml/2006/table">
@@ -8746,21 +8746,21 @@
                 <a:tableStyleId>{5C22544A-7EE6-4342-B048-85BDC9FD1C3A}</a:tableStyleId>
               </a:tblPr>
               <a:tblGrid>
-                <a:gridCol w="3168073">
+                <a:gridCol w="3242223">
                   <a:extLst>
                     <a:ext uri="{9D8B030D-6E8A-4147-A177-3AD203B41FA5}">
                       <a16:colId xmlns:a16="http://schemas.microsoft.com/office/drawing/2014/main" val="3869438709"/>
                     </a:ext>
                   </a:extLst>
                 </a:gridCol>
-                <a:gridCol w="2209800">
+                <a:gridCol w="2777577">
                   <a:extLst>
                     <a:ext uri="{9D8B030D-6E8A-4147-A177-3AD203B41FA5}">
                       <a16:colId xmlns:a16="http://schemas.microsoft.com/office/drawing/2014/main" val="403614566"/>
                     </a:ext>
                   </a:extLst>
                 </a:gridCol>
-                <a:gridCol w="2514600">
+                <a:gridCol w="2057400">
                   <a:extLst>
                     <a:ext uri="{9D8B030D-6E8A-4147-A177-3AD203B41FA5}">
                       <a16:colId xmlns:a16="http://schemas.microsoft.com/office/drawing/2014/main" val="1164080302"/>
@@ -8832,7 +8832,7 @@
                     <a:p>
                       <a:r>
                         <a:rPr lang="en-US" sz="1400" dirty="0"/>
-                        <a:t>Authentication Code Flow or Implicit Flow</a:t>
+                        <a:t>Authentication Code Grant Flow or Implicit Flow</a:t>
                       </a:r>
                     </a:p>
                   </a:txBody>
@@ -20660,6 +20660,129 @@
 </file>
 
 <file path=customXml/item1.xml><?xml version="1.0" encoding="utf-8"?>
+<?mso-contentType ?>
+<FormTemplates xmlns="http://schemas.microsoft.com/sharepoint/v3/contenttype/forms">
+  <Display>DocumentLibraryForm</Display>
+  <Edit>DocumentLibraryForm</Edit>
+  <New>DocumentLibraryForm</New>
+</FormTemplates>
+</file>
+
+<file path=customXml/item2.xml><?xml version="1.0" encoding="utf-8"?>
+<ct:contentTypeSchema xmlns:ct="http://schemas.microsoft.com/office/2006/metadata/contentType" xmlns:ma="http://schemas.microsoft.com/office/2006/metadata/properties/metaAttributes" ct:_="" ma:_="" ma:contentTypeName="Document" ma:contentTypeID="0x01010043F7775CCE86F349BB7C51FB3CE6B150" ma:contentTypeVersion="0" ma:contentTypeDescription="Create a new document." ma:contentTypeScope="" ma:versionID="bb563817a2861b6b5994bd26a2ba9e40">
+  <xsd:schema xmlns:xsd="http://www.w3.org/2001/XMLSchema" xmlns:xs="http://www.w3.org/2001/XMLSchema" xmlns:p="http://schemas.microsoft.com/office/2006/metadata/properties" targetNamespace="http://schemas.microsoft.com/office/2006/metadata/properties" ma:root="true" ma:fieldsID="c64490b4aec6201516c3a874156f37b2">
+    <xsd:element name="properties">
+      <xsd:complexType>
+        <xsd:sequence>
+          <xsd:element name="documentManagement">
+            <xsd:complexType>
+              <xsd:all/>
+            </xsd:complexType>
+          </xsd:element>
+        </xsd:sequence>
+      </xsd:complexType>
+    </xsd:element>
+  </xsd:schema>
+  <xsd:schema xmlns="http://schemas.openxmlformats.org/package/2006/metadata/core-properties" xmlns:xsd="http://www.w3.org/2001/XMLSchema" xmlns:xsi="http://www.w3.org/2001/XMLSchema-instance" xmlns:dc="http://purl.org/dc/elements/1.1/" xmlns:dcterms="http://purl.org/dc/terms/" xmlns:odoc="http://schemas.microsoft.com/internal/obd" targetNamespace="http://schemas.openxmlformats.org/package/2006/metadata/core-properties" elementFormDefault="qualified" attributeFormDefault="unqualified" blockDefault="#all">
+    <xsd:import namespace="http://purl.org/dc/elements/1.1/" schemaLocation="http://dublincore.org/schemas/xmls/qdc/2003/04/02/dc.xsd"/>
+    <xsd:import namespace="http://purl.org/dc/terms/" schemaLocation="http://dublincore.org/schemas/xmls/qdc/2003/04/02/dcterms.xsd"/>
+    <xsd:element name="coreProperties" type="CT_coreProperties"/>
+    <xsd:complexType name="CT_coreProperties">
+      <xsd:all>
+        <xsd:element ref="dc:creator" minOccurs="0" maxOccurs="1"/>
+        <xsd:element ref="dcterms:created" minOccurs="0" maxOccurs="1"/>
+        <xsd:element ref="dc:identifier" minOccurs="0" maxOccurs="1"/>
+        <xsd:element name="contentType" minOccurs="0" maxOccurs="1" type="xsd:string" ma:index="0" ma:displayName="Content Type"/>
+        <xsd:element ref="dc:title" minOccurs="0" maxOccurs="1" ma:index="4" ma:displayName="Title"/>
+        <xsd:element ref="dc:subject" minOccurs="0" maxOccurs="1"/>
+        <xsd:element ref="dc:description" minOccurs="0" maxOccurs="1"/>
+        <xsd:element name="keywords" minOccurs="0" maxOccurs="1" type="xsd:string"/>
+        <xsd:element ref="dc:language" minOccurs="0" maxOccurs="1"/>
+        <xsd:element name="category" minOccurs="0" maxOccurs="1" type="xsd:string"/>
+        <xsd:element name="version" minOccurs="0" maxOccurs="1" type="xsd:string"/>
+        <xsd:element name="revision" minOccurs="0" maxOccurs="1" type="xsd:string">
+          <xsd:annotation>
+            <xsd:documentation>
+                        This value indicates the number of saves or revisions. The application is responsible for updating this value after each revision.
+                    </xsd:documentation>
+          </xsd:annotation>
+        </xsd:element>
+        <xsd:element name="lastModifiedBy" minOccurs="0" maxOccurs="1" type="xsd:string"/>
+        <xsd:element ref="dcterms:modified" minOccurs="0" maxOccurs="1"/>
+        <xsd:element name="contentStatus" minOccurs="0" maxOccurs="1" type="xsd:string"/>
+      </xsd:all>
+    </xsd:complexType>
+  </xsd:schema>
+  <xs:schema xmlns:pc="http://schemas.microsoft.com/office/infopath/2007/PartnerControls" xmlns:xs="http://www.w3.org/2001/XMLSchema" targetNamespace="http://schemas.microsoft.com/office/infopath/2007/PartnerControls" elementFormDefault="qualified" attributeFormDefault="unqualified">
+    <xs:element name="Person">
+      <xs:complexType>
+        <xs:sequence>
+          <xs:element ref="pc:DisplayName" minOccurs="0"/>
+          <xs:element ref="pc:AccountId" minOccurs="0"/>
+          <xs:element ref="pc:AccountType" minOccurs="0"/>
+        </xs:sequence>
+      </xs:complexType>
+    </xs:element>
+    <xs:element name="DisplayName" type="xs:string"/>
+    <xs:element name="AccountId" type="xs:string"/>
+    <xs:element name="AccountType" type="xs:string"/>
+    <xs:element name="BDCAssociatedEntity">
+      <xs:complexType>
+        <xs:sequence>
+          <xs:element ref="pc:BDCEntity" minOccurs="0" maxOccurs="unbounded"/>
+        </xs:sequence>
+        <xs:attribute ref="pc:EntityNamespace"/>
+        <xs:attribute ref="pc:EntityName"/>
+        <xs:attribute ref="pc:SystemInstanceName"/>
+        <xs:attribute ref="pc:AssociationName"/>
+      </xs:complexType>
+    </xs:element>
+    <xs:attribute name="EntityNamespace" type="xs:string"/>
+    <xs:attribute name="EntityName" type="xs:string"/>
+    <xs:attribute name="SystemInstanceName" type="xs:string"/>
+    <xs:attribute name="AssociationName" type="xs:string"/>
+    <xs:element name="BDCEntity">
+      <xs:complexType>
+        <xs:sequence>
+          <xs:element ref="pc:EntityDisplayName" minOccurs="0"/>
+          <xs:element ref="pc:EntityInstanceReference" minOccurs="0"/>
+          <xs:element ref="pc:EntityId1" minOccurs="0"/>
+          <xs:element ref="pc:EntityId2" minOccurs="0"/>
+          <xs:element ref="pc:EntityId3" minOccurs="0"/>
+          <xs:element ref="pc:EntityId4" minOccurs="0"/>
+          <xs:element ref="pc:EntityId5" minOccurs="0"/>
+        </xs:sequence>
+      </xs:complexType>
+    </xs:element>
+    <xs:element name="EntityDisplayName" type="xs:string"/>
+    <xs:element name="EntityInstanceReference" type="xs:string"/>
+    <xs:element name="EntityId1" type="xs:string"/>
+    <xs:element name="EntityId2" type="xs:string"/>
+    <xs:element name="EntityId3" type="xs:string"/>
+    <xs:element name="EntityId4" type="xs:string"/>
+    <xs:element name="EntityId5" type="xs:string"/>
+    <xs:element name="Terms">
+      <xs:complexType>
+        <xs:sequence>
+          <xs:element ref="pc:TermInfo" minOccurs="0" maxOccurs="unbounded"/>
+        </xs:sequence>
+      </xs:complexType>
+    </xs:element>
+    <xs:element name="TermInfo">
+      <xs:complexType>
+        <xs:sequence>
+          <xs:element ref="pc:TermName" minOccurs="0"/>
+          <xs:element ref="pc:TermId" minOccurs="0"/>
+        </xs:sequence>
+      </xs:complexType>
+    </xs:element>
+    <xs:element name="TermName" type="xs:string"/>
+    <xs:element name="TermId" type="xs:string"/>
+  </xs:schema>
+</ct:contentTypeSchema>
+</file>
+
+<file path=customXml/item3.xml><?xml version="1.0" encoding="utf-8"?>
 <outs:outSpaceData xmlns:outs="http://schemas.microsoft.com/office/2009/outspace/metadata">
   <outs:relatedDates>
     <outs:relatedDate>
@@ -20809,129 +20932,6 @@
 </outs:outSpaceData>
 </file>
 
-<file path=customXml/item2.xml><?xml version="1.0" encoding="utf-8"?>
-<?mso-contentType ?>
-<FormTemplates xmlns="http://schemas.microsoft.com/sharepoint/v3/contenttype/forms">
-  <Display>DocumentLibraryForm</Display>
-  <Edit>DocumentLibraryForm</Edit>
-  <New>DocumentLibraryForm</New>
-</FormTemplates>
-</file>
-
-<file path=customXml/item3.xml><?xml version="1.0" encoding="utf-8"?>
-<ct:contentTypeSchema xmlns:ct="http://schemas.microsoft.com/office/2006/metadata/contentType" xmlns:ma="http://schemas.microsoft.com/office/2006/metadata/properties/metaAttributes" ct:_="" ma:_="" ma:contentTypeName="Document" ma:contentTypeID="0x01010043F7775CCE86F349BB7C51FB3CE6B150" ma:contentTypeVersion="0" ma:contentTypeDescription="Create a new document." ma:contentTypeScope="" ma:versionID="bb563817a2861b6b5994bd26a2ba9e40">
-  <xsd:schema xmlns:xsd="http://www.w3.org/2001/XMLSchema" xmlns:xs="http://www.w3.org/2001/XMLSchema" xmlns:p="http://schemas.microsoft.com/office/2006/metadata/properties" targetNamespace="http://schemas.microsoft.com/office/2006/metadata/properties" ma:root="true" ma:fieldsID="c64490b4aec6201516c3a874156f37b2">
-    <xsd:element name="properties">
-      <xsd:complexType>
-        <xsd:sequence>
-          <xsd:element name="documentManagement">
-            <xsd:complexType>
-              <xsd:all/>
-            </xsd:complexType>
-          </xsd:element>
-        </xsd:sequence>
-      </xsd:complexType>
-    </xsd:element>
-  </xsd:schema>
-  <xsd:schema xmlns="http://schemas.openxmlformats.org/package/2006/metadata/core-properties" xmlns:xsd="http://www.w3.org/2001/XMLSchema" xmlns:xsi="http://www.w3.org/2001/XMLSchema-instance" xmlns:dc="http://purl.org/dc/elements/1.1/" xmlns:dcterms="http://purl.org/dc/terms/" xmlns:odoc="http://schemas.microsoft.com/internal/obd" targetNamespace="http://schemas.openxmlformats.org/package/2006/metadata/core-properties" elementFormDefault="qualified" attributeFormDefault="unqualified" blockDefault="#all">
-    <xsd:import namespace="http://purl.org/dc/elements/1.1/" schemaLocation="http://dublincore.org/schemas/xmls/qdc/2003/04/02/dc.xsd"/>
-    <xsd:import namespace="http://purl.org/dc/terms/" schemaLocation="http://dublincore.org/schemas/xmls/qdc/2003/04/02/dcterms.xsd"/>
-    <xsd:element name="coreProperties" type="CT_coreProperties"/>
-    <xsd:complexType name="CT_coreProperties">
-      <xsd:all>
-        <xsd:element ref="dc:creator" minOccurs="0" maxOccurs="1"/>
-        <xsd:element ref="dcterms:created" minOccurs="0" maxOccurs="1"/>
-        <xsd:element ref="dc:identifier" minOccurs="0" maxOccurs="1"/>
-        <xsd:element name="contentType" minOccurs="0" maxOccurs="1" type="xsd:string" ma:index="0" ma:displayName="Content Type"/>
-        <xsd:element ref="dc:title" minOccurs="0" maxOccurs="1" ma:index="4" ma:displayName="Title"/>
-        <xsd:element ref="dc:subject" minOccurs="0" maxOccurs="1"/>
-        <xsd:element ref="dc:description" minOccurs="0" maxOccurs="1"/>
-        <xsd:element name="keywords" minOccurs="0" maxOccurs="1" type="xsd:string"/>
-        <xsd:element ref="dc:language" minOccurs="0" maxOccurs="1"/>
-        <xsd:element name="category" minOccurs="0" maxOccurs="1" type="xsd:string"/>
-        <xsd:element name="version" minOccurs="0" maxOccurs="1" type="xsd:string"/>
-        <xsd:element name="revision" minOccurs="0" maxOccurs="1" type="xsd:string">
-          <xsd:annotation>
-            <xsd:documentation>
-                        This value indicates the number of saves or revisions. The application is responsible for updating this value after each revision.
-                    </xsd:documentation>
-          </xsd:annotation>
-        </xsd:element>
-        <xsd:element name="lastModifiedBy" minOccurs="0" maxOccurs="1" type="xsd:string"/>
-        <xsd:element ref="dcterms:modified" minOccurs="0" maxOccurs="1"/>
-        <xsd:element name="contentStatus" minOccurs="0" maxOccurs="1" type="xsd:string"/>
-      </xsd:all>
-    </xsd:complexType>
-  </xsd:schema>
-  <xs:schema xmlns:pc="http://schemas.microsoft.com/office/infopath/2007/PartnerControls" xmlns:xs="http://www.w3.org/2001/XMLSchema" targetNamespace="http://schemas.microsoft.com/office/infopath/2007/PartnerControls" elementFormDefault="qualified" attributeFormDefault="unqualified">
-    <xs:element name="Person">
-      <xs:complexType>
-        <xs:sequence>
-          <xs:element ref="pc:DisplayName" minOccurs="0"/>
-          <xs:element ref="pc:AccountId" minOccurs="0"/>
-          <xs:element ref="pc:AccountType" minOccurs="0"/>
-        </xs:sequence>
-      </xs:complexType>
-    </xs:element>
-    <xs:element name="DisplayName" type="xs:string"/>
-    <xs:element name="AccountId" type="xs:string"/>
-    <xs:element name="AccountType" type="xs:string"/>
-    <xs:element name="BDCAssociatedEntity">
-      <xs:complexType>
-        <xs:sequence>
-          <xs:element ref="pc:BDCEntity" minOccurs="0" maxOccurs="unbounded"/>
-        </xs:sequence>
-        <xs:attribute ref="pc:EntityNamespace"/>
-        <xs:attribute ref="pc:EntityName"/>
-        <xs:attribute ref="pc:SystemInstanceName"/>
-        <xs:attribute ref="pc:AssociationName"/>
-      </xs:complexType>
-    </xs:element>
-    <xs:attribute name="EntityNamespace" type="xs:string"/>
-    <xs:attribute name="EntityName" type="xs:string"/>
-    <xs:attribute name="SystemInstanceName" type="xs:string"/>
-    <xs:attribute name="AssociationName" type="xs:string"/>
-    <xs:element name="BDCEntity">
-      <xs:complexType>
-        <xs:sequence>
-          <xs:element ref="pc:EntityDisplayName" minOccurs="0"/>
-          <xs:element ref="pc:EntityInstanceReference" minOccurs="0"/>
-          <xs:element ref="pc:EntityId1" minOccurs="0"/>
-          <xs:element ref="pc:EntityId2" minOccurs="0"/>
-          <xs:element ref="pc:EntityId3" minOccurs="0"/>
-          <xs:element ref="pc:EntityId4" minOccurs="0"/>
-          <xs:element ref="pc:EntityId5" minOccurs="0"/>
-        </xs:sequence>
-      </xs:complexType>
-    </xs:element>
-    <xs:element name="EntityDisplayName" type="xs:string"/>
-    <xs:element name="EntityInstanceReference" type="xs:string"/>
-    <xs:element name="EntityId1" type="xs:string"/>
-    <xs:element name="EntityId2" type="xs:string"/>
-    <xs:element name="EntityId3" type="xs:string"/>
-    <xs:element name="EntityId4" type="xs:string"/>
-    <xs:element name="EntityId5" type="xs:string"/>
-    <xs:element name="Terms">
-      <xs:complexType>
-        <xs:sequence>
-          <xs:element ref="pc:TermInfo" minOccurs="0" maxOccurs="unbounded"/>
-        </xs:sequence>
-      </xs:complexType>
-    </xs:element>
-    <xs:element name="TermInfo">
-      <xs:complexType>
-        <xs:sequence>
-          <xs:element ref="pc:TermName" minOccurs="0"/>
-          <xs:element ref="pc:TermId" minOccurs="0"/>
-        </xs:sequence>
-      </xs:complexType>
-    </xs:element>
-    <xs:element name="TermName" type="xs:string"/>
-    <xs:element name="TermId" type="xs:string"/>
-  </xs:schema>
-</ct:contentTypeSchema>
-</file>
-
 <file path=customXml/item4.xml><?xml version="1.0" encoding="utf-8"?>
 <p:properties xmlns:p="http://schemas.microsoft.com/office/2006/metadata/properties" xmlns:xsi="http://www.w3.org/2001/XMLSchema-instance">
   <documentManagement/>
@@ -20939,14 +20939,6 @@
 </file>
 
 <file path=customXml/itemProps1.xml><?xml version="1.0" encoding="utf-8"?>
-<ds:datastoreItem xmlns:ds="http://schemas.openxmlformats.org/officeDocument/2006/customXml" ds:itemID="{8865FC99-B6BD-4E98-8312-F4F432C217EA}">
-  <ds:schemaRefs>
-    <ds:schemaRef ds:uri="http://schemas.microsoft.com/office/2009/outspace/metadata"/>
-  </ds:schemaRefs>
-</ds:datastoreItem>
-</file>
-
-<file path=customXml/itemProps2.xml><?xml version="1.0" encoding="utf-8"?>
 <ds:datastoreItem xmlns:ds="http://schemas.openxmlformats.org/officeDocument/2006/customXml" ds:itemID="{6034B84F-8F8E-48B7-9EFF-C7DE1A66BD73}">
   <ds:schemaRefs>
     <ds:schemaRef ds:uri="http://schemas.microsoft.com/sharepoint/v3/contenttype/forms"/>
@@ -20954,7 +20946,7 @@
 </ds:datastoreItem>
 </file>
 
-<file path=customXml/itemProps3.xml><?xml version="1.0" encoding="utf-8"?>
+<file path=customXml/itemProps2.xml><?xml version="1.0" encoding="utf-8"?>
 <ds:datastoreItem xmlns:ds="http://schemas.openxmlformats.org/officeDocument/2006/customXml" ds:itemID="{63F8C001-70B3-4AE4-BEC2-202AE4E30C7A}">
   <ds:schemaRefs>
     <ds:schemaRef ds:uri="http://schemas.microsoft.com/office/2006/metadata/contentType"/>
@@ -20966,6 +20958,14 @@
     <ds:schemaRef ds:uri="http://purl.org/dc/terms/"/>
     <ds:schemaRef ds:uri="http://schemas.microsoft.com/internal/obd"/>
     <ds:schemaRef ds:uri="http://schemas.microsoft.com/office/infopath/2007/PartnerControls"/>
+  </ds:schemaRefs>
+</ds:datastoreItem>
+</file>
+
+<file path=customXml/itemProps3.xml><?xml version="1.0" encoding="utf-8"?>
+<ds:datastoreItem xmlns:ds="http://schemas.openxmlformats.org/officeDocument/2006/customXml" ds:itemID="{8865FC99-B6BD-4E98-8312-F4F432C217EA}">
+  <ds:schemaRefs>
+    <ds:schemaRef ds:uri="http://schemas.microsoft.com/office/2009/outspace/metadata"/>
   </ds:schemaRefs>
 </ds:datastoreItem>
 </file>
